--- a/lessons/ni/Семинар_3.pptx
+++ b/lessons/ni/Семинар_3.pptx
@@ -5,20 +5,15 @@
     <p:sldMasterId id="2147483648" r:id="rId1"/>
   </p:sldMasterIdLst>
   <p:notesMasterIdLst>
-    <p:notesMasterId r:id="rId13"/>
+    <p:notesMasterId r:id="rId8"/>
   </p:notesMasterIdLst>
   <p:sldIdLst>
     <p:sldId id="256" r:id="rId2"/>
-    <p:sldId id="258" r:id="rId3"/>
-    <p:sldId id="261" r:id="rId4"/>
-    <p:sldId id="259" r:id="rId5"/>
-    <p:sldId id="260" r:id="rId6"/>
-    <p:sldId id="262" r:id="rId7"/>
-    <p:sldId id="266" r:id="rId8"/>
-    <p:sldId id="263" r:id="rId9"/>
-    <p:sldId id="264" r:id="rId10"/>
-    <p:sldId id="265" r:id="rId11"/>
-    <p:sldId id="267" r:id="rId12"/>
+    <p:sldId id="266" r:id="rId3"/>
+    <p:sldId id="263" r:id="rId4"/>
+    <p:sldId id="264" r:id="rId5"/>
+    <p:sldId id="265" r:id="rId6"/>
+    <p:sldId id="267" r:id="rId7"/>
   </p:sldIdLst>
   <p:sldSz cx="12192000" cy="6858000"/>
   <p:notesSz cx="6858000" cy="9144000"/>
@@ -207,7 +202,7 @@
           <a:p>
             <a:fld id="{D43CFD84-7B8F-D244-84D0-98F401DAD476}" type="datetimeFigureOut">
               <a:rPr lang="ru-RU" smtClean="0"/>
-              <a:t>18.02.2021</a:t>
+              <a:t>22.02.2021</a:t>
             </a:fld>
             <a:endParaRPr lang="ru-RU"/>
           </a:p>
@@ -621,7 +616,7 @@
           <a:p>
             <a:fld id="{247D7069-47F3-7242-9F2E-40A05EBF08C0}" type="datetimeFigureOut">
               <a:rPr lang="ru-RU" smtClean="0"/>
-              <a:t>18.02.2021</a:t>
+              <a:t>22.02.2021</a:t>
             </a:fld>
             <a:endParaRPr lang="ru-RU"/>
           </a:p>
@@ -819,7 +814,7 @@
           <a:p>
             <a:fld id="{247D7069-47F3-7242-9F2E-40A05EBF08C0}" type="datetimeFigureOut">
               <a:rPr lang="ru-RU" smtClean="0"/>
-              <a:t>18.02.2021</a:t>
+              <a:t>22.02.2021</a:t>
             </a:fld>
             <a:endParaRPr lang="ru-RU"/>
           </a:p>
@@ -1027,7 +1022,7 @@
           <a:p>
             <a:fld id="{247D7069-47F3-7242-9F2E-40A05EBF08C0}" type="datetimeFigureOut">
               <a:rPr lang="ru-RU" smtClean="0"/>
-              <a:t>18.02.2021</a:t>
+              <a:t>22.02.2021</a:t>
             </a:fld>
             <a:endParaRPr lang="ru-RU"/>
           </a:p>
@@ -1225,7 +1220,7 @@
           <a:p>
             <a:fld id="{247D7069-47F3-7242-9F2E-40A05EBF08C0}" type="datetimeFigureOut">
               <a:rPr lang="ru-RU" smtClean="0"/>
-              <a:t>18.02.2021</a:t>
+              <a:t>22.02.2021</a:t>
             </a:fld>
             <a:endParaRPr lang="ru-RU"/>
           </a:p>
@@ -1500,7 +1495,7 @@
           <a:p>
             <a:fld id="{247D7069-47F3-7242-9F2E-40A05EBF08C0}" type="datetimeFigureOut">
               <a:rPr lang="ru-RU" smtClean="0"/>
-              <a:t>18.02.2021</a:t>
+              <a:t>22.02.2021</a:t>
             </a:fld>
             <a:endParaRPr lang="ru-RU"/>
           </a:p>
@@ -1765,7 +1760,7 @@
           <a:p>
             <a:fld id="{247D7069-47F3-7242-9F2E-40A05EBF08C0}" type="datetimeFigureOut">
               <a:rPr lang="ru-RU" smtClean="0"/>
-              <a:t>18.02.2021</a:t>
+              <a:t>22.02.2021</a:t>
             </a:fld>
             <a:endParaRPr lang="ru-RU"/>
           </a:p>
@@ -2177,7 +2172,7 @@
           <a:p>
             <a:fld id="{247D7069-47F3-7242-9F2E-40A05EBF08C0}" type="datetimeFigureOut">
               <a:rPr lang="ru-RU" smtClean="0"/>
-              <a:t>18.02.2021</a:t>
+              <a:t>22.02.2021</a:t>
             </a:fld>
             <a:endParaRPr lang="ru-RU"/>
           </a:p>
@@ -2318,7 +2313,7 @@
           <a:p>
             <a:fld id="{247D7069-47F3-7242-9F2E-40A05EBF08C0}" type="datetimeFigureOut">
               <a:rPr lang="ru-RU" smtClean="0"/>
-              <a:t>18.02.2021</a:t>
+              <a:t>22.02.2021</a:t>
             </a:fld>
             <a:endParaRPr lang="ru-RU"/>
           </a:p>
@@ -2431,7 +2426,7 @@
           <a:p>
             <a:fld id="{247D7069-47F3-7242-9F2E-40A05EBF08C0}" type="datetimeFigureOut">
               <a:rPr lang="ru-RU" smtClean="0"/>
-              <a:t>18.02.2021</a:t>
+              <a:t>22.02.2021</a:t>
             </a:fld>
             <a:endParaRPr lang="ru-RU"/>
           </a:p>
@@ -2742,7 +2737,7 @@
           <a:p>
             <a:fld id="{247D7069-47F3-7242-9F2E-40A05EBF08C0}" type="datetimeFigureOut">
               <a:rPr lang="ru-RU" smtClean="0"/>
-              <a:t>18.02.2021</a:t>
+              <a:t>22.02.2021</a:t>
             </a:fld>
             <a:endParaRPr lang="ru-RU"/>
           </a:p>
@@ -3030,7 +3025,7 @@
           <a:p>
             <a:fld id="{247D7069-47F3-7242-9F2E-40A05EBF08C0}" type="datetimeFigureOut">
               <a:rPr lang="ru-RU" smtClean="0"/>
-              <a:t>18.02.2021</a:t>
+              <a:t>22.02.2021</a:t>
             </a:fld>
             <a:endParaRPr lang="ru-RU"/>
           </a:p>
@@ -3271,7 +3266,7 @@
           <a:p>
             <a:fld id="{247D7069-47F3-7242-9F2E-40A05EBF08C0}" type="datetimeFigureOut">
               <a:rPr lang="ru-RU" smtClean="0"/>
-              <a:t>18.02.2021</a:t>
+              <a:t>22.02.2021</a:t>
             </a:fld>
             <a:endParaRPr lang="ru-RU"/>
           </a:p>
@@ -3738,5543 +3733,7 @@
 </p:sld>
 </file>
 
-<file path=ppt/slides/slide10.xml><?xml version="1.0" encoding="utf-8"?>
-<p:sld xmlns:a="http://schemas.openxmlformats.org/drawingml/2006/main" xmlns:r="http://schemas.openxmlformats.org/officeDocument/2006/relationships" xmlns:p="http://schemas.openxmlformats.org/presentationml/2006/main">
-  <p:cSld>
-    <p:spTree>
-      <p:nvGrpSpPr>
-        <p:cNvPr id="1" name=""/>
-        <p:cNvGrpSpPr/>
-        <p:nvPr/>
-      </p:nvGrpSpPr>
-      <p:grpSpPr>
-        <a:xfrm>
-          <a:off x="0" y="0"/>
-          <a:ext cx="0" cy="0"/>
-          <a:chOff x="0" y="0"/>
-          <a:chExt cx="0" cy="0"/>
-        </a:xfrm>
-      </p:grpSpPr>
-      <p:sp>
-        <p:nvSpPr>
-          <p:cNvPr id="2" name="Заголовок 1">
-            <a:extLst>
-              <a:ext uri="{FF2B5EF4-FFF2-40B4-BE49-F238E27FC236}">
-                <a16:creationId xmlns:a16="http://schemas.microsoft.com/office/drawing/2014/main" id="{ACC443C0-F854-C04E-8AEF-F93EF9DE8492}"/>
-              </a:ext>
-            </a:extLst>
-          </p:cNvPr>
-          <p:cNvSpPr>
-            <a:spLocks noGrp="1"/>
-          </p:cNvSpPr>
-          <p:nvPr>
-            <p:ph type="title"/>
-          </p:nvPr>
-        </p:nvSpPr>
-        <p:spPr/>
-        <p:txBody>
-          <a:bodyPr/>
-          <a:lstStyle/>
-          <a:p>
-            <a:r>
-              <a:rPr lang="ru-RU" dirty="0"/>
-              <a:t>Доли. Дисперсия.</a:t>
-            </a:r>
-          </a:p>
-        </p:txBody>
-      </p:sp>
-      <mc:AlternateContent xmlns:mc="http://schemas.openxmlformats.org/markup-compatibility/2006" xmlns:a14="http://schemas.microsoft.com/office/drawing/2010/main">
-        <mc:Choice Requires="a14">
-          <p:sp>
-            <p:nvSpPr>
-              <p:cNvPr id="3" name="Объект 2">
-                <a:extLst>
-                  <a:ext uri="{FF2B5EF4-FFF2-40B4-BE49-F238E27FC236}">
-                    <a16:creationId xmlns:a16="http://schemas.microsoft.com/office/drawing/2014/main" id="{E97E85C5-3288-C943-9F1D-5140B10598B9}"/>
-                  </a:ext>
-                </a:extLst>
-              </p:cNvPr>
-              <p:cNvSpPr>
-                <a:spLocks noGrp="1"/>
-              </p:cNvSpPr>
-              <p:nvPr>
-                <p:ph idx="1"/>
-              </p:nvPr>
-            </p:nvSpPr>
-            <p:spPr/>
-            <p:txBody>
-              <a:bodyPr/>
-              <a:lstStyle/>
-              <a:p>
-                <a14:m>
-                  <m:oMath xmlns:m="http://schemas.openxmlformats.org/officeDocument/2006/math">
-                    <m:sSup>
-                      <m:sSupPr>
-                        <m:ctrlPr>
-                          <a:rPr lang="en-US" b="0" i="1" smtClean="0">
-                            <a:latin typeface="Cambria Math" panose="02040503050406030204" pitchFamily="18" charset="0"/>
-                          </a:rPr>
-                        </m:ctrlPr>
-                      </m:sSupPr>
-                      <m:e>
-                        <m:r>
-                          <a:rPr lang="en-US" b="0" i="1" smtClean="0">
-                            <a:latin typeface="Cambria Math" panose="02040503050406030204" pitchFamily="18" charset="0"/>
-                          </a:rPr>
-                          <m:t>𝑆</m:t>
-                        </m:r>
-                      </m:e>
-                      <m:sup>
-                        <m:r>
-                          <a:rPr lang="en-US" b="0" i="1" smtClean="0">
-                            <a:latin typeface="Cambria Math" panose="02040503050406030204" pitchFamily="18" charset="0"/>
-                          </a:rPr>
-                          <m:t>2</m:t>
-                        </m:r>
-                      </m:sup>
-                    </m:sSup>
-                    <m:r>
-                      <a:rPr lang="en-US" b="0" i="1" smtClean="0">
-                        <a:latin typeface="Cambria Math" panose="02040503050406030204" pitchFamily="18" charset="0"/>
-                      </a:rPr>
-                      <m:t>=</m:t>
-                    </m:r>
-                    <m:f>
-                      <m:fPr>
-                        <m:ctrlPr>
-                          <a:rPr lang="en-US" b="0" i="1" smtClean="0">
-                            <a:latin typeface="Cambria Math" panose="02040503050406030204" pitchFamily="18" charset="0"/>
-                          </a:rPr>
-                        </m:ctrlPr>
-                      </m:fPr>
-                      <m:num>
-                        <m:r>
-                          <a:rPr lang="en-US" b="0" i="1" smtClean="0">
-                            <a:latin typeface="Cambria Math" panose="02040503050406030204" pitchFamily="18" charset="0"/>
-                          </a:rPr>
-                          <m:t>𝑁</m:t>
-                        </m:r>
-                      </m:num>
-                      <m:den>
-                        <m:r>
-                          <a:rPr lang="en-US" b="0" i="1" smtClean="0">
-                            <a:latin typeface="Cambria Math" panose="02040503050406030204" pitchFamily="18" charset="0"/>
-                          </a:rPr>
-                          <m:t>𝑁</m:t>
-                        </m:r>
-                        <m:r>
-                          <a:rPr lang="en-US" b="0" i="1" smtClean="0">
-                            <a:latin typeface="Cambria Math" panose="02040503050406030204" pitchFamily="18" charset="0"/>
-                          </a:rPr>
-                          <m:t>−1</m:t>
-                        </m:r>
-                      </m:den>
-                    </m:f>
-                    <m:r>
-                      <a:rPr lang="en-US" b="0" i="1" smtClean="0">
-                        <a:latin typeface="Cambria Math" panose="02040503050406030204" pitchFamily="18" charset="0"/>
-                      </a:rPr>
-                      <m:t>𝑃𝑄</m:t>
-                    </m:r>
-                  </m:oMath>
-                </a14:m>
-                <a:r>
-                  <a:rPr lang="en-US" b="0" dirty="0"/>
-                  <a:t>, </a:t>
-                </a:r>
-                <a14:m>
-                  <m:oMath xmlns:m="http://schemas.openxmlformats.org/officeDocument/2006/math">
-                    <m:r>
-                      <a:rPr lang="en-US" b="0" i="1" smtClean="0">
-                        <a:latin typeface="Cambria Math" panose="02040503050406030204" pitchFamily="18" charset="0"/>
-                      </a:rPr>
-                      <m:t>𝑄</m:t>
-                    </m:r>
-                    <m:r>
-                      <a:rPr lang="en-US" b="0" i="1" smtClean="0">
-                        <a:latin typeface="Cambria Math" panose="02040503050406030204" pitchFamily="18" charset="0"/>
-                      </a:rPr>
-                      <m:t>=1−</m:t>
-                    </m:r>
-                    <m:r>
-                      <a:rPr lang="en-US" b="0" i="1" smtClean="0">
-                        <a:latin typeface="Cambria Math" panose="02040503050406030204" pitchFamily="18" charset="0"/>
-                      </a:rPr>
-                      <m:t>𝑃</m:t>
-                    </m:r>
-                  </m:oMath>
-                </a14:m>
-                <a:endParaRPr lang="en-US" b="0" i="1" dirty="0">
-                  <a:latin typeface="Cambria Math" panose="02040503050406030204" pitchFamily="18" charset="0"/>
-                </a:endParaRPr>
-              </a:p>
-              <a:p>
-                <a14:m>
-                  <m:oMath xmlns:m="http://schemas.openxmlformats.org/officeDocument/2006/math">
-                    <m:sSup>
-                      <m:sSupPr>
-                        <m:ctrlPr>
-                          <a:rPr lang="en-US" b="0" i="1" smtClean="0">
-                            <a:latin typeface="Cambria Math" panose="02040503050406030204" pitchFamily="18" charset="0"/>
-                          </a:rPr>
-                        </m:ctrlPr>
-                      </m:sSupPr>
-                      <m:e>
-                        <m:r>
-                          <a:rPr lang="en-US" b="0" i="1" smtClean="0">
-                            <a:latin typeface="Cambria Math" panose="02040503050406030204" pitchFamily="18" charset="0"/>
-                          </a:rPr>
-                          <m:t>𝑠</m:t>
-                        </m:r>
-                      </m:e>
-                      <m:sup>
-                        <m:r>
-                          <a:rPr lang="en-US" b="0" i="1" smtClean="0">
-                            <a:latin typeface="Cambria Math" panose="02040503050406030204" pitchFamily="18" charset="0"/>
-                          </a:rPr>
-                          <m:t>2</m:t>
-                        </m:r>
-                      </m:sup>
-                    </m:sSup>
-                    <m:r>
-                      <a:rPr lang="en-US" b="0" i="1" smtClean="0">
-                        <a:latin typeface="Cambria Math" panose="02040503050406030204" pitchFamily="18" charset="0"/>
-                      </a:rPr>
-                      <m:t>=</m:t>
-                    </m:r>
-                    <m:f>
-                      <m:fPr>
-                        <m:ctrlPr>
-                          <a:rPr lang="en-US" b="0" i="1" smtClean="0">
-                            <a:latin typeface="Cambria Math" panose="02040503050406030204" pitchFamily="18" charset="0"/>
-                          </a:rPr>
-                        </m:ctrlPr>
-                      </m:fPr>
-                      <m:num>
-                        <m:r>
-                          <a:rPr lang="en-US" b="0" i="1" smtClean="0">
-                            <a:latin typeface="Cambria Math" panose="02040503050406030204" pitchFamily="18" charset="0"/>
-                          </a:rPr>
-                          <m:t>𝑛</m:t>
-                        </m:r>
-                      </m:num>
-                      <m:den>
-                        <m:r>
-                          <a:rPr lang="en-US" b="0" i="1" smtClean="0">
-                            <a:latin typeface="Cambria Math" panose="02040503050406030204" pitchFamily="18" charset="0"/>
-                          </a:rPr>
-                          <m:t>𝑛</m:t>
-                        </m:r>
-                        <m:r>
-                          <a:rPr lang="en-US" b="0" i="1" smtClean="0">
-                            <a:latin typeface="Cambria Math" panose="02040503050406030204" pitchFamily="18" charset="0"/>
-                          </a:rPr>
-                          <m:t>−1</m:t>
-                        </m:r>
-                      </m:den>
-                    </m:f>
-                    <m:r>
-                      <a:rPr lang="en-US" b="0" i="1" smtClean="0">
-                        <a:latin typeface="Cambria Math" panose="02040503050406030204" pitchFamily="18" charset="0"/>
-                      </a:rPr>
-                      <m:t>𝑝𝑞</m:t>
-                    </m:r>
-                  </m:oMath>
-                </a14:m>
-                <a:r>
-                  <a:rPr lang="en-US" dirty="0"/>
-                  <a:t>, </a:t>
-                </a:r>
-                <a14:m>
-                  <m:oMath xmlns:m="http://schemas.openxmlformats.org/officeDocument/2006/math">
-                    <m:r>
-                      <a:rPr lang="en-US" b="0" i="1" smtClean="0">
-                        <a:latin typeface="Cambria Math" panose="02040503050406030204" pitchFamily="18" charset="0"/>
-                      </a:rPr>
-                      <m:t>𝑞</m:t>
-                    </m:r>
-                    <m:r>
-                      <a:rPr lang="en-US" b="0" i="1" smtClean="0">
-                        <a:latin typeface="Cambria Math" panose="02040503050406030204" pitchFamily="18" charset="0"/>
-                      </a:rPr>
-                      <m:t>=1−</m:t>
-                    </m:r>
-                    <m:r>
-                      <a:rPr lang="en-US" b="0" i="1" smtClean="0">
-                        <a:latin typeface="Cambria Math" panose="02040503050406030204" pitchFamily="18" charset="0"/>
-                      </a:rPr>
-                      <m:t>𝑝</m:t>
-                    </m:r>
-                  </m:oMath>
-                </a14:m>
-                <a:endParaRPr lang="en-US" dirty="0"/>
-              </a:p>
-              <a:p>
-                <a:r>
-                  <a:rPr lang="ru-RU" dirty="0"/>
-                  <a:t>Несмещенная оценка дисперсии </a:t>
-                </a:r>
-                <a14:m>
-                  <m:oMath xmlns:m="http://schemas.openxmlformats.org/officeDocument/2006/math">
-                    <m:acc>
-                      <m:accPr>
-                        <m:chr m:val="̅"/>
-                        <m:ctrlPr>
-                          <a:rPr lang="ru-RU" i="1" smtClean="0">
-                            <a:latin typeface="Cambria Math" panose="02040503050406030204" pitchFamily="18" charset="0"/>
-                          </a:rPr>
-                        </m:ctrlPr>
-                      </m:accPr>
-                      <m:e>
-                        <m:r>
-                          <a:rPr lang="en-US" b="0" i="1" smtClean="0">
-                            <a:latin typeface="Cambria Math" panose="02040503050406030204" pitchFamily="18" charset="0"/>
-                          </a:rPr>
-                          <m:t>𝑦</m:t>
-                        </m:r>
-                      </m:e>
-                    </m:acc>
-                  </m:oMath>
-                </a14:m>
-                <a:br>
-                  <a:rPr lang="en-US" dirty="0"/>
-                </a:br>
-                <a14:m>
-                  <m:oMath xmlns:m="http://schemas.openxmlformats.org/officeDocument/2006/math">
-                    <m:r>
-                      <a:rPr lang="en-US" b="0" i="1" smtClean="0">
-                        <a:latin typeface="Cambria Math" panose="02040503050406030204" pitchFamily="18" charset="0"/>
-                      </a:rPr>
-                      <m:t>𝑣</m:t>
-                    </m:r>
-                    <m:d>
-                      <m:dPr>
-                        <m:ctrlPr>
-                          <a:rPr lang="en-US" b="0" i="1" smtClean="0">
-                            <a:latin typeface="Cambria Math" panose="02040503050406030204" pitchFamily="18" charset="0"/>
-                          </a:rPr>
-                        </m:ctrlPr>
-                      </m:dPr>
-                      <m:e>
-                        <m:r>
-                          <a:rPr lang="en-US" b="0" i="1" smtClean="0">
-                            <a:latin typeface="Cambria Math" panose="02040503050406030204" pitchFamily="18" charset="0"/>
-                          </a:rPr>
-                          <m:t>𝑝</m:t>
-                        </m:r>
-                      </m:e>
-                    </m:d>
-                    <m:r>
-                      <a:rPr lang="en-US" b="0" i="1" smtClean="0">
-                        <a:latin typeface="Cambria Math" panose="02040503050406030204" pitchFamily="18" charset="0"/>
-                      </a:rPr>
-                      <m:t>=</m:t>
-                    </m:r>
-                    <m:f>
-                      <m:fPr>
-                        <m:ctrlPr>
-                          <a:rPr lang="en-US" b="0" i="1" smtClean="0">
-                            <a:latin typeface="Cambria Math" panose="02040503050406030204" pitchFamily="18" charset="0"/>
-                          </a:rPr>
-                        </m:ctrlPr>
-                      </m:fPr>
-                      <m:num>
-                        <m:r>
-                          <a:rPr lang="en-US" b="0" i="1" smtClean="0">
-                            <a:latin typeface="Cambria Math" panose="02040503050406030204" pitchFamily="18" charset="0"/>
-                          </a:rPr>
-                          <m:t>𝑁</m:t>
-                        </m:r>
-                        <m:r>
-                          <a:rPr lang="en-US" b="0" i="1" smtClean="0">
-                            <a:latin typeface="Cambria Math" panose="02040503050406030204" pitchFamily="18" charset="0"/>
-                          </a:rPr>
-                          <m:t>−</m:t>
-                        </m:r>
-                        <m:r>
-                          <a:rPr lang="en-US" b="0" i="1" smtClean="0">
-                            <a:latin typeface="Cambria Math" panose="02040503050406030204" pitchFamily="18" charset="0"/>
-                          </a:rPr>
-                          <m:t>𝑛</m:t>
-                        </m:r>
-                      </m:num>
-                      <m:den>
-                        <m:d>
-                          <m:dPr>
-                            <m:ctrlPr>
-                              <a:rPr lang="en-US" b="0" i="1" smtClean="0">
-                                <a:latin typeface="Cambria Math" panose="02040503050406030204" pitchFamily="18" charset="0"/>
-                              </a:rPr>
-                            </m:ctrlPr>
-                          </m:dPr>
-                          <m:e>
-                            <m:r>
-                              <a:rPr lang="en-US" b="0" i="1" smtClean="0">
-                                <a:latin typeface="Cambria Math" panose="02040503050406030204" pitchFamily="18" charset="0"/>
-                              </a:rPr>
-                              <m:t>𝑛</m:t>
-                            </m:r>
-                            <m:r>
-                              <a:rPr lang="en-US" b="0" i="1" smtClean="0">
-                                <a:latin typeface="Cambria Math" panose="02040503050406030204" pitchFamily="18" charset="0"/>
-                              </a:rPr>
-                              <m:t>−1</m:t>
-                            </m:r>
-                          </m:e>
-                        </m:d>
-                        <m:r>
-                          <a:rPr lang="en-US" b="0" i="1" smtClean="0">
-                            <a:latin typeface="Cambria Math" panose="02040503050406030204" pitchFamily="18" charset="0"/>
-                          </a:rPr>
-                          <m:t>𝑁</m:t>
-                        </m:r>
-                      </m:den>
-                    </m:f>
-                    <m:r>
-                      <a:rPr lang="en-US" b="0" i="1" smtClean="0">
-                        <a:latin typeface="Cambria Math" panose="02040503050406030204" pitchFamily="18" charset="0"/>
-                      </a:rPr>
-                      <m:t>𝑝𝑞</m:t>
-                    </m:r>
-                  </m:oMath>
-                </a14:m>
-                <a:endParaRPr lang="en-US" b="0" dirty="0"/>
-              </a:p>
-              <a:p>
-                <a:r>
-                  <a:rPr lang="ru-RU" dirty="0"/>
-                  <a:t>Несмещенная оценка дисперсии </a:t>
-                </a:r>
-                <a14:m>
-                  <m:oMath xmlns:m="http://schemas.openxmlformats.org/officeDocument/2006/math">
-                    <m:acc>
-                      <m:accPr>
-                        <m:chr m:val="̂"/>
-                        <m:ctrlPr>
-                          <a:rPr lang="ru-RU" i="1" smtClean="0">
-                            <a:latin typeface="Cambria Math" panose="02040503050406030204" pitchFamily="18" charset="0"/>
-                          </a:rPr>
-                        </m:ctrlPr>
-                      </m:accPr>
-                      <m:e>
-                        <m:r>
-                          <a:rPr lang="en-US" b="0" i="1" smtClean="0">
-                            <a:latin typeface="Cambria Math" panose="02040503050406030204" pitchFamily="18" charset="0"/>
-                          </a:rPr>
-                          <m:t>𝐴</m:t>
-                        </m:r>
-                      </m:e>
-                    </m:acc>
-                    <m:r>
-                      <a:rPr lang="en-US" b="0" i="1" smtClean="0">
-                        <a:latin typeface="Cambria Math" panose="02040503050406030204" pitchFamily="18" charset="0"/>
-                      </a:rPr>
-                      <m:t>=</m:t>
-                    </m:r>
-                    <m:r>
-                      <a:rPr lang="en-US" b="0" i="1" smtClean="0">
-                        <a:latin typeface="Cambria Math" panose="02040503050406030204" pitchFamily="18" charset="0"/>
-                      </a:rPr>
-                      <m:t>𝑁𝑝</m:t>
-                    </m:r>
-                  </m:oMath>
-                </a14:m>
-                <a:br>
-                  <a:rPr lang="en-US" b="0" dirty="0"/>
-                </a:br>
-                <a14:m>
-                  <m:oMath xmlns:m="http://schemas.openxmlformats.org/officeDocument/2006/math">
-                    <m:r>
-                      <a:rPr lang="en-US" b="0" i="1" smtClean="0">
-                        <a:latin typeface="Cambria Math" panose="02040503050406030204" pitchFamily="18" charset="0"/>
-                      </a:rPr>
-                      <m:t>𝑣</m:t>
-                    </m:r>
-                    <m:d>
-                      <m:dPr>
-                        <m:ctrlPr>
-                          <a:rPr lang="en-US" b="0" i="1" smtClean="0">
-                            <a:latin typeface="Cambria Math" panose="02040503050406030204" pitchFamily="18" charset="0"/>
-                          </a:rPr>
-                        </m:ctrlPr>
-                      </m:dPr>
-                      <m:e>
-                        <m:acc>
-                          <m:accPr>
-                            <m:chr m:val="̂"/>
-                            <m:ctrlPr>
-                              <a:rPr lang="en-US" b="0" i="1" smtClean="0">
-                                <a:latin typeface="Cambria Math" panose="02040503050406030204" pitchFamily="18" charset="0"/>
-                              </a:rPr>
-                            </m:ctrlPr>
-                          </m:accPr>
-                          <m:e>
-                            <m:r>
-                              <a:rPr lang="en-US" b="0" i="1" smtClean="0">
-                                <a:latin typeface="Cambria Math" panose="02040503050406030204" pitchFamily="18" charset="0"/>
-                              </a:rPr>
-                              <m:t>𝐴</m:t>
-                            </m:r>
-                          </m:e>
-                        </m:acc>
-                      </m:e>
-                    </m:d>
-                    <m:r>
-                      <a:rPr lang="en-US" b="0" i="1" smtClean="0">
-                        <a:latin typeface="Cambria Math" panose="02040503050406030204" pitchFamily="18" charset="0"/>
-                      </a:rPr>
-                      <m:t>=</m:t>
-                    </m:r>
-                    <m:f>
-                      <m:fPr>
-                        <m:ctrlPr>
-                          <a:rPr lang="en-US" b="0" i="1" smtClean="0">
-                            <a:latin typeface="Cambria Math" panose="02040503050406030204" pitchFamily="18" charset="0"/>
-                          </a:rPr>
-                        </m:ctrlPr>
-                      </m:fPr>
-                      <m:num>
-                        <m:r>
-                          <a:rPr lang="en-US" b="0" i="1" smtClean="0">
-                            <a:latin typeface="Cambria Math" panose="02040503050406030204" pitchFamily="18" charset="0"/>
-                          </a:rPr>
-                          <m:t>𝑁</m:t>
-                        </m:r>
-                        <m:d>
-                          <m:dPr>
-                            <m:ctrlPr>
-                              <a:rPr lang="en-US" b="0" i="1" smtClean="0">
-                                <a:latin typeface="Cambria Math" panose="02040503050406030204" pitchFamily="18" charset="0"/>
-                              </a:rPr>
-                            </m:ctrlPr>
-                          </m:dPr>
-                          <m:e>
-                            <m:r>
-                              <a:rPr lang="en-US" b="0" i="1" smtClean="0">
-                                <a:latin typeface="Cambria Math" panose="02040503050406030204" pitchFamily="18" charset="0"/>
-                              </a:rPr>
-                              <m:t>𝑁</m:t>
-                            </m:r>
-                            <m:r>
-                              <a:rPr lang="en-US" b="0" i="1" smtClean="0">
-                                <a:latin typeface="Cambria Math" panose="02040503050406030204" pitchFamily="18" charset="0"/>
-                              </a:rPr>
-                              <m:t>−</m:t>
-                            </m:r>
-                            <m:r>
-                              <a:rPr lang="en-US" b="0" i="1" smtClean="0">
-                                <a:latin typeface="Cambria Math" panose="02040503050406030204" pitchFamily="18" charset="0"/>
-                              </a:rPr>
-                              <m:t>𝑛</m:t>
-                            </m:r>
-                          </m:e>
-                        </m:d>
-                      </m:num>
-                      <m:den>
-                        <m:r>
-                          <a:rPr lang="en-US" b="0" i="1" smtClean="0">
-                            <a:latin typeface="Cambria Math" panose="02040503050406030204" pitchFamily="18" charset="0"/>
-                          </a:rPr>
-                          <m:t>𝑛</m:t>
-                        </m:r>
-                        <m:r>
-                          <a:rPr lang="en-US" b="0" i="1" smtClean="0">
-                            <a:latin typeface="Cambria Math" panose="02040503050406030204" pitchFamily="18" charset="0"/>
-                          </a:rPr>
-                          <m:t>−1</m:t>
-                        </m:r>
-                      </m:den>
-                    </m:f>
-                    <m:r>
-                      <a:rPr lang="en-US" b="0" i="1" smtClean="0">
-                        <a:latin typeface="Cambria Math" panose="02040503050406030204" pitchFamily="18" charset="0"/>
-                      </a:rPr>
-                      <m:t>𝑝𝑞</m:t>
-                    </m:r>
-                  </m:oMath>
-                </a14:m>
-                <a:endParaRPr lang="en-US" b="0" dirty="0"/>
-              </a:p>
-            </p:txBody>
-          </p:sp>
-        </mc:Choice>
-        <mc:Fallback xmlns="">
-          <p:sp>
-            <p:nvSpPr>
-              <p:cNvPr id="3" name="Объект 2">
-                <a:extLst>
-                  <a:ext uri="{FF2B5EF4-FFF2-40B4-BE49-F238E27FC236}">
-                    <a16:creationId xmlns:a16="http://schemas.microsoft.com/office/drawing/2014/main" id="{E97E85C5-3288-C943-9F1D-5140B10598B9}"/>
-                  </a:ext>
-                </a:extLst>
-              </p:cNvPr>
-              <p:cNvSpPr>
-                <a:spLocks noGrp="1" noRot="1" noChangeAspect="1" noMove="1" noResize="1" noEditPoints="1" noAdjustHandles="1" noChangeArrowheads="1" noChangeShapeType="1" noTextEdit="1"/>
-              </p:cNvSpPr>
-              <p:nvPr>
-                <p:ph idx="1"/>
-              </p:nvPr>
-            </p:nvSpPr>
-            <p:spPr>
-              <a:blipFill>
-                <a:blip r:embed="rId2"/>
-                <a:stretch>
-                  <a:fillRect l="-1086" t="-291"/>
-                </a:stretch>
-              </a:blipFill>
-            </p:spPr>
-            <p:txBody>
-              <a:bodyPr/>
-              <a:lstStyle/>
-              <a:p>
-                <a:r>
-                  <a:rPr lang="ru-RU">
-                    <a:noFill/>
-                  </a:rPr>
-                  <a:t> </a:t>
-                </a:r>
-              </a:p>
-            </p:txBody>
-          </p:sp>
-        </mc:Fallback>
-      </mc:AlternateContent>
-    </p:spTree>
-    <p:extLst>
-      <p:ext uri="{BB962C8B-B14F-4D97-AF65-F5344CB8AC3E}">
-        <p14:creationId xmlns:p14="http://schemas.microsoft.com/office/powerpoint/2010/main" val="985668323"/>
-      </p:ext>
-    </p:extLst>
-  </p:cSld>
-  <p:clrMapOvr>
-    <a:masterClrMapping/>
-  </p:clrMapOvr>
-</p:sld>
-</file>
-
-<file path=ppt/slides/slide11.xml><?xml version="1.0" encoding="utf-8"?>
-<p:sld xmlns:a="http://schemas.openxmlformats.org/drawingml/2006/main" xmlns:r="http://schemas.openxmlformats.org/officeDocument/2006/relationships" xmlns:p="http://schemas.openxmlformats.org/presentationml/2006/main">
-  <p:cSld>
-    <p:spTree>
-      <p:nvGrpSpPr>
-        <p:cNvPr id="1" name=""/>
-        <p:cNvGrpSpPr/>
-        <p:nvPr/>
-      </p:nvGrpSpPr>
-      <p:grpSpPr>
-        <a:xfrm>
-          <a:off x="0" y="0"/>
-          <a:ext cx="0" cy="0"/>
-          <a:chOff x="0" y="0"/>
-          <a:chExt cx="0" cy="0"/>
-        </a:xfrm>
-      </p:grpSpPr>
-      <p:sp>
-        <p:nvSpPr>
-          <p:cNvPr id="2" name="Заголовок 1">
-            <a:extLst>
-              <a:ext uri="{FF2B5EF4-FFF2-40B4-BE49-F238E27FC236}">
-                <a16:creationId xmlns:a16="http://schemas.microsoft.com/office/drawing/2014/main" id="{2DFAA03C-40FE-E24E-884F-3B17775AE257}"/>
-              </a:ext>
-            </a:extLst>
-          </p:cNvPr>
-          <p:cNvSpPr>
-            <a:spLocks noGrp="1"/>
-          </p:cNvSpPr>
-          <p:nvPr>
-            <p:ph type="title"/>
-          </p:nvPr>
-        </p:nvSpPr>
-        <p:spPr/>
-        <p:txBody>
-          <a:bodyPr/>
-          <a:lstStyle/>
-          <a:p>
-            <a:r>
-              <a:rPr lang="ru-RU" dirty="0"/>
-              <a:t>Доли. </a:t>
-            </a:r>
-            <a:r>
-              <a:rPr lang="ru-RU"/>
-              <a:t>Доверительные интервалы.</a:t>
-            </a:r>
-          </a:p>
-        </p:txBody>
-      </p:sp>
-      <mc:AlternateContent xmlns:mc="http://schemas.openxmlformats.org/markup-compatibility/2006" xmlns:a14="http://schemas.microsoft.com/office/drawing/2010/main">
-        <mc:Choice Requires="a14">
-          <p:sp>
-            <p:nvSpPr>
-              <p:cNvPr id="3" name="Объект 2">
-                <a:extLst>
-                  <a:ext uri="{FF2B5EF4-FFF2-40B4-BE49-F238E27FC236}">
-                    <a16:creationId xmlns:a16="http://schemas.microsoft.com/office/drawing/2014/main" id="{D9691CF6-2B26-7B42-85D0-20C9D2786934}"/>
-                  </a:ext>
-                </a:extLst>
-              </p:cNvPr>
-              <p:cNvSpPr>
-                <a:spLocks noGrp="1"/>
-              </p:cNvSpPr>
-              <p:nvPr>
-                <p:ph idx="1"/>
-              </p:nvPr>
-            </p:nvSpPr>
-            <p:spPr/>
-            <p:txBody>
-              <a:bodyPr/>
-              <a:lstStyle/>
-              <a:p>
-                <a:pPr marL="0" indent="0">
-                  <a:buNone/>
-                </a:pPr>
-                <a14:m>
-                  <m:oMathPara xmlns:m="http://schemas.openxmlformats.org/officeDocument/2006/math">
-                    <m:oMathParaPr>
-                      <m:jc m:val="centerGroup"/>
-                    </m:oMathParaPr>
-                    <m:oMath xmlns:m="http://schemas.openxmlformats.org/officeDocument/2006/math">
-                      <m:r>
-                        <a:rPr lang="en-US" b="0" i="1" smtClean="0">
-                          <a:latin typeface="Cambria Math" panose="02040503050406030204" pitchFamily="18" charset="0"/>
-                        </a:rPr>
-                        <m:t>𝑝</m:t>
-                      </m:r>
-                      <m:r>
-                        <a:rPr lang="en-US" b="0" i="1" smtClean="0">
-                          <a:latin typeface="Cambria Math" panose="02040503050406030204" pitchFamily="18" charset="0"/>
-                          <a:ea typeface="Cambria Math" panose="02040503050406030204" pitchFamily="18" charset="0"/>
-                        </a:rPr>
-                        <m:t>±</m:t>
-                      </m:r>
-                      <m:d>
-                        <m:dPr>
-                          <m:begChr m:val="["/>
-                          <m:endChr m:val="]"/>
-                          <m:ctrlPr>
-                            <a:rPr lang="en-US" b="0" i="1" smtClean="0">
-                              <a:latin typeface="Cambria Math" panose="02040503050406030204" pitchFamily="18" charset="0"/>
-                              <a:ea typeface="Cambria Math" panose="02040503050406030204" pitchFamily="18" charset="0"/>
-                            </a:rPr>
-                          </m:ctrlPr>
-                        </m:dPr>
-                        <m:e>
-                          <m:r>
-                            <a:rPr lang="en-US" b="0" i="1" smtClean="0">
-                              <a:latin typeface="Cambria Math" panose="02040503050406030204" pitchFamily="18" charset="0"/>
-                              <a:ea typeface="Cambria Math" panose="02040503050406030204" pitchFamily="18" charset="0"/>
-                            </a:rPr>
-                            <m:t>𝑡</m:t>
-                          </m:r>
-                          <m:rad>
-                            <m:radPr>
-                              <m:degHide m:val="on"/>
-                              <m:ctrlPr>
-                                <a:rPr lang="en-US" b="0" i="1" smtClean="0">
-                                  <a:latin typeface="Cambria Math" panose="02040503050406030204" pitchFamily="18" charset="0"/>
-                                  <a:ea typeface="Cambria Math" panose="02040503050406030204" pitchFamily="18" charset="0"/>
-                                </a:rPr>
-                              </m:ctrlPr>
-                            </m:radPr>
-                            <m:deg/>
-                            <m:e>
-                              <m:r>
-                                <a:rPr lang="en-US" b="0" i="1" smtClean="0">
-                                  <a:latin typeface="Cambria Math" panose="02040503050406030204" pitchFamily="18" charset="0"/>
-                                  <a:ea typeface="Cambria Math" panose="02040503050406030204" pitchFamily="18" charset="0"/>
-                                </a:rPr>
-                                <m:t>1−</m:t>
-                              </m:r>
-                              <m:r>
-                                <a:rPr lang="en-US" b="0" i="1" smtClean="0">
-                                  <a:latin typeface="Cambria Math" panose="02040503050406030204" pitchFamily="18" charset="0"/>
-                                  <a:ea typeface="Cambria Math" panose="02040503050406030204" pitchFamily="18" charset="0"/>
-                                </a:rPr>
-                                <m:t>𝑓</m:t>
-                              </m:r>
-                            </m:e>
-                          </m:rad>
-                          <m:rad>
-                            <m:radPr>
-                              <m:degHide m:val="on"/>
-                              <m:ctrlPr>
-                                <a:rPr lang="en-US" b="0" i="1" smtClean="0">
-                                  <a:latin typeface="Cambria Math" panose="02040503050406030204" pitchFamily="18" charset="0"/>
-                                  <a:ea typeface="Cambria Math" panose="02040503050406030204" pitchFamily="18" charset="0"/>
-                                </a:rPr>
-                              </m:ctrlPr>
-                            </m:radPr>
-                            <m:deg/>
-                            <m:e>
-                              <m:f>
-                                <m:fPr>
-                                  <m:ctrlPr>
-                                    <a:rPr lang="ru-RU" b="0" i="1" smtClean="0">
-                                      <a:latin typeface="Cambria Math" panose="02040503050406030204" pitchFamily="18" charset="0"/>
-                                      <a:ea typeface="Cambria Math" panose="02040503050406030204" pitchFamily="18" charset="0"/>
-                                    </a:rPr>
-                                  </m:ctrlPr>
-                                </m:fPr>
-                                <m:num>
-                                  <m:r>
-                                    <a:rPr lang="en-US" b="0" i="1" smtClean="0">
-                                      <a:latin typeface="Cambria Math" panose="02040503050406030204" pitchFamily="18" charset="0"/>
-                                      <a:ea typeface="Cambria Math" panose="02040503050406030204" pitchFamily="18" charset="0"/>
-                                    </a:rPr>
-                                    <m:t>𝑝𝑞</m:t>
-                                  </m:r>
-                                </m:num>
-                                <m:den>
-                                  <m:r>
-                                    <a:rPr lang="en-US" b="0" i="1" smtClean="0">
-                                      <a:latin typeface="Cambria Math" panose="02040503050406030204" pitchFamily="18" charset="0"/>
-                                      <a:ea typeface="Cambria Math" panose="02040503050406030204" pitchFamily="18" charset="0"/>
-                                    </a:rPr>
-                                    <m:t>𝑛</m:t>
-                                  </m:r>
-                                  <m:r>
-                                    <a:rPr lang="en-US" b="0" i="1" smtClean="0">
-                                      <a:latin typeface="Cambria Math" panose="02040503050406030204" pitchFamily="18" charset="0"/>
-                                      <a:ea typeface="Cambria Math" panose="02040503050406030204" pitchFamily="18" charset="0"/>
-                                    </a:rPr>
-                                    <m:t>−1</m:t>
-                                  </m:r>
-                                </m:den>
-                              </m:f>
-                            </m:e>
-                          </m:rad>
-                          <m:r>
-                            <a:rPr lang="en-US" b="0" i="1" smtClean="0">
-                              <a:latin typeface="Cambria Math" panose="02040503050406030204" pitchFamily="18" charset="0"/>
-                              <a:ea typeface="Cambria Math" panose="02040503050406030204" pitchFamily="18" charset="0"/>
-                            </a:rPr>
-                            <m:t>+</m:t>
-                          </m:r>
-                          <m:f>
-                            <m:fPr>
-                              <m:ctrlPr>
-                                <a:rPr lang="en-US" b="0" i="1" smtClean="0">
-                                  <a:latin typeface="Cambria Math" panose="02040503050406030204" pitchFamily="18" charset="0"/>
-                                  <a:ea typeface="Cambria Math" panose="02040503050406030204" pitchFamily="18" charset="0"/>
-                                </a:rPr>
-                              </m:ctrlPr>
-                            </m:fPr>
-                            <m:num>
-                              <m:r>
-                                <a:rPr lang="en-US" b="0" i="1" smtClean="0">
-                                  <a:latin typeface="Cambria Math" panose="02040503050406030204" pitchFamily="18" charset="0"/>
-                                  <a:ea typeface="Cambria Math" panose="02040503050406030204" pitchFamily="18" charset="0"/>
-                                </a:rPr>
-                                <m:t>1</m:t>
-                              </m:r>
-                            </m:num>
-                            <m:den>
-                              <m:r>
-                                <a:rPr lang="en-US" b="0" i="1" smtClean="0">
-                                  <a:latin typeface="Cambria Math" panose="02040503050406030204" pitchFamily="18" charset="0"/>
-                                  <a:ea typeface="Cambria Math" panose="02040503050406030204" pitchFamily="18" charset="0"/>
-                                </a:rPr>
-                                <m:t>2</m:t>
-                              </m:r>
-                              <m:r>
-                                <a:rPr lang="en-US" b="0" i="1" smtClean="0">
-                                  <a:latin typeface="Cambria Math" panose="02040503050406030204" pitchFamily="18" charset="0"/>
-                                  <a:ea typeface="Cambria Math" panose="02040503050406030204" pitchFamily="18" charset="0"/>
-                                </a:rPr>
-                                <m:t>𝑛</m:t>
-                              </m:r>
-                            </m:den>
-                          </m:f>
-                        </m:e>
-                      </m:d>
-                    </m:oMath>
-                  </m:oMathPara>
-                </a14:m>
-                <a:endParaRPr lang="ru-RU" dirty="0"/>
-              </a:p>
-            </p:txBody>
-          </p:sp>
-        </mc:Choice>
-        <mc:Fallback xmlns="">
-          <p:sp>
-            <p:nvSpPr>
-              <p:cNvPr id="3" name="Объект 2">
-                <a:extLst>
-                  <a:ext uri="{FF2B5EF4-FFF2-40B4-BE49-F238E27FC236}">
-                    <a16:creationId xmlns:a16="http://schemas.microsoft.com/office/drawing/2014/main" id="{D9691CF6-2B26-7B42-85D0-20C9D2786934}"/>
-                  </a:ext>
-                </a:extLst>
-              </p:cNvPr>
-              <p:cNvSpPr>
-                <a:spLocks noGrp="1" noRot="1" noChangeAspect="1" noMove="1" noResize="1" noEditPoints="1" noAdjustHandles="1" noChangeArrowheads="1" noChangeShapeType="1" noTextEdit="1"/>
-              </p:cNvSpPr>
-              <p:nvPr>
-                <p:ph idx="1"/>
-              </p:nvPr>
-            </p:nvSpPr>
-            <p:spPr>
-              <a:blipFill>
-                <a:blip r:embed="rId2"/>
-                <a:stretch>
-                  <a:fillRect/>
-                </a:stretch>
-              </a:blipFill>
-            </p:spPr>
-            <p:txBody>
-              <a:bodyPr/>
-              <a:lstStyle/>
-              <a:p>
-                <a:r>
-                  <a:rPr lang="ru-RU">
-                    <a:noFill/>
-                  </a:rPr>
-                  <a:t> </a:t>
-                </a:r>
-              </a:p>
-            </p:txBody>
-          </p:sp>
-        </mc:Fallback>
-      </mc:AlternateContent>
-    </p:spTree>
-    <p:extLst>
-      <p:ext uri="{BB962C8B-B14F-4D97-AF65-F5344CB8AC3E}">
-        <p14:creationId xmlns:p14="http://schemas.microsoft.com/office/powerpoint/2010/main" val="3550745852"/>
-      </p:ext>
-    </p:extLst>
-  </p:cSld>
-  <p:clrMapOvr>
-    <a:masterClrMapping/>
-  </p:clrMapOvr>
-</p:sld>
-</file>
-
 <file path=ppt/slides/slide2.xml><?xml version="1.0" encoding="utf-8"?>
-<p:sld xmlns:a="http://schemas.openxmlformats.org/drawingml/2006/main" xmlns:r="http://schemas.openxmlformats.org/officeDocument/2006/relationships" xmlns:p="http://schemas.openxmlformats.org/presentationml/2006/main">
-  <p:cSld>
-    <p:spTree>
-      <p:nvGrpSpPr>
-        <p:cNvPr id="1" name=""/>
-        <p:cNvGrpSpPr/>
-        <p:nvPr/>
-      </p:nvGrpSpPr>
-      <p:grpSpPr>
-        <a:xfrm>
-          <a:off x="0" y="0"/>
-          <a:ext cx="0" cy="0"/>
-          <a:chOff x="0" y="0"/>
-          <a:chExt cx="0" cy="0"/>
-        </a:xfrm>
-      </p:grpSpPr>
-      <p:sp>
-        <p:nvSpPr>
-          <p:cNvPr id="2" name="Заголовок 1">
-            <a:extLst>
-              <a:ext uri="{FF2B5EF4-FFF2-40B4-BE49-F238E27FC236}">
-                <a16:creationId xmlns:a16="http://schemas.microsoft.com/office/drawing/2014/main" id="{6186641C-1B8D-B143-AB83-048A76DB6BFE}"/>
-              </a:ext>
-            </a:extLst>
-          </p:cNvPr>
-          <p:cNvSpPr>
-            <a:spLocks noGrp="1"/>
-          </p:cNvSpPr>
-          <p:nvPr>
-            <p:ph type="title"/>
-          </p:nvPr>
-        </p:nvSpPr>
-        <p:spPr/>
-        <p:txBody>
-          <a:bodyPr/>
-          <a:lstStyle/>
-          <a:p>
-            <a:r>
-              <a:rPr lang="ru-RU" dirty="0"/>
-              <a:t>Выборочное среднее, медиана.</a:t>
-            </a:r>
-          </a:p>
-        </p:txBody>
-      </p:sp>
-      <mc:AlternateContent xmlns:mc="http://schemas.openxmlformats.org/markup-compatibility/2006" xmlns:a14="http://schemas.microsoft.com/office/drawing/2010/main">
-        <mc:Choice Requires="a14">
-          <p:sp>
-            <p:nvSpPr>
-              <p:cNvPr id="3" name="Объект 2">
-                <a:extLst>
-                  <a:ext uri="{FF2B5EF4-FFF2-40B4-BE49-F238E27FC236}">
-                    <a16:creationId xmlns:a16="http://schemas.microsoft.com/office/drawing/2014/main" id="{1932D821-B79A-CB49-B376-C5AA9A3A005F}"/>
-                  </a:ext>
-                </a:extLst>
-              </p:cNvPr>
-              <p:cNvSpPr>
-                <a:spLocks noGrp="1"/>
-              </p:cNvSpPr>
-              <p:nvPr>
-                <p:ph idx="1"/>
-              </p:nvPr>
-            </p:nvSpPr>
-            <p:spPr/>
-            <p:txBody>
-              <a:bodyPr>
-                <a:normAutofit/>
-              </a:bodyPr>
-              <a:lstStyle/>
-              <a:p>
-                <a:r>
-                  <a:rPr lang="ru-RU" dirty="0"/>
-                  <a:t>Среднее значение выборки – выборочное среднее </a:t>
-                </a:r>
-              </a:p>
-              <a:p>
-                <a:pPr marL="0" indent="0">
-                  <a:buNone/>
-                </a:pPr>
-                <a14:m>
-                  <m:oMathPara xmlns:m="http://schemas.openxmlformats.org/officeDocument/2006/math">
-                    <m:oMathParaPr>
-                      <m:jc m:val="centerGroup"/>
-                    </m:oMathParaPr>
-                    <m:oMath xmlns:m="http://schemas.openxmlformats.org/officeDocument/2006/math">
-                      <m:bar>
-                        <m:barPr>
-                          <m:pos m:val="top"/>
-                          <m:ctrlPr>
-                            <a:rPr lang="ru-RU" i="1">
-                              <a:latin typeface="Cambria Math" panose="02040503050406030204" pitchFamily="18" charset="0"/>
-                            </a:rPr>
-                          </m:ctrlPr>
-                        </m:barPr>
-                        <m:e>
-                          <m:r>
-                            <a:rPr lang="en-US" b="0" i="1" smtClean="0">
-                              <a:latin typeface="Cambria Math" panose="02040503050406030204" pitchFamily="18" charset="0"/>
-                            </a:rPr>
-                            <m:t>𝑦</m:t>
-                          </m:r>
-                        </m:e>
-                      </m:bar>
-                      <m:r>
-                        <a:rPr lang="ru-RU" i="1">
-                          <a:latin typeface="Cambria Math" panose="02040503050406030204" pitchFamily="18" charset="0"/>
-                        </a:rPr>
-                        <m:t>=</m:t>
-                      </m:r>
-                      <m:f>
-                        <m:fPr>
-                          <m:ctrlPr>
-                            <a:rPr lang="ru-RU" i="1">
-                              <a:latin typeface="Cambria Math" panose="02040503050406030204" pitchFamily="18" charset="0"/>
-                            </a:rPr>
-                          </m:ctrlPr>
-                        </m:fPr>
-                        <m:num>
-                          <m:nary>
-                            <m:naryPr>
-                              <m:chr m:val="∑"/>
-                              <m:limLoc m:val="undOvr"/>
-                              <m:ctrlPr>
-                                <a:rPr lang="ru-RU" i="1">
-                                  <a:latin typeface="Cambria Math" panose="02040503050406030204" pitchFamily="18" charset="0"/>
-                                </a:rPr>
-                              </m:ctrlPr>
-                            </m:naryPr>
-                            <m:sub>
-                              <m:r>
-                                <a:rPr lang="ru-RU" i="1">
-                                  <a:latin typeface="Cambria Math" panose="02040503050406030204" pitchFamily="18" charset="0"/>
-                                </a:rPr>
-                                <m:t>1</m:t>
-                              </m:r>
-                            </m:sub>
-                            <m:sup>
-                              <m:r>
-                                <a:rPr lang="en-US" b="0" i="1" smtClean="0">
-                                  <a:latin typeface="Cambria Math" panose="02040503050406030204" pitchFamily="18" charset="0"/>
-                                </a:rPr>
-                                <m:t>𝑛</m:t>
-                              </m:r>
-                            </m:sup>
-                            <m:e>
-                              <m:sSub>
-                                <m:sSubPr>
-                                  <m:ctrlPr>
-                                    <a:rPr lang="ru-RU" i="1">
-                                      <a:latin typeface="Cambria Math" panose="02040503050406030204" pitchFamily="18" charset="0"/>
-                                    </a:rPr>
-                                  </m:ctrlPr>
-                                </m:sSubPr>
-                                <m:e>
-                                  <m:r>
-                                    <a:rPr lang="ru-RU" i="1">
-                                      <a:latin typeface="Cambria Math" panose="02040503050406030204" pitchFamily="18" charset="0"/>
-                                    </a:rPr>
-                                    <m:t>𝑦</m:t>
-                                  </m:r>
-                                </m:e>
-                                <m:sub>
-                                  <m:r>
-                                    <a:rPr lang="ru-RU" i="1">
-                                      <a:latin typeface="Cambria Math" panose="02040503050406030204" pitchFamily="18" charset="0"/>
-                                    </a:rPr>
-                                    <m:t>𝑖</m:t>
-                                  </m:r>
-                                </m:sub>
-                              </m:sSub>
-                            </m:e>
-                          </m:nary>
-                        </m:num>
-                        <m:den>
-                          <m:r>
-                            <a:rPr lang="en-US" b="0" i="1" smtClean="0">
-                              <a:latin typeface="Cambria Math" panose="02040503050406030204" pitchFamily="18" charset="0"/>
-                            </a:rPr>
-                            <m:t>𝑛</m:t>
-                          </m:r>
-                        </m:den>
-                      </m:f>
-                    </m:oMath>
-                  </m:oMathPara>
-                </a14:m>
-                <a:endParaRPr lang="ru-RU" dirty="0"/>
-              </a:p>
-              <a:p>
-                <a:r>
-                  <a:rPr lang="ru-RU" dirty="0"/>
-                  <a:t>Медиана</a:t>
-                </a:r>
-                <a:endParaRPr lang="en-US" dirty="0"/>
-              </a:p>
-              <a:p>
-                <a:pPr marL="0" indent="0">
-                  <a:buNone/>
-                </a:pPr>
-                <a14:m>
-                  <m:oMathPara xmlns:m="http://schemas.openxmlformats.org/officeDocument/2006/math">
-                    <m:oMathParaPr>
-                      <m:jc m:val="center"/>
-                    </m:oMathParaPr>
-                    <m:oMath xmlns:m="http://schemas.openxmlformats.org/officeDocument/2006/math">
-                      <m:r>
-                        <a:rPr lang="en-US" b="0" i="1" smtClean="0">
-                          <a:effectLst/>
-                          <a:latin typeface="Cambria Math" panose="02040503050406030204" pitchFamily="18" charset="0"/>
-                        </a:rPr>
-                        <m:t>𝜇</m:t>
-                      </m:r>
-                      <m:r>
-                        <a:rPr lang="en-US" b="0" i="1" smtClean="0">
-                          <a:effectLst/>
-                          <a:latin typeface="Cambria Math" panose="02040503050406030204" pitchFamily="18" charset="0"/>
-                        </a:rPr>
-                        <m:t>=</m:t>
-                      </m:r>
-                      <m:d>
-                        <m:dPr>
-                          <m:begChr m:val="{"/>
-                          <m:endChr m:val=""/>
-                          <m:ctrlPr>
-                            <a:rPr lang="en-US" b="0" i="1" smtClean="0">
-                              <a:effectLst/>
-                              <a:latin typeface="Cambria Math" panose="02040503050406030204" pitchFamily="18" charset="0"/>
-                            </a:rPr>
-                          </m:ctrlPr>
-                        </m:dPr>
-                        <m:e>
-                          <m:eqArr>
-                            <m:eqArrPr>
-                              <m:ctrlPr>
-                                <a:rPr lang="en-US" b="0" i="1" smtClean="0">
-                                  <a:effectLst/>
-                                  <a:latin typeface="Cambria Math" panose="02040503050406030204" pitchFamily="18" charset="0"/>
-                                </a:rPr>
-                              </m:ctrlPr>
-                            </m:eqArrPr>
-                            <m:e>
-                              <m:f>
-                                <m:fPr>
-                                  <m:ctrlPr>
-                                    <a:rPr lang="en-US" b="0" i="1" smtClean="0">
-                                      <a:effectLst/>
-                                      <a:latin typeface="Cambria Math" panose="02040503050406030204" pitchFamily="18" charset="0"/>
-                                    </a:rPr>
-                                  </m:ctrlPr>
-                                </m:fPr>
-                                <m:num>
-                                  <m:r>
-                                    <a:rPr lang="en-US" b="0" i="1" smtClean="0">
-                                      <a:effectLst/>
-                                      <a:latin typeface="Cambria Math" panose="02040503050406030204" pitchFamily="18" charset="0"/>
-                                    </a:rPr>
-                                    <m:t>1</m:t>
-                                  </m:r>
-                                </m:num>
-                                <m:den>
-                                  <m:r>
-                                    <a:rPr lang="en-US" b="0" i="1" smtClean="0">
-                                      <a:effectLst/>
-                                      <a:latin typeface="Cambria Math" panose="02040503050406030204" pitchFamily="18" charset="0"/>
-                                    </a:rPr>
-                                    <m:t>2</m:t>
-                                  </m:r>
-                                </m:den>
-                              </m:f>
-                              <m:d>
-                                <m:dPr>
-                                  <m:ctrlPr>
-                                    <a:rPr lang="en-US" b="0" i="1" smtClean="0">
-                                      <a:effectLst/>
-                                      <a:latin typeface="Cambria Math" panose="02040503050406030204" pitchFamily="18" charset="0"/>
-                                    </a:rPr>
-                                  </m:ctrlPr>
-                                </m:dPr>
-                                <m:e>
-                                  <m:sSup>
-                                    <m:sSupPr>
-                                      <m:ctrlPr>
-                                        <a:rPr lang="en-US" b="0" i="1" smtClean="0">
-                                          <a:effectLst/>
-                                          <a:latin typeface="Cambria Math" panose="02040503050406030204" pitchFamily="18" charset="0"/>
-                                        </a:rPr>
-                                      </m:ctrlPr>
-                                    </m:sSupPr>
-                                    <m:e>
-                                      <m:r>
-                                        <a:rPr lang="en-US" b="0" i="1" smtClean="0">
-                                          <a:effectLst/>
-                                          <a:latin typeface="Cambria Math" panose="02040503050406030204" pitchFamily="18" charset="0"/>
-                                        </a:rPr>
-                                        <m:t>𝑥</m:t>
-                                      </m:r>
-                                    </m:e>
-                                    <m:sup>
-                                      <m:d>
-                                        <m:dPr>
-                                          <m:ctrlPr>
-                                            <a:rPr lang="en-US" b="0" i="1" smtClean="0">
-                                              <a:effectLst/>
-                                              <a:latin typeface="Cambria Math" panose="02040503050406030204" pitchFamily="18" charset="0"/>
-                                            </a:rPr>
-                                          </m:ctrlPr>
-                                        </m:dPr>
-                                        <m:e>
-                                          <m:r>
-                                            <a:rPr lang="en-US" b="0" i="1" smtClean="0">
-                                              <a:effectLst/>
-                                              <a:latin typeface="Cambria Math" panose="02040503050406030204" pitchFamily="18" charset="0"/>
-                                            </a:rPr>
-                                            <m:t>𝑘</m:t>
-                                          </m:r>
-                                        </m:e>
-                                      </m:d>
-                                    </m:sup>
-                                  </m:sSup>
-                                  <m:r>
-                                    <a:rPr lang="en-US" b="0" i="1" smtClean="0">
-                                      <a:effectLst/>
-                                      <a:latin typeface="Cambria Math" panose="02040503050406030204" pitchFamily="18" charset="0"/>
-                                    </a:rPr>
-                                    <m:t>+</m:t>
-                                  </m:r>
-                                  <m:sSup>
-                                    <m:sSupPr>
-                                      <m:ctrlPr>
-                                        <a:rPr lang="en-US" b="0" i="1" smtClean="0">
-                                          <a:effectLst/>
-                                          <a:latin typeface="Cambria Math" panose="02040503050406030204" pitchFamily="18" charset="0"/>
-                                        </a:rPr>
-                                      </m:ctrlPr>
-                                    </m:sSupPr>
-                                    <m:e>
-                                      <m:r>
-                                        <a:rPr lang="en-US" b="0" i="1" smtClean="0">
-                                          <a:effectLst/>
-                                          <a:latin typeface="Cambria Math" panose="02040503050406030204" pitchFamily="18" charset="0"/>
-                                        </a:rPr>
-                                        <m:t>𝑥</m:t>
-                                      </m:r>
-                                    </m:e>
-                                    <m:sup>
-                                      <m:d>
-                                        <m:dPr>
-                                          <m:ctrlPr>
-                                            <a:rPr lang="en-US" b="0" i="1" smtClean="0">
-                                              <a:effectLst/>
-                                              <a:latin typeface="Cambria Math" panose="02040503050406030204" pitchFamily="18" charset="0"/>
-                                            </a:rPr>
-                                          </m:ctrlPr>
-                                        </m:dPr>
-                                        <m:e>
-                                          <m:r>
-                                            <a:rPr lang="en-US" b="0" i="1" smtClean="0">
-                                              <a:effectLst/>
-                                              <a:latin typeface="Cambria Math" panose="02040503050406030204" pitchFamily="18" charset="0"/>
-                                            </a:rPr>
-                                            <m:t>𝑘</m:t>
-                                          </m:r>
-                                          <m:r>
-                                            <a:rPr lang="en-US" b="0" i="1" smtClean="0">
-                                              <a:effectLst/>
-                                              <a:latin typeface="Cambria Math" panose="02040503050406030204" pitchFamily="18" charset="0"/>
-                                            </a:rPr>
-                                            <m:t>+1</m:t>
-                                          </m:r>
-                                        </m:e>
-                                      </m:d>
-                                    </m:sup>
-                                  </m:sSup>
-                                </m:e>
-                              </m:d>
-                              <m:r>
-                                <a:rPr lang="en-US" b="0" i="1" smtClean="0">
-                                  <a:effectLst/>
-                                  <a:latin typeface="Cambria Math" panose="02040503050406030204" pitchFamily="18" charset="0"/>
-                                </a:rPr>
-                                <m:t>, </m:t>
-                              </m:r>
-                              <m:r>
-                                <a:rPr lang="en-US" b="0" i="1" smtClean="0">
-                                  <a:effectLst/>
-                                  <a:latin typeface="Cambria Math" panose="02040503050406030204" pitchFamily="18" charset="0"/>
-                                </a:rPr>
-                                <m:t>𝑛</m:t>
-                              </m:r>
-                              <m:r>
-                                <a:rPr lang="en-US" b="0" i="1" smtClean="0">
-                                  <a:effectLst/>
-                                  <a:latin typeface="Cambria Math" panose="02040503050406030204" pitchFamily="18" charset="0"/>
-                                </a:rPr>
-                                <m:t>=2</m:t>
-                              </m:r>
-                              <m:r>
-                                <a:rPr lang="en-US" b="0" i="1" smtClean="0">
-                                  <a:effectLst/>
-                                  <a:latin typeface="Cambria Math" panose="02040503050406030204" pitchFamily="18" charset="0"/>
-                                </a:rPr>
-                                <m:t>𝑘</m:t>
-                              </m:r>
-                            </m:e>
-                            <m:e>
-                              <m:sSup>
-                                <m:sSupPr>
-                                  <m:ctrlPr>
-                                    <a:rPr lang="en-US" b="0" i="1" smtClean="0">
-                                      <a:latin typeface="Cambria Math" panose="02040503050406030204" pitchFamily="18" charset="0"/>
-                                    </a:rPr>
-                                  </m:ctrlPr>
-                                </m:sSupPr>
-                                <m:e>
-                                  <m:r>
-                                    <a:rPr lang="en-US" b="0" i="1" smtClean="0">
-                                      <a:latin typeface="Cambria Math" panose="02040503050406030204" pitchFamily="18" charset="0"/>
-                                    </a:rPr>
-                                    <m:t>𝑥</m:t>
-                                  </m:r>
-                                </m:e>
-                                <m:sup>
-                                  <m:r>
-                                    <a:rPr lang="en-US" b="0" i="1" smtClean="0">
-                                      <a:latin typeface="Cambria Math" panose="02040503050406030204" pitchFamily="18" charset="0"/>
-                                    </a:rPr>
-                                    <m:t>(</m:t>
-                                  </m:r>
-                                  <m:r>
-                                    <a:rPr lang="en-US" b="0" i="1" smtClean="0">
-                                      <a:latin typeface="Cambria Math" panose="02040503050406030204" pitchFamily="18" charset="0"/>
-                                    </a:rPr>
-                                    <m:t>𝑘</m:t>
-                                  </m:r>
-                                  <m:r>
-                                    <a:rPr lang="en-US" b="0" i="1" smtClean="0">
-                                      <a:latin typeface="Cambria Math" panose="02040503050406030204" pitchFamily="18" charset="0"/>
-                                    </a:rPr>
-                                    <m:t>+1)</m:t>
-                                  </m:r>
-                                </m:sup>
-                              </m:sSup>
-                              <m:r>
-                                <a:rPr lang="en-US" b="0" i="1" smtClean="0">
-                                  <a:latin typeface="Cambria Math" panose="02040503050406030204" pitchFamily="18" charset="0"/>
-                                </a:rPr>
-                                <m:t>,  </m:t>
-                              </m:r>
-                              <m:r>
-                                <a:rPr lang="en-US" b="0" i="1" smtClean="0">
-                                  <a:latin typeface="Cambria Math" panose="02040503050406030204" pitchFamily="18" charset="0"/>
-                                </a:rPr>
-                                <m:t>𝑛</m:t>
-                              </m:r>
-                              <m:r>
-                                <a:rPr lang="en-US" b="0" i="1" smtClean="0">
-                                  <a:latin typeface="Cambria Math" panose="02040503050406030204" pitchFamily="18" charset="0"/>
-                                </a:rPr>
-                                <m:t>=2</m:t>
-                              </m:r>
-                              <m:r>
-                                <a:rPr lang="en-US" b="0" i="1" smtClean="0">
-                                  <a:latin typeface="Cambria Math" panose="02040503050406030204" pitchFamily="18" charset="0"/>
-                                </a:rPr>
-                                <m:t>𝑘</m:t>
-                              </m:r>
-                              <m:r>
-                                <a:rPr lang="en-US" b="0" i="1" smtClean="0">
-                                  <a:latin typeface="Cambria Math" panose="02040503050406030204" pitchFamily="18" charset="0"/>
-                                </a:rPr>
-                                <m:t>+1</m:t>
-                              </m:r>
-                            </m:e>
-                          </m:eqArr>
-                        </m:e>
-                      </m:d>
-                    </m:oMath>
-                  </m:oMathPara>
-                </a14:m>
-                <a:endParaRPr lang="ru-RU" dirty="0">
-                  <a:effectLst/>
-                </a:endParaRPr>
-              </a:p>
-            </p:txBody>
-          </p:sp>
-        </mc:Choice>
-        <mc:Fallback xmlns="">
-          <p:sp>
-            <p:nvSpPr>
-              <p:cNvPr id="3" name="Объект 2">
-                <a:extLst>
-                  <a:ext uri="{FF2B5EF4-FFF2-40B4-BE49-F238E27FC236}">
-                    <a16:creationId xmlns:a16="http://schemas.microsoft.com/office/drawing/2014/main" id="{1932D821-B79A-CB49-B376-C5AA9A3A005F}"/>
-                  </a:ext>
-                </a:extLst>
-              </p:cNvPr>
-              <p:cNvSpPr>
-                <a:spLocks noGrp="1" noRot="1" noChangeAspect="1" noMove="1" noResize="1" noEditPoints="1" noAdjustHandles="1" noChangeArrowheads="1" noChangeShapeType="1" noTextEdit="1"/>
-              </p:cNvSpPr>
-              <p:nvPr>
-                <p:ph idx="1"/>
-              </p:nvPr>
-            </p:nvSpPr>
-            <p:spPr>
-              <a:blipFill>
-                <a:blip r:embed="rId2"/>
-                <a:stretch>
-                  <a:fillRect l="-1086" t="-50000" b="-94477"/>
-                </a:stretch>
-              </a:blipFill>
-            </p:spPr>
-            <p:txBody>
-              <a:bodyPr/>
-              <a:lstStyle/>
-              <a:p>
-                <a:r>
-                  <a:rPr lang="ru-RU">
-                    <a:noFill/>
-                  </a:rPr>
-                  <a:t> </a:t>
-                </a:r>
-              </a:p>
-            </p:txBody>
-          </p:sp>
-        </mc:Fallback>
-      </mc:AlternateContent>
-    </p:spTree>
-    <p:extLst>
-      <p:ext uri="{BB962C8B-B14F-4D97-AF65-F5344CB8AC3E}">
-        <p14:creationId xmlns:p14="http://schemas.microsoft.com/office/powerpoint/2010/main" val="2472629296"/>
-      </p:ext>
-    </p:extLst>
-  </p:cSld>
-  <p:clrMapOvr>
-    <a:masterClrMapping/>
-  </p:clrMapOvr>
-</p:sld>
-</file>
-
-<file path=ppt/slides/slide3.xml><?xml version="1.0" encoding="utf-8"?>
-<p:sld xmlns:a="http://schemas.openxmlformats.org/drawingml/2006/main" xmlns:r="http://schemas.openxmlformats.org/officeDocument/2006/relationships" xmlns:p="http://schemas.openxmlformats.org/presentationml/2006/main">
-  <p:cSld>
-    <p:bg>
-      <p:bgPr>
-        <a:solidFill>
-          <a:schemeClr val="bg1"/>
-        </a:solidFill>
-        <a:effectLst/>
-      </p:bgPr>
-    </p:bg>
-    <p:spTree>
-      <p:nvGrpSpPr>
-        <p:cNvPr id="1" name=""/>
-        <p:cNvGrpSpPr/>
-        <p:nvPr/>
-      </p:nvGrpSpPr>
-      <p:grpSpPr>
-        <a:xfrm>
-          <a:off x="0" y="0"/>
-          <a:ext cx="0" cy="0"/>
-          <a:chOff x="0" y="0"/>
-          <a:chExt cx="0" cy="0"/>
-        </a:xfrm>
-      </p:grpSpPr>
-      <p:sp>
-        <p:nvSpPr>
-          <p:cNvPr id="140" name="Rectangle 139">
-            <a:extLst>
-              <a:ext uri="{FF2B5EF4-FFF2-40B4-BE49-F238E27FC236}">
-                <a16:creationId xmlns:a16="http://schemas.microsoft.com/office/drawing/2014/main" id="{A3BAF07C-C39E-42EB-BB22-8D46691D9735}"/>
-              </a:ext>
-              <a:ext uri="{C183D7F6-B498-43B3-948B-1728B52AA6E4}">
-                <adec:decorative xmlns:adec="http://schemas.microsoft.com/office/drawing/2017/decorative" val="1"/>
-              </a:ext>
-            </a:extLst>
-          </p:cNvPr>
-          <p:cNvSpPr>
-            <a:spLocks noGrp="1" noRot="1" noChangeAspect="1" noMove="1" noResize="1" noEditPoints="1" noAdjustHandles="1" noChangeArrowheads="1" noChangeShapeType="1" noTextEdit="1"/>
-          </p:cNvSpPr>
-          <p:nvPr>
-            <p:extLst>
-              <p:ext uri="{386F3935-93C4-4BCD-93E2-E3B085C9AB24}">
-                <p16:designElem xmlns:p16="http://schemas.microsoft.com/office/powerpoint/2015/main" val="1"/>
-              </p:ext>
-            </p:extLst>
-          </p:nvPr>
-        </p:nvSpPr>
-        <p:spPr>
-          <a:xfrm>
-            <a:off x="-1" y="0"/>
-            <a:ext cx="12193061" cy="6858000"/>
-          </a:xfrm>
-          <a:prstGeom prst="rect">
-            <a:avLst/>
-          </a:prstGeom>
-          <a:solidFill>
-            <a:schemeClr val="bg1">
-              <a:lumMod val="75000"/>
-              <a:lumOff val="25000"/>
-            </a:schemeClr>
-          </a:solidFill>
-          <a:ln>
-            <a:noFill/>
-          </a:ln>
-        </p:spPr>
-        <p:style>
-          <a:lnRef idx="2">
-            <a:schemeClr val="accent1">
-              <a:shade val="50000"/>
-            </a:schemeClr>
-          </a:lnRef>
-          <a:fillRef idx="1">
-            <a:schemeClr val="accent1"/>
-          </a:fillRef>
-          <a:effectRef idx="0">
-            <a:schemeClr val="accent1"/>
-          </a:effectRef>
-          <a:fontRef idx="minor">
-            <a:schemeClr val="lt1"/>
-          </a:fontRef>
-        </p:style>
-        <p:txBody>
-          <a:bodyPr rtlCol="0" anchor="ctr"/>
-          <a:lstStyle/>
-          <a:p>
-            <a:pPr algn="ctr"/>
-            <a:endParaRPr lang="en-US"/>
-          </a:p>
-        </p:txBody>
-      </p:sp>
-      <p:grpSp>
-        <p:nvGrpSpPr>
-          <p:cNvPr id="142" name="Group 141">
-            <a:extLst>
-              <a:ext uri="{FF2B5EF4-FFF2-40B4-BE49-F238E27FC236}">
-                <a16:creationId xmlns:a16="http://schemas.microsoft.com/office/drawing/2014/main" id="{D8E9CF54-0466-4261-9E62-0249E60E1886}"/>
-              </a:ext>
-              <a:ext uri="{C183D7F6-B498-43B3-948B-1728B52AA6E4}">
-                <adec:decorative xmlns:adec="http://schemas.microsoft.com/office/drawing/2017/decorative" val="1"/>
-              </a:ext>
-            </a:extLst>
-          </p:cNvPr>
-          <p:cNvGrpSpPr>
-            <a:grpSpLocks noGrp="1" noUngrp="1" noRot="1" noChangeAspect="1" noMove="1" noResize="1"/>
-          </p:cNvGrpSpPr>
-          <p:nvPr>
-            <p:extLst>
-              <p:ext uri="{386F3935-93C4-4BCD-93E2-E3B085C9AB24}">
-                <p16:designElem xmlns:p16="http://schemas.microsoft.com/office/powerpoint/2015/main" val="1"/>
-              </p:ext>
-            </p:extLst>
-          </p:nvPr>
-        </p:nvGrpSpPr>
-        <p:grpSpPr>
-          <a:xfrm>
-            <a:off x="-329674" y="-59376"/>
-            <a:ext cx="12515851" cy="6923798"/>
-            <a:chOff x="-329674" y="-51881"/>
-            <a:chExt cx="12515851" cy="6923798"/>
-          </a:xfrm>
-        </p:grpSpPr>
-        <p:sp>
-          <p:nvSpPr>
-            <p:cNvPr id="143" name="Freeform 5">
-              <a:extLst>
-                <a:ext uri="{FF2B5EF4-FFF2-40B4-BE49-F238E27FC236}">
-                  <a16:creationId xmlns:a16="http://schemas.microsoft.com/office/drawing/2014/main" id="{33E32106-E8B1-4F76-9EE6-58537738A3C4}"/>
-                </a:ext>
-                <a:ext uri="{C183D7F6-B498-43B3-948B-1728B52AA6E4}">
-                  <adec:decorative xmlns:adec="http://schemas.microsoft.com/office/drawing/2017/decorative" val="1"/>
-                </a:ext>
-              </a:extLst>
-            </p:cNvPr>
-            <p:cNvSpPr/>
-            <p:nvPr>
-              <p:extLst>
-                <p:ext uri="{386F3935-93C4-4BCD-93E2-E3B085C9AB24}">
-                  <p16:designElem xmlns:p16="http://schemas.microsoft.com/office/powerpoint/2015/main" val="1"/>
-                </p:ext>
-              </p:extLst>
-            </p:nvPr>
-          </p:nvSpPr>
-          <p:spPr bwMode="auto">
-            <a:xfrm>
-              <a:off x="-329674" y="1298404"/>
-              <a:ext cx="9702800" cy="5573512"/>
-            </a:xfrm>
-            <a:custGeom>
-              <a:avLst/>
-              <a:gdLst/>
-              <a:ahLst/>
-              <a:cxnLst/>
-              <a:rect l="0" t="0" r="r" b="b"/>
-              <a:pathLst>
-                <a:path w="2038" h="1169">
-                  <a:moveTo>
-                    <a:pt x="1752" y="1169"/>
-                  </a:moveTo>
-                  <a:cubicBezTo>
-                    <a:pt x="2038" y="928"/>
-                    <a:pt x="1673" y="513"/>
-                    <a:pt x="1487" y="334"/>
-                  </a:cubicBezTo>
-                  <a:cubicBezTo>
-                    <a:pt x="1316" y="170"/>
-                    <a:pt x="1099" y="43"/>
-                    <a:pt x="860" y="22"/>
-                  </a:cubicBezTo>
-                  <a:cubicBezTo>
-                    <a:pt x="621" y="0"/>
-                    <a:pt x="341" y="128"/>
-                    <a:pt x="199" y="318"/>
-                  </a:cubicBezTo>
-                  <a:cubicBezTo>
-                    <a:pt x="0" y="586"/>
-                    <a:pt x="184" y="965"/>
-                    <a:pt x="399" y="1165"/>
-                  </a:cubicBezTo>
-                </a:path>
-              </a:pathLst>
-            </a:custGeom>
-            <a:noFill/>
-            <a:ln w="9525" cap="flat">
-              <a:solidFill>
-                <a:schemeClr val="tx1">
-                  <a:alpha val="35000"/>
-                </a:schemeClr>
-              </a:solidFill>
-              <a:prstDash val="solid"/>
-              <a:miter lim="800000"/>
-              <a:headEnd/>
-              <a:tailEnd/>
-            </a:ln>
-            <a:extLst>
-              <a:ext uri="{909E8E84-426E-40DD-AFC4-6F175D3DCCD1}">
-                <a14:hiddenFill xmlns:a14="http://schemas.microsoft.com/office/drawing/2010/main">
-                  <a:solidFill>
-                    <a:srgbClr val="FFFFFF"/>
-                  </a:solidFill>
-                </a14:hiddenFill>
-              </a:ext>
-            </a:extLst>
-          </p:spPr>
-        </p:sp>
-        <p:sp>
-          <p:nvSpPr>
-            <p:cNvPr id="144" name="Freeform 6">
-              <a:extLst>
-                <a:ext uri="{FF2B5EF4-FFF2-40B4-BE49-F238E27FC236}">
-                  <a16:creationId xmlns:a16="http://schemas.microsoft.com/office/drawing/2014/main" id="{C32C2C46-A045-44FB-8A74-5EBD650C2787}"/>
-                </a:ext>
-                <a:ext uri="{C183D7F6-B498-43B3-948B-1728B52AA6E4}">
-                  <adec:decorative xmlns:adec="http://schemas.microsoft.com/office/drawing/2017/decorative" val="1"/>
-                </a:ext>
-              </a:extLst>
-            </p:cNvPr>
-            <p:cNvSpPr/>
-            <p:nvPr>
-              <p:extLst>
-                <p:ext uri="{386F3935-93C4-4BCD-93E2-E3B085C9AB24}">
-                  <p16:designElem xmlns:p16="http://schemas.microsoft.com/office/powerpoint/2015/main" val="1"/>
-                </p:ext>
-              </p:extLst>
-            </p:nvPr>
-          </p:nvSpPr>
-          <p:spPr bwMode="auto">
-            <a:xfrm>
-              <a:off x="670451" y="2018236"/>
-              <a:ext cx="7373938" cy="4848892"/>
-            </a:xfrm>
-            <a:custGeom>
-              <a:avLst/>
-              <a:gdLst/>
-              <a:ahLst/>
-              <a:cxnLst/>
-              <a:rect l="0" t="0" r="r" b="b"/>
-              <a:pathLst>
-                <a:path w="1549" h="1017">
-                  <a:moveTo>
-                    <a:pt x="1025" y="1016"/>
-                  </a:moveTo>
-                  <a:cubicBezTo>
-                    <a:pt x="1223" y="971"/>
-                    <a:pt x="1549" y="857"/>
-                    <a:pt x="1443" y="592"/>
-                  </a:cubicBezTo>
-                  <a:cubicBezTo>
-                    <a:pt x="1344" y="344"/>
-                    <a:pt x="1041" y="111"/>
-                    <a:pt x="782" y="53"/>
-                  </a:cubicBezTo>
-                  <a:cubicBezTo>
-                    <a:pt x="545" y="0"/>
-                    <a:pt x="275" y="117"/>
-                    <a:pt x="150" y="329"/>
-                  </a:cubicBezTo>
-                  <a:cubicBezTo>
-                    <a:pt x="0" y="584"/>
-                    <a:pt x="243" y="911"/>
-                    <a:pt x="477" y="1017"/>
-                  </a:cubicBezTo>
-                </a:path>
-              </a:pathLst>
-            </a:custGeom>
-            <a:noFill/>
-            <a:ln w="9525" cap="flat">
-              <a:solidFill>
-                <a:schemeClr val="tx1">
-                  <a:alpha val="35000"/>
-                </a:schemeClr>
-              </a:solidFill>
-              <a:prstDash val="solid"/>
-              <a:miter lim="800000"/>
-              <a:headEnd/>
-              <a:tailEnd/>
-            </a:ln>
-            <a:extLst>
-              <a:ext uri="{909E8E84-426E-40DD-AFC4-6F175D3DCCD1}">
-                <a14:hiddenFill xmlns:a14="http://schemas.microsoft.com/office/drawing/2010/main">
-                  <a:solidFill>
-                    <a:srgbClr val="FFFFFF"/>
-                  </a:solidFill>
-                </a14:hiddenFill>
-              </a:ext>
-            </a:extLst>
-          </p:spPr>
-        </p:sp>
-        <p:sp>
-          <p:nvSpPr>
-            <p:cNvPr id="145" name="Freeform 7">
-              <a:extLst>
-                <a:ext uri="{FF2B5EF4-FFF2-40B4-BE49-F238E27FC236}">
-                  <a16:creationId xmlns:a16="http://schemas.microsoft.com/office/drawing/2014/main" id="{6A76F79C-6683-4940-BCF7-4BCCCEE40688}"/>
-                </a:ext>
-                <a:ext uri="{C183D7F6-B498-43B3-948B-1728B52AA6E4}">
-                  <adec:decorative xmlns:adec="http://schemas.microsoft.com/office/drawing/2017/decorative" val="1"/>
-                </a:ext>
-              </a:extLst>
-            </p:cNvPr>
-            <p:cNvSpPr/>
-            <p:nvPr>
-              <p:extLst>
-                <p:ext uri="{386F3935-93C4-4BCD-93E2-E3B085C9AB24}">
-                  <p16:designElem xmlns:p16="http://schemas.microsoft.com/office/powerpoint/2015/main" val="1"/>
-                </p:ext>
-              </p:extLst>
-            </p:nvPr>
-          </p:nvSpPr>
-          <p:spPr bwMode="auto">
-            <a:xfrm>
-              <a:off x="251351" y="1788400"/>
-              <a:ext cx="8035925" cy="5083516"/>
-            </a:xfrm>
-            <a:custGeom>
-              <a:avLst/>
-              <a:gdLst/>
-              <a:ahLst/>
-              <a:cxnLst/>
-              <a:rect l="0" t="0" r="r" b="b"/>
-              <a:pathLst>
-                <a:path w="1688" h="1066">
-                  <a:moveTo>
-                    <a:pt x="1302" y="1066"/>
-                  </a:moveTo>
-                  <a:cubicBezTo>
-                    <a:pt x="1416" y="1024"/>
-                    <a:pt x="1551" y="962"/>
-                    <a:pt x="1613" y="850"/>
-                  </a:cubicBezTo>
-                  <a:cubicBezTo>
-                    <a:pt x="1688" y="715"/>
-                    <a:pt x="1606" y="575"/>
-                    <a:pt x="1517" y="471"/>
-                  </a:cubicBezTo>
-                  <a:cubicBezTo>
-                    <a:pt x="1336" y="258"/>
-                    <a:pt x="1084" y="62"/>
-                    <a:pt x="798" y="28"/>
-                  </a:cubicBezTo>
-                  <a:cubicBezTo>
-                    <a:pt x="559" y="0"/>
-                    <a:pt x="317" y="138"/>
-                    <a:pt x="181" y="333"/>
-                  </a:cubicBezTo>
-                  <a:cubicBezTo>
-                    <a:pt x="0" y="592"/>
-                    <a:pt x="191" y="907"/>
-                    <a:pt x="420" y="1066"/>
-                  </a:cubicBezTo>
-                </a:path>
-              </a:pathLst>
-            </a:custGeom>
-            <a:noFill/>
-            <a:ln w="9525" cap="flat">
-              <a:solidFill>
-                <a:schemeClr val="tx1">
-                  <a:alpha val="35000"/>
-                </a:schemeClr>
-              </a:solidFill>
-              <a:prstDash val="dash"/>
-              <a:miter lim="800000"/>
-              <a:headEnd/>
-              <a:tailEnd/>
-            </a:ln>
-            <a:extLst>
-              <a:ext uri="{909E8E84-426E-40DD-AFC4-6F175D3DCCD1}">
-                <a14:hiddenFill xmlns:a14="http://schemas.microsoft.com/office/drawing/2010/main">
-                  <a:solidFill>
-                    <a:srgbClr val="FFFFFF"/>
-                  </a:solidFill>
-                </a14:hiddenFill>
-              </a:ext>
-            </a:extLst>
-          </p:spPr>
-        </p:sp>
-        <p:sp>
-          <p:nvSpPr>
-            <p:cNvPr id="146" name="Freeform 8">
-              <a:extLst>
-                <a:ext uri="{FF2B5EF4-FFF2-40B4-BE49-F238E27FC236}">
-                  <a16:creationId xmlns:a16="http://schemas.microsoft.com/office/drawing/2014/main" id="{FF4675A3-6D07-4B1F-9BFC-AEBEA1AD067D}"/>
-                </a:ext>
-                <a:ext uri="{C183D7F6-B498-43B3-948B-1728B52AA6E4}">
-                  <adec:decorative xmlns:adec="http://schemas.microsoft.com/office/drawing/2017/decorative" val="1"/>
-                </a:ext>
-              </a:extLst>
-            </p:cNvPr>
-            <p:cNvSpPr/>
-            <p:nvPr>
-              <p:extLst>
-                <p:ext uri="{386F3935-93C4-4BCD-93E2-E3B085C9AB24}">
-                  <p16:designElem xmlns:p16="http://schemas.microsoft.com/office/powerpoint/2015/main" val="1"/>
-                </p:ext>
-              </p:extLst>
-            </p:nvPr>
-          </p:nvSpPr>
-          <p:spPr bwMode="auto">
-            <a:xfrm>
-              <a:off x="-1061" y="549842"/>
-              <a:ext cx="10334625" cy="6322075"/>
-            </a:xfrm>
-            <a:custGeom>
-              <a:avLst/>
-              <a:gdLst/>
-              <a:ahLst/>
-              <a:cxnLst/>
-              <a:rect l="0" t="0" r="r" b="b"/>
-              <a:pathLst>
-                <a:path w="2171" h="1326">
-                  <a:moveTo>
-                    <a:pt x="1873" y="1326"/>
-                  </a:moveTo>
-                  <a:cubicBezTo>
-                    <a:pt x="2171" y="1045"/>
-                    <a:pt x="1825" y="678"/>
-                    <a:pt x="1609" y="473"/>
-                  </a:cubicBezTo>
-                  <a:cubicBezTo>
-                    <a:pt x="1406" y="281"/>
-                    <a:pt x="1159" y="116"/>
-                    <a:pt x="880" y="63"/>
-                  </a:cubicBezTo>
-                  <a:cubicBezTo>
-                    <a:pt x="545" y="0"/>
-                    <a:pt x="214" y="161"/>
-                    <a:pt x="0" y="423"/>
-                  </a:cubicBezTo>
-                </a:path>
-              </a:pathLst>
-            </a:custGeom>
-            <a:noFill/>
-            <a:ln w="9525" cap="flat">
-              <a:solidFill>
-                <a:schemeClr val="tx1">
-                  <a:alpha val="35000"/>
-                </a:schemeClr>
-              </a:solidFill>
-              <a:prstDash val="solid"/>
-              <a:miter lim="800000"/>
-              <a:headEnd/>
-              <a:tailEnd/>
-            </a:ln>
-            <a:extLst>
-              <a:ext uri="{909E8E84-426E-40DD-AFC4-6F175D3DCCD1}">
-                <a14:hiddenFill xmlns:a14="http://schemas.microsoft.com/office/drawing/2010/main">
-                  <a:solidFill>
-                    <a:srgbClr val="FFFFFF"/>
-                  </a:solidFill>
-                </a14:hiddenFill>
-              </a:ext>
-            </a:extLst>
-          </p:spPr>
-        </p:sp>
-        <p:sp>
-          <p:nvSpPr>
-            <p:cNvPr id="147" name="Freeform 9">
-              <a:extLst>
-                <a:ext uri="{FF2B5EF4-FFF2-40B4-BE49-F238E27FC236}">
-                  <a16:creationId xmlns:a16="http://schemas.microsoft.com/office/drawing/2014/main" id="{765E127A-B6B7-4B1D-B7BD-6C8C969D29C3}"/>
-                </a:ext>
-                <a:ext uri="{C183D7F6-B498-43B3-948B-1728B52AA6E4}">
-                  <adec:decorative xmlns:adec="http://schemas.microsoft.com/office/drawing/2017/decorative" val="1"/>
-                </a:ext>
-              </a:extLst>
-            </p:cNvPr>
-            <p:cNvSpPr/>
-            <p:nvPr>
-              <p:extLst>
-                <p:ext uri="{386F3935-93C4-4BCD-93E2-E3B085C9AB24}">
-                  <p16:designElem xmlns:p16="http://schemas.microsoft.com/office/powerpoint/2015/main" val="1"/>
-                </p:ext>
-              </p:extLst>
-            </p:nvPr>
-          </p:nvSpPr>
-          <p:spPr bwMode="auto">
-            <a:xfrm>
-              <a:off x="3701" y="6186246"/>
-              <a:ext cx="504825" cy="681527"/>
-            </a:xfrm>
-            <a:custGeom>
-              <a:avLst/>
-              <a:gdLst/>
-              <a:ahLst/>
-              <a:cxnLst/>
-              <a:rect l="0" t="0" r="r" b="b"/>
-              <a:pathLst>
-                <a:path w="106" h="143">
-                  <a:moveTo>
-                    <a:pt x="0" y="0"/>
-                  </a:moveTo>
-                  <a:cubicBezTo>
-                    <a:pt x="35" y="54"/>
-                    <a:pt x="70" y="101"/>
-                    <a:pt x="106" y="143"/>
-                  </a:cubicBezTo>
-                </a:path>
-              </a:pathLst>
-            </a:custGeom>
-            <a:noFill/>
-            <a:ln w="4763" cap="flat">
-              <a:solidFill>
-                <a:schemeClr val="tx1">
-                  <a:alpha val="35000"/>
-                </a:schemeClr>
-              </a:solidFill>
-              <a:prstDash val="solid"/>
-              <a:miter lim="800000"/>
-              <a:headEnd/>
-              <a:tailEnd/>
-            </a:ln>
-            <a:extLst>
-              <a:ext uri="{909E8E84-426E-40DD-AFC4-6F175D3DCCD1}">
-                <a14:hiddenFill xmlns:a14="http://schemas.microsoft.com/office/drawing/2010/main">
-                  <a:solidFill>
-                    <a:srgbClr val="FFFFFF"/>
-                  </a:solidFill>
-                </a14:hiddenFill>
-              </a:ext>
-            </a:extLst>
-          </p:spPr>
-        </p:sp>
-        <p:sp>
-          <p:nvSpPr>
-            <p:cNvPr id="148" name="Freeform 10">
-              <a:extLst>
-                <a:ext uri="{FF2B5EF4-FFF2-40B4-BE49-F238E27FC236}">
-                  <a16:creationId xmlns:a16="http://schemas.microsoft.com/office/drawing/2014/main" id="{3BCA9D9E-C72C-4751-BFA9-10B85CACE3CA}"/>
-                </a:ext>
-                <a:ext uri="{C183D7F6-B498-43B3-948B-1728B52AA6E4}">
-                  <adec:decorative xmlns:adec="http://schemas.microsoft.com/office/drawing/2017/decorative" val="1"/>
-                </a:ext>
-              </a:extLst>
-            </p:cNvPr>
-            <p:cNvSpPr/>
-            <p:nvPr>
-              <p:extLst>
-                <p:ext uri="{386F3935-93C4-4BCD-93E2-E3B085C9AB24}">
-                  <p16:designElem xmlns:p16="http://schemas.microsoft.com/office/powerpoint/2015/main" val="1"/>
-                </p:ext>
-              </p:extLst>
-            </p:nvPr>
-          </p:nvSpPr>
-          <p:spPr bwMode="auto">
-            <a:xfrm>
-              <a:off x="-1061" y="-51881"/>
-              <a:ext cx="11091863" cy="6923796"/>
-            </a:xfrm>
-            <a:custGeom>
-              <a:avLst/>
-              <a:gdLst/>
-              <a:ahLst/>
-              <a:cxnLst/>
-              <a:rect l="0" t="0" r="r" b="b"/>
-              <a:pathLst>
-                <a:path w="2330" h="1452">
-                  <a:moveTo>
-                    <a:pt x="2046" y="1452"/>
-                  </a:moveTo>
-                  <a:cubicBezTo>
-                    <a:pt x="2330" y="1153"/>
-                    <a:pt x="2049" y="821"/>
-                    <a:pt x="1813" y="601"/>
-                  </a:cubicBezTo>
-                  <a:cubicBezTo>
-                    <a:pt x="1569" y="375"/>
-                    <a:pt x="1282" y="179"/>
-                    <a:pt x="956" y="97"/>
-                  </a:cubicBezTo>
-                  <a:cubicBezTo>
-                    <a:pt x="572" y="0"/>
-                    <a:pt x="292" y="101"/>
-                    <a:pt x="0" y="366"/>
-                  </a:cubicBezTo>
-                </a:path>
-              </a:pathLst>
-            </a:custGeom>
-            <a:noFill/>
-            <a:ln w="9525" cap="flat">
-              <a:solidFill>
-                <a:schemeClr val="tx1">
-                  <a:alpha val="35000"/>
-                </a:schemeClr>
-              </a:solidFill>
-              <a:prstDash val="solid"/>
-              <a:miter lim="800000"/>
-              <a:headEnd/>
-              <a:tailEnd/>
-            </a:ln>
-            <a:extLst>
-              <a:ext uri="{909E8E84-426E-40DD-AFC4-6F175D3DCCD1}">
-                <a14:hiddenFill xmlns:a14="http://schemas.microsoft.com/office/drawing/2010/main">
-                  <a:solidFill>
-                    <a:srgbClr val="FFFFFF"/>
-                  </a:solidFill>
-                </a14:hiddenFill>
-              </a:ext>
-            </a:extLst>
-          </p:spPr>
-        </p:sp>
-        <p:sp>
-          <p:nvSpPr>
-            <p:cNvPr id="149" name="Freeform 11">
-              <a:extLst>
-                <a:ext uri="{FF2B5EF4-FFF2-40B4-BE49-F238E27FC236}">
-                  <a16:creationId xmlns:a16="http://schemas.microsoft.com/office/drawing/2014/main" id="{080C708C-69BF-441B-AB75-C98160ED06DE}"/>
-                </a:ext>
-                <a:ext uri="{C183D7F6-B498-43B3-948B-1728B52AA6E4}">
-                  <adec:decorative xmlns:adec="http://schemas.microsoft.com/office/drawing/2017/decorative" val="1"/>
-                </a:ext>
-              </a:extLst>
-            </p:cNvPr>
-            <p:cNvSpPr/>
-            <p:nvPr>
-              <p:extLst>
-                <p:ext uri="{386F3935-93C4-4BCD-93E2-E3B085C9AB24}">
-                  <p16:designElem xmlns:p16="http://schemas.microsoft.com/office/powerpoint/2015/main" val="1"/>
-                </p:ext>
-              </p:extLst>
-            </p:nvPr>
-          </p:nvSpPr>
-          <p:spPr bwMode="auto">
-            <a:xfrm>
-              <a:off x="5426601" y="5579"/>
-              <a:ext cx="5788025" cy="6847184"/>
-            </a:xfrm>
-            <a:custGeom>
-              <a:avLst/>
-              <a:gdLst/>
-              <a:ahLst/>
-              <a:cxnLst/>
-              <a:rect l="0" t="0" r="r" b="b"/>
-              <a:pathLst>
-                <a:path w="1216" h="1436">
-                  <a:moveTo>
-                    <a:pt x="1094" y="1436"/>
-                  </a:moveTo>
-                  <a:cubicBezTo>
-                    <a:pt x="1216" y="1114"/>
-                    <a:pt x="904" y="770"/>
-                    <a:pt x="709" y="551"/>
-                  </a:cubicBezTo>
-                  <a:cubicBezTo>
-                    <a:pt x="509" y="327"/>
-                    <a:pt x="274" y="127"/>
-                    <a:pt x="0" y="0"/>
-                  </a:cubicBezTo>
-                </a:path>
-              </a:pathLst>
-            </a:custGeom>
-            <a:noFill/>
-            <a:ln w="9525" cap="flat">
-              <a:solidFill>
-                <a:schemeClr val="tx1">
-                  <a:alpha val="35000"/>
-                </a:schemeClr>
-              </a:solidFill>
-              <a:prstDash val="solid"/>
-              <a:miter lim="800000"/>
-              <a:headEnd/>
-              <a:tailEnd/>
-            </a:ln>
-            <a:extLst>
-              <a:ext uri="{909E8E84-426E-40DD-AFC4-6F175D3DCCD1}">
-                <a14:hiddenFill xmlns:a14="http://schemas.microsoft.com/office/drawing/2010/main">
-                  <a:solidFill>
-                    <a:srgbClr val="FFFFFF"/>
-                  </a:solidFill>
-                </a14:hiddenFill>
-              </a:ext>
-            </a:extLst>
-          </p:spPr>
-        </p:sp>
-        <p:sp>
-          <p:nvSpPr>
-            <p:cNvPr id="150" name="Freeform 12">
-              <a:extLst>
-                <a:ext uri="{FF2B5EF4-FFF2-40B4-BE49-F238E27FC236}">
-                  <a16:creationId xmlns:a16="http://schemas.microsoft.com/office/drawing/2014/main" id="{3E79964E-F8F1-4763-8892-7BC3DAE306E9}"/>
-                </a:ext>
-                <a:ext uri="{C183D7F6-B498-43B3-948B-1728B52AA6E4}">
-                  <adec:decorative xmlns:adec="http://schemas.microsoft.com/office/drawing/2017/decorative" val="1"/>
-                </a:ext>
-              </a:extLst>
-            </p:cNvPr>
-            <p:cNvSpPr/>
-            <p:nvPr>
-              <p:extLst>
-                <p:ext uri="{386F3935-93C4-4BCD-93E2-E3B085C9AB24}">
-                  <p16:designElem xmlns:p16="http://schemas.microsoft.com/office/powerpoint/2015/main" val="1"/>
-                </p:ext>
-              </p:extLst>
-            </p:nvPr>
-          </p:nvSpPr>
-          <p:spPr bwMode="auto">
-            <a:xfrm>
-              <a:off x="-1061" y="5579"/>
-              <a:ext cx="1057275" cy="614491"/>
-            </a:xfrm>
-            <a:custGeom>
-              <a:avLst/>
-              <a:gdLst/>
-              <a:ahLst/>
-              <a:cxnLst/>
-              <a:rect l="0" t="0" r="r" b="b"/>
-              <a:pathLst>
-                <a:path w="222" h="129">
-                  <a:moveTo>
-                    <a:pt x="222" y="0"/>
-                  </a:moveTo>
-                  <a:cubicBezTo>
-                    <a:pt x="152" y="35"/>
-                    <a:pt x="76" y="78"/>
-                    <a:pt x="0" y="129"/>
-                  </a:cubicBezTo>
-                </a:path>
-              </a:pathLst>
-            </a:custGeom>
-            <a:noFill/>
-            <a:ln w="9525" cap="flat">
-              <a:solidFill>
-                <a:schemeClr val="tx1">
-                  <a:alpha val="35000"/>
-                </a:schemeClr>
-              </a:solidFill>
-              <a:prstDash val="solid"/>
-              <a:miter lim="800000"/>
-              <a:headEnd/>
-              <a:tailEnd/>
-            </a:ln>
-            <a:extLst>
-              <a:ext uri="{909E8E84-426E-40DD-AFC4-6F175D3DCCD1}">
-                <a14:hiddenFill xmlns:a14="http://schemas.microsoft.com/office/drawing/2010/main">
-                  <a:solidFill>
-                    <a:srgbClr val="FFFFFF"/>
-                  </a:solidFill>
-                </a14:hiddenFill>
-              </a:ext>
-            </a:extLst>
-          </p:spPr>
-        </p:sp>
-        <p:sp>
-          <p:nvSpPr>
-            <p:cNvPr id="151" name="Freeform 13">
-              <a:extLst>
-                <a:ext uri="{FF2B5EF4-FFF2-40B4-BE49-F238E27FC236}">
-                  <a16:creationId xmlns:a16="http://schemas.microsoft.com/office/drawing/2014/main" id="{FE09592A-FCC9-4AE5-BA0B-730C6F3BBE95}"/>
-                </a:ext>
-                <a:ext uri="{C183D7F6-B498-43B3-948B-1728B52AA6E4}">
-                  <adec:decorative xmlns:adec="http://schemas.microsoft.com/office/drawing/2017/decorative" val="1"/>
-                </a:ext>
-              </a:extLst>
-            </p:cNvPr>
-            <p:cNvSpPr/>
-            <p:nvPr>
-              <p:extLst>
-                <p:ext uri="{386F3935-93C4-4BCD-93E2-E3B085C9AB24}">
-                  <p16:designElem xmlns:p16="http://schemas.microsoft.com/office/powerpoint/2015/main" val="1"/>
-                </p:ext>
-              </p:extLst>
-            </p:nvPr>
-          </p:nvSpPr>
-          <p:spPr bwMode="auto">
-            <a:xfrm>
-              <a:off x="5821889" y="5579"/>
-              <a:ext cx="5588000" cy="6866337"/>
-            </a:xfrm>
-            <a:custGeom>
-              <a:avLst/>
-              <a:gdLst/>
-              <a:ahLst/>
-              <a:cxnLst/>
-              <a:rect l="0" t="0" r="r" b="b"/>
-              <a:pathLst>
-                <a:path w="1174" h="1440">
-                  <a:moveTo>
-                    <a:pt x="1067" y="1440"/>
-                  </a:moveTo>
-                  <a:cubicBezTo>
-                    <a:pt x="1174" y="1124"/>
-                    <a:pt x="887" y="797"/>
-                    <a:pt x="698" y="577"/>
-                  </a:cubicBezTo>
-                  <a:cubicBezTo>
-                    <a:pt x="500" y="348"/>
-                    <a:pt x="270" y="141"/>
-                    <a:pt x="0" y="0"/>
-                  </a:cubicBezTo>
-                </a:path>
-              </a:pathLst>
-            </a:custGeom>
-            <a:noFill/>
-            <a:ln w="9525" cap="flat">
-              <a:solidFill>
-                <a:schemeClr val="tx1">
-                  <a:alpha val="35000"/>
-                </a:schemeClr>
-              </a:solidFill>
-              <a:prstDash val="dash"/>
-              <a:miter lim="800000"/>
-              <a:headEnd/>
-              <a:tailEnd/>
-            </a:ln>
-            <a:extLst>
-              <a:ext uri="{909E8E84-426E-40DD-AFC4-6F175D3DCCD1}">
-                <a14:hiddenFill xmlns:a14="http://schemas.microsoft.com/office/drawing/2010/main">
-                  <a:solidFill>
-                    <a:srgbClr val="FFFFFF"/>
-                  </a:solidFill>
-                </a14:hiddenFill>
-              </a:ext>
-            </a:extLst>
-          </p:spPr>
-        </p:sp>
-        <p:sp>
-          <p:nvSpPr>
-            <p:cNvPr id="152" name="Freeform 14">
-              <a:extLst>
-                <a:ext uri="{FF2B5EF4-FFF2-40B4-BE49-F238E27FC236}">
-                  <a16:creationId xmlns:a16="http://schemas.microsoft.com/office/drawing/2014/main" id="{96448994-820C-4BC1-ABF3-4579C6F99A63}"/>
-                </a:ext>
-                <a:ext uri="{C183D7F6-B498-43B3-948B-1728B52AA6E4}">
-                  <adec:decorative xmlns:adec="http://schemas.microsoft.com/office/drawing/2017/decorative" val="1"/>
-                </a:ext>
-              </a:extLst>
-            </p:cNvPr>
-            <p:cNvSpPr/>
-            <p:nvPr>
-              <p:extLst>
-                <p:ext uri="{386F3935-93C4-4BCD-93E2-E3B085C9AB24}">
-                  <p16:designElem xmlns:p16="http://schemas.microsoft.com/office/powerpoint/2015/main" val="1"/>
-                </p:ext>
-              </p:extLst>
-            </p:nvPr>
-          </p:nvSpPr>
-          <p:spPr bwMode="auto">
-            <a:xfrm>
-              <a:off x="3701" y="790"/>
-              <a:ext cx="595313" cy="352734"/>
-            </a:xfrm>
-            <a:custGeom>
-              <a:avLst/>
-              <a:gdLst/>
-              <a:ahLst/>
-              <a:cxnLst/>
-              <a:rect l="0" t="0" r="r" b="b"/>
-              <a:pathLst>
-                <a:path w="125" h="74">
-                  <a:moveTo>
-                    <a:pt x="125" y="0"/>
-                  </a:moveTo>
-                  <a:cubicBezTo>
-                    <a:pt x="85" y="22"/>
-                    <a:pt x="43" y="47"/>
-                    <a:pt x="0" y="74"/>
-                  </a:cubicBezTo>
-                </a:path>
-              </a:pathLst>
-            </a:custGeom>
-            <a:noFill/>
-            <a:ln w="9525" cap="flat">
-              <a:solidFill>
-                <a:schemeClr val="tx1">
-                  <a:alpha val="35000"/>
-                </a:schemeClr>
-              </a:solidFill>
-              <a:prstDash val="dash"/>
-              <a:miter lim="800000"/>
-              <a:headEnd/>
-              <a:tailEnd/>
-            </a:ln>
-            <a:extLst>
-              <a:ext uri="{909E8E84-426E-40DD-AFC4-6F175D3DCCD1}">
-                <a14:hiddenFill xmlns:a14="http://schemas.microsoft.com/office/drawing/2010/main">
-                  <a:solidFill>
-                    <a:srgbClr val="FFFFFF"/>
-                  </a:solidFill>
-                </a14:hiddenFill>
-              </a:ext>
-            </a:extLst>
-          </p:spPr>
-        </p:sp>
-        <p:sp>
-          <p:nvSpPr>
-            <p:cNvPr id="153" name="Freeform 15">
-              <a:extLst>
-                <a:ext uri="{FF2B5EF4-FFF2-40B4-BE49-F238E27FC236}">
-                  <a16:creationId xmlns:a16="http://schemas.microsoft.com/office/drawing/2014/main" id="{9BB0D192-565A-42B9-B292-CC032D71A6A1}"/>
-                </a:ext>
-                <a:ext uri="{C183D7F6-B498-43B3-948B-1728B52AA6E4}">
-                  <adec:decorative xmlns:adec="http://schemas.microsoft.com/office/drawing/2017/decorative" val="1"/>
-                </a:ext>
-              </a:extLst>
-            </p:cNvPr>
-            <p:cNvSpPr/>
-            <p:nvPr>
-              <p:extLst>
-                <p:ext uri="{386F3935-93C4-4BCD-93E2-E3B085C9AB24}">
-                  <p16:designElem xmlns:p16="http://schemas.microsoft.com/office/powerpoint/2015/main" val="1"/>
-                </p:ext>
-              </p:extLst>
-            </p:nvPr>
-          </p:nvSpPr>
-          <p:spPr bwMode="auto">
-            <a:xfrm>
-              <a:off x="6012389" y="5579"/>
-              <a:ext cx="5497513" cy="6866337"/>
-            </a:xfrm>
-            <a:custGeom>
-              <a:avLst/>
-              <a:gdLst/>
-              <a:ahLst/>
-              <a:cxnLst/>
-              <a:rect l="0" t="0" r="r" b="b"/>
-              <a:pathLst>
-                <a:path w="1155" h="1440">
-                  <a:moveTo>
-                    <a:pt x="1056" y="1440"/>
-                  </a:moveTo>
-                  <a:cubicBezTo>
-                    <a:pt x="1155" y="1123"/>
-                    <a:pt x="875" y="801"/>
-                    <a:pt x="686" y="580"/>
-                  </a:cubicBezTo>
-                  <a:cubicBezTo>
-                    <a:pt x="491" y="352"/>
-                    <a:pt x="264" y="145"/>
-                    <a:pt x="0" y="0"/>
-                  </a:cubicBezTo>
-                </a:path>
-              </a:pathLst>
-            </a:custGeom>
-            <a:noFill/>
-            <a:ln w="12700" cap="flat">
-              <a:solidFill>
-                <a:schemeClr val="tx1">
-                  <a:alpha val="35000"/>
-                </a:schemeClr>
-              </a:solidFill>
-              <a:prstDash val="dashDot"/>
-              <a:miter lim="800000"/>
-              <a:headEnd/>
-              <a:tailEnd/>
-            </a:ln>
-            <a:extLst>
-              <a:ext uri="{909E8E84-426E-40DD-AFC4-6F175D3DCCD1}">
-                <a14:hiddenFill xmlns:a14="http://schemas.microsoft.com/office/drawing/2010/main">
-                  <a:solidFill>
-                    <a:srgbClr val="FFFFFF"/>
-                  </a:solidFill>
-                </a14:hiddenFill>
-              </a:ext>
-            </a:extLst>
-          </p:spPr>
-        </p:sp>
-        <p:sp>
-          <p:nvSpPr>
-            <p:cNvPr id="154" name="Freeform 16">
-              <a:extLst>
-                <a:ext uri="{FF2B5EF4-FFF2-40B4-BE49-F238E27FC236}">
-                  <a16:creationId xmlns:a16="http://schemas.microsoft.com/office/drawing/2014/main" id="{6D1CA09C-5F40-4E92-A7E9-D1FCEE51283D}"/>
-                </a:ext>
-                <a:ext uri="{C183D7F6-B498-43B3-948B-1728B52AA6E4}">
-                  <adec:decorative xmlns:adec="http://schemas.microsoft.com/office/drawing/2017/decorative" val="1"/>
-                </a:ext>
-              </a:extLst>
-            </p:cNvPr>
-            <p:cNvSpPr/>
-            <p:nvPr>
-              <p:extLst>
-                <p:ext uri="{386F3935-93C4-4BCD-93E2-E3B085C9AB24}">
-                  <p16:designElem xmlns:p16="http://schemas.microsoft.com/office/powerpoint/2015/main" val="1"/>
-                </p:ext>
-              </p:extLst>
-            </p:nvPr>
-          </p:nvSpPr>
-          <p:spPr bwMode="auto">
-            <a:xfrm>
-              <a:off x="-1061" y="5579"/>
-              <a:ext cx="357188" cy="213875"/>
-            </a:xfrm>
-            <a:custGeom>
-              <a:avLst/>
-              <a:gdLst/>
-              <a:ahLst/>
-              <a:cxnLst/>
-              <a:rect l="0" t="0" r="r" b="b"/>
-              <a:pathLst>
-                <a:path w="75" h="45">
-                  <a:moveTo>
-                    <a:pt x="75" y="0"/>
-                  </a:moveTo>
-                  <a:cubicBezTo>
-                    <a:pt x="50" y="14"/>
-                    <a:pt x="25" y="29"/>
-                    <a:pt x="0" y="45"/>
-                  </a:cubicBezTo>
-                </a:path>
-              </a:pathLst>
-            </a:custGeom>
-            <a:noFill/>
-            <a:ln w="12700" cap="flat">
-              <a:solidFill>
-                <a:schemeClr val="tx1">
-                  <a:alpha val="35000"/>
-                </a:schemeClr>
-              </a:solidFill>
-              <a:prstDash val="dashDot"/>
-              <a:miter lim="800000"/>
-              <a:headEnd/>
-              <a:tailEnd/>
-            </a:ln>
-            <a:extLst>
-              <a:ext uri="{909E8E84-426E-40DD-AFC4-6F175D3DCCD1}">
-                <a14:hiddenFill xmlns:a14="http://schemas.microsoft.com/office/drawing/2010/main">
-                  <a:solidFill>
-                    <a:srgbClr val="FFFFFF"/>
-                  </a:solidFill>
-                </a14:hiddenFill>
-              </a:ext>
-            </a:extLst>
-          </p:spPr>
-        </p:sp>
-        <p:sp>
-          <p:nvSpPr>
-            <p:cNvPr id="155" name="Freeform 17">
-              <a:extLst>
-                <a:ext uri="{FF2B5EF4-FFF2-40B4-BE49-F238E27FC236}">
-                  <a16:creationId xmlns:a16="http://schemas.microsoft.com/office/drawing/2014/main" id="{379F5AA5-2E14-4880-A5A6-07AEF2AD89DB}"/>
-                </a:ext>
-                <a:ext uri="{C183D7F6-B498-43B3-948B-1728B52AA6E4}">
-                  <adec:decorative xmlns:adec="http://schemas.microsoft.com/office/drawing/2017/decorative" val="1"/>
-                </a:ext>
-              </a:extLst>
-            </p:cNvPr>
-            <p:cNvSpPr/>
-            <p:nvPr>
-              <p:extLst>
-                <p:ext uri="{386F3935-93C4-4BCD-93E2-E3B085C9AB24}">
-                  <p16:designElem xmlns:p16="http://schemas.microsoft.com/office/powerpoint/2015/main" val="1"/>
-                </p:ext>
-              </p:extLst>
-            </p:nvPr>
-          </p:nvSpPr>
-          <p:spPr bwMode="auto">
-            <a:xfrm>
-              <a:off x="6210826" y="790"/>
-              <a:ext cx="5522913" cy="6871126"/>
-            </a:xfrm>
-            <a:custGeom>
-              <a:avLst/>
-              <a:gdLst/>
-              <a:ahLst/>
-              <a:cxnLst/>
-              <a:rect l="0" t="0" r="r" b="b"/>
-              <a:pathLst>
-                <a:path w="1160" h="1441">
-                  <a:moveTo>
-                    <a:pt x="1053" y="1441"/>
-                  </a:moveTo>
-                  <a:cubicBezTo>
-                    <a:pt x="1160" y="1129"/>
-                    <a:pt x="892" y="817"/>
-                    <a:pt x="705" y="599"/>
-                  </a:cubicBezTo>
-                  <a:cubicBezTo>
-                    <a:pt x="503" y="365"/>
-                    <a:pt x="270" y="152"/>
-                    <a:pt x="0" y="0"/>
-                  </a:cubicBezTo>
-                </a:path>
-              </a:pathLst>
-            </a:custGeom>
-            <a:noFill/>
-            <a:ln w="9525" cap="flat">
-              <a:solidFill>
-                <a:schemeClr val="tx1">
-                  <a:alpha val="35000"/>
-                </a:schemeClr>
-              </a:solidFill>
-              <a:prstDash val="solid"/>
-              <a:miter lim="800000"/>
-              <a:headEnd/>
-              <a:tailEnd/>
-            </a:ln>
-            <a:extLst>
-              <a:ext uri="{909E8E84-426E-40DD-AFC4-6F175D3DCCD1}">
-                <a14:hiddenFill xmlns:a14="http://schemas.microsoft.com/office/drawing/2010/main">
-                  <a:solidFill>
-                    <a:srgbClr val="FFFFFF"/>
-                  </a:solidFill>
-                </a14:hiddenFill>
-              </a:ext>
-            </a:extLst>
-          </p:spPr>
-        </p:sp>
-        <p:sp>
-          <p:nvSpPr>
-            <p:cNvPr id="156" name="Freeform 18">
-              <a:extLst>
-                <a:ext uri="{FF2B5EF4-FFF2-40B4-BE49-F238E27FC236}">
-                  <a16:creationId xmlns:a16="http://schemas.microsoft.com/office/drawing/2014/main" id="{EF14BD32-D239-4DA3-98B3-7752073657CC}"/>
-                </a:ext>
-                <a:ext uri="{C183D7F6-B498-43B3-948B-1728B52AA6E4}">
-                  <adec:decorative xmlns:adec="http://schemas.microsoft.com/office/drawing/2017/decorative" val="1"/>
-                </a:ext>
-              </a:extLst>
-            </p:cNvPr>
-            <p:cNvSpPr/>
-            <p:nvPr>
-              <p:extLst>
-                <p:ext uri="{386F3935-93C4-4BCD-93E2-E3B085C9AB24}">
-                  <p16:designElem xmlns:p16="http://schemas.microsoft.com/office/powerpoint/2015/main" val="1"/>
-                </p:ext>
-              </p:extLst>
-            </p:nvPr>
-          </p:nvSpPr>
-          <p:spPr bwMode="auto">
-            <a:xfrm>
-              <a:off x="6463239" y="5579"/>
-              <a:ext cx="5413375" cy="6866337"/>
-            </a:xfrm>
-            <a:custGeom>
-              <a:avLst/>
-              <a:gdLst/>
-              <a:ahLst/>
-              <a:cxnLst/>
-              <a:rect l="0" t="0" r="r" b="b"/>
-              <a:pathLst>
-                <a:path w="1137" h="1440">
-                  <a:moveTo>
-                    <a:pt x="1040" y="1440"/>
-                  </a:moveTo>
-                  <a:cubicBezTo>
-                    <a:pt x="1137" y="1131"/>
-                    <a:pt x="883" y="828"/>
-                    <a:pt x="698" y="611"/>
-                  </a:cubicBezTo>
-                  <a:cubicBezTo>
-                    <a:pt x="498" y="375"/>
-                    <a:pt x="268" y="159"/>
-                    <a:pt x="0" y="0"/>
-                  </a:cubicBezTo>
-                </a:path>
-              </a:pathLst>
-            </a:custGeom>
-            <a:noFill/>
-            <a:ln w="9525" cap="flat">
-              <a:solidFill>
-                <a:schemeClr val="tx1">
-                  <a:alpha val="35000"/>
-                </a:schemeClr>
-              </a:solidFill>
-              <a:prstDash val="solid"/>
-              <a:miter lim="800000"/>
-              <a:headEnd/>
-              <a:tailEnd/>
-            </a:ln>
-            <a:extLst>
-              <a:ext uri="{909E8E84-426E-40DD-AFC4-6F175D3DCCD1}">
-                <a14:hiddenFill xmlns:a14="http://schemas.microsoft.com/office/drawing/2010/main">
-                  <a:solidFill>
-                    <a:srgbClr val="FFFFFF"/>
-                  </a:solidFill>
-                </a14:hiddenFill>
-              </a:ext>
-            </a:extLst>
-          </p:spPr>
-        </p:sp>
-        <p:sp>
-          <p:nvSpPr>
-            <p:cNvPr id="157" name="Freeform 19">
-              <a:extLst>
-                <a:ext uri="{FF2B5EF4-FFF2-40B4-BE49-F238E27FC236}">
-                  <a16:creationId xmlns:a16="http://schemas.microsoft.com/office/drawing/2014/main" id="{CF07B250-E5E4-4624-9BD7-8D513A67B731}"/>
-                </a:ext>
-                <a:ext uri="{C183D7F6-B498-43B3-948B-1728B52AA6E4}">
-                  <adec:decorative xmlns:adec="http://schemas.microsoft.com/office/drawing/2017/decorative" val="1"/>
-                </a:ext>
-              </a:extLst>
-            </p:cNvPr>
-            <p:cNvSpPr/>
-            <p:nvPr>
-              <p:extLst>
-                <p:ext uri="{386F3935-93C4-4BCD-93E2-E3B085C9AB24}">
-                  <p16:designElem xmlns:p16="http://schemas.microsoft.com/office/powerpoint/2015/main" val="1"/>
-                </p:ext>
-              </p:extLst>
-            </p:nvPr>
-          </p:nvSpPr>
-          <p:spPr bwMode="auto">
-            <a:xfrm>
-              <a:off x="6877576" y="5579"/>
-              <a:ext cx="5037138" cy="6861550"/>
-            </a:xfrm>
-            <a:custGeom>
-              <a:avLst/>
-              <a:gdLst/>
-              <a:ahLst/>
-              <a:cxnLst/>
-              <a:rect l="0" t="0" r="r" b="b"/>
-              <a:pathLst>
-                <a:path w="1058" h="1439">
-                  <a:moveTo>
-                    <a:pt x="1011" y="1439"/>
-                  </a:moveTo>
-                  <a:cubicBezTo>
-                    <a:pt x="1058" y="1131"/>
-                    <a:pt x="825" y="841"/>
-                    <a:pt x="648" y="617"/>
-                  </a:cubicBezTo>
-                  <a:cubicBezTo>
-                    <a:pt x="462" y="383"/>
-                    <a:pt x="248" y="168"/>
-                    <a:pt x="0" y="0"/>
-                  </a:cubicBezTo>
-                </a:path>
-              </a:pathLst>
-            </a:custGeom>
-            <a:noFill/>
-            <a:ln w="9525" cap="flat">
-              <a:solidFill>
-                <a:schemeClr val="tx1">
-                  <a:alpha val="35000"/>
-                </a:schemeClr>
-              </a:solidFill>
-              <a:prstDash val="solid"/>
-              <a:miter lim="800000"/>
-              <a:headEnd/>
-              <a:tailEnd/>
-            </a:ln>
-            <a:extLst>
-              <a:ext uri="{909E8E84-426E-40DD-AFC4-6F175D3DCCD1}">
-                <a14:hiddenFill xmlns:a14="http://schemas.microsoft.com/office/drawing/2010/main">
-                  <a:solidFill>
-                    <a:srgbClr val="FFFFFF"/>
-                  </a:solidFill>
-                </a14:hiddenFill>
-              </a:ext>
-            </a:extLst>
-          </p:spPr>
-        </p:sp>
-        <p:sp>
-          <p:nvSpPr>
-            <p:cNvPr id="158" name="Freeform 20">
-              <a:extLst>
-                <a:ext uri="{FF2B5EF4-FFF2-40B4-BE49-F238E27FC236}">
-                  <a16:creationId xmlns:a16="http://schemas.microsoft.com/office/drawing/2014/main" id="{BCC5D120-7C8C-4290-865C-4EE6E4F245F9}"/>
-                </a:ext>
-                <a:ext uri="{C183D7F6-B498-43B3-948B-1728B52AA6E4}">
-                  <adec:decorative xmlns:adec="http://schemas.microsoft.com/office/drawing/2017/decorative" val="1"/>
-                </a:ext>
-              </a:extLst>
-            </p:cNvPr>
-            <p:cNvSpPr/>
-            <p:nvPr>
-              <p:extLst>
-                <p:ext uri="{386F3935-93C4-4BCD-93E2-E3B085C9AB24}">
-                  <p16:designElem xmlns:p16="http://schemas.microsoft.com/office/powerpoint/2015/main" val="1"/>
-                </p:ext>
-              </p:extLst>
-            </p:nvPr>
-          </p:nvSpPr>
-          <p:spPr bwMode="auto">
-            <a:xfrm>
-              <a:off x="8768289" y="5579"/>
-              <a:ext cx="3417888" cy="2742066"/>
-            </a:xfrm>
-            <a:custGeom>
-              <a:avLst/>
-              <a:gdLst/>
-              <a:ahLst/>
-              <a:cxnLst/>
-              <a:rect l="0" t="0" r="r" b="b"/>
-              <a:pathLst>
-                <a:path w="718" h="575">
-                  <a:moveTo>
-                    <a:pt x="718" y="575"/>
-                  </a:moveTo>
-                  <a:cubicBezTo>
-                    <a:pt x="500" y="360"/>
-                    <a:pt x="260" y="163"/>
-                    <a:pt x="0" y="0"/>
-                  </a:cubicBezTo>
-                </a:path>
-              </a:pathLst>
-            </a:custGeom>
-            <a:noFill/>
-            <a:ln w="9525" cap="flat">
-              <a:solidFill>
-                <a:schemeClr val="tx1">
-                  <a:alpha val="35000"/>
-                </a:schemeClr>
-              </a:solidFill>
-              <a:prstDash val="solid"/>
-              <a:miter lim="800000"/>
-              <a:headEnd/>
-              <a:tailEnd/>
-            </a:ln>
-            <a:extLst>
-              <a:ext uri="{909E8E84-426E-40DD-AFC4-6F175D3DCCD1}">
-                <a14:hiddenFill xmlns:a14="http://schemas.microsoft.com/office/drawing/2010/main">
-                  <a:solidFill>
-                    <a:srgbClr val="FFFFFF"/>
-                  </a:solidFill>
-                </a14:hiddenFill>
-              </a:ext>
-            </a:extLst>
-          </p:spPr>
-        </p:sp>
-        <p:sp>
-          <p:nvSpPr>
-            <p:cNvPr id="159" name="Freeform 21">
-              <a:extLst>
-                <a:ext uri="{FF2B5EF4-FFF2-40B4-BE49-F238E27FC236}">
-                  <a16:creationId xmlns:a16="http://schemas.microsoft.com/office/drawing/2014/main" id="{C24688C6-CAE5-4EF2-B2BA-A138DA0A24B9}"/>
-                </a:ext>
-                <a:ext uri="{C183D7F6-B498-43B3-948B-1728B52AA6E4}">
-                  <adec:decorative xmlns:adec="http://schemas.microsoft.com/office/drawing/2017/decorative" val="1"/>
-                </a:ext>
-              </a:extLst>
-            </p:cNvPr>
-            <p:cNvSpPr/>
-            <p:nvPr>
-              <p:extLst>
-                <p:ext uri="{386F3935-93C4-4BCD-93E2-E3B085C9AB24}">
-                  <p16:designElem xmlns:p16="http://schemas.microsoft.com/office/powerpoint/2015/main" val="1"/>
-                </p:ext>
-              </p:extLst>
-            </p:nvPr>
-          </p:nvSpPr>
-          <p:spPr bwMode="auto">
-            <a:xfrm>
-              <a:off x="9235014" y="10367"/>
-              <a:ext cx="2951163" cy="2555325"/>
-            </a:xfrm>
-            <a:custGeom>
-              <a:avLst/>
-              <a:gdLst/>
-              <a:ahLst/>
-              <a:cxnLst/>
-              <a:rect l="0" t="0" r="r" b="b"/>
-              <a:pathLst>
-                <a:path w="620" h="536">
-                  <a:moveTo>
-                    <a:pt x="620" y="536"/>
-                  </a:moveTo>
-                  <a:cubicBezTo>
-                    <a:pt x="404" y="314"/>
-                    <a:pt x="196" y="138"/>
-                    <a:pt x="0" y="0"/>
-                  </a:cubicBezTo>
-                </a:path>
-              </a:pathLst>
-            </a:custGeom>
-            <a:noFill/>
-            <a:ln w="9525" cap="flat">
-              <a:solidFill>
-                <a:schemeClr val="tx1">
-                  <a:alpha val="35000"/>
-                </a:schemeClr>
-              </a:solidFill>
-              <a:prstDash val="solid"/>
-              <a:miter lim="800000"/>
-              <a:headEnd/>
-              <a:tailEnd/>
-            </a:ln>
-            <a:extLst>
-              <a:ext uri="{909E8E84-426E-40DD-AFC4-6F175D3DCCD1}">
-                <a14:hiddenFill xmlns:a14="http://schemas.microsoft.com/office/drawing/2010/main">
-                  <a:solidFill>
-                    <a:srgbClr val="FFFFFF"/>
-                  </a:solidFill>
-                </a14:hiddenFill>
-              </a:ext>
-            </a:extLst>
-          </p:spPr>
-        </p:sp>
-        <p:sp>
-          <p:nvSpPr>
-            <p:cNvPr id="160" name="Freeform 22">
-              <a:extLst>
-                <a:ext uri="{FF2B5EF4-FFF2-40B4-BE49-F238E27FC236}">
-                  <a16:creationId xmlns:a16="http://schemas.microsoft.com/office/drawing/2014/main" id="{6BD31099-7C13-4901-A04F-632B1CD84627}"/>
-                </a:ext>
-                <a:ext uri="{C183D7F6-B498-43B3-948B-1728B52AA6E4}">
-                  <adec:decorative xmlns:adec="http://schemas.microsoft.com/office/drawing/2017/decorative" val="1"/>
-                </a:ext>
-              </a:extLst>
-            </p:cNvPr>
-            <p:cNvSpPr/>
-            <p:nvPr>
-              <p:extLst>
-                <p:ext uri="{386F3935-93C4-4BCD-93E2-E3B085C9AB24}">
-                  <p16:designElem xmlns:p16="http://schemas.microsoft.com/office/powerpoint/2015/main" val="1"/>
-                </p:ext>
-              </p:extLst>
-            </p:nvPr>
-          </p:nvSpPr>
-          <p:spPr bwMode="auto">
-            <a:xfrm>
-              <a:off x="10020826" y="5579"/>
-              <a:ext cx="2165350" cy="1358265"/>
-            </a:xfrm>
-            <a:custGeom>
-              <a:avLst/>
-              <a:gdLst/>
-              <a:ahLst/>
-              <a:cxnLst/>
-              <a:rect l="0" t="0" r="r" b="b"/>
-              <a:pathLst>
-                <a:path w="455" h="285">
-                  <a:moveTo>
-                    <a:pt x="0" y="0"/>
-                  </a:moveTo>
-                  <a:cubicBezTo>
-                    <a:pt x="153" y="85"/>
-                    <a:pt x="308" y="180"/>
-                    <a:pt x="455" y="285"/>
-                  </a:cubicBezTo>
-                </a:path>
-              </a:pathLst>
-            </a:custGeom>
-            <a:noFill/>
-            <a:ln w="9525" cap="flat">
-              <a:solidFill>
-                <a:schemeClr val="tx1">
-                  <a:alpha val="35000"/>
-                </a:schemeClr>
-              </a:solidFill>
-              <a:prstDash val="dash"/>
-              <a:miter lim="800000"/>
-              <a:headEnd/>
-              <a:tailEnd/>
-            </a:ln>
-            <a:extLst>
-              <a:ext uri="{909E8E84-426E-40DD-AFC4-6F175D3DCCD1}">
-                <a14:hiddenFill xmlns:a14="http://schemas.microsoft.com/office/drawing/2010/main">
-                  <a:solidFill>
-                    <a:srgbClr val="FFFFFF"/>
-                  </a:solidFill>
-                </a14:hiddenFill>
-              </a:ext>
-            </a:extLst>
-          </p:spPr>
-        </p:sp>
-        <p:sp>
-          <p:nvSpPr>
-            <p:cNvPr id="161" name="Freeform 23">
-              <a:extLst>
-                <a:ext uri="{FF2B5EF4-FFF2-40B4-BE49-F238E27FC236}">
-                  <a16:creationId xmlns:a16="http://schemas.microsoft.com/office/drawing/2014/main" id="{679F5FF7-82B2-4033-8FBE-63170C937833}"/>
-                </a:ext>
-                <a:ext uri="{C183D7F6-B498-43B3-948B-1728B52AA6E4}">
-                  <adec:decorative xmlns:adec="http://schemas.microsoft.com/office/drawing/2017/decorative" val="1"/>
-                </a:ext>
-              </a:extLst>
-            </p:cNvPr>
-            <p:cNvSpPr/>
-            <p:nvPr>
-              <p:extLst>
-                <p:ext uri="{386F3935-93C4-4BCD-93E2-E3B085C9AB24}">
-                  <p16:designElem xmlns:p16="http://schemas.microsoft.com/office/powerpoint/2015/main" val="1"/>
-                </p:ext>
-              </p:extLst>
-            </p:nvPr>
-          </p:nvSpPr>
-          <p:spPr bwMode="auto">
-            <a:xfrm>
-              <a:off x="11290826" y="5579"/>
-              <a:ext cx="895350" cy="534687"/>
-            </a:xfrm>
-            <a:custGeom>
-              <a:avLst/>
-              <a:gdLst/>
-              <a:ahLst/>
-              <a:cxnLst/>
-              <a:rect l="0" t="0" r="r" b="b"/>
-              <a:pathLst>
-                <a:path w="188" h="112">
-                  <a:moveTo>
-                    <a:pt x="0" y="0"/>
-                  </a:moveTo>
-                  <a:cubicBezTo>
-                    <a:pt x="63" y="36"/>
-                    <a:pt x="126" y="73"/>
-                    <a:pt x="188" y="112"/>
-                  </a:cubicBezTo>
-                </a:path>
-              </a:pathLst>
-            </a:custGeom>
-            <a:noFill/>
-            <a:ln w="9525" cap="flat">
-              <a:solidFill>
-                <a:schemeClr val="tx1">
-                  <a:alpha val="35000"/>
-                </a:schemeClr>
-              </a:solidFill>
-              <a:prstDash val="solid"/>
-              <a:miter lim="800000"/>
-              <a:headEnd/>
-              <a:tailEnd/>
-            </a:ln>
-            <a:extLst>
-              <a:ext uri="{909E8E84-426E-40DD-AFC4-6F175D3DCCD1}">
-                <a14:hiddenFill xmlns:a14="http://schemas.microsoft.com/office/drawing/2010/main">
-                  <a:solidFill>
-                    <a:srgbClr val="FFFFFF"/>
-                  </a:solidFill>
-                </a14:hiddenFill>
-              </a:ext>
-            </a:extLst>
-          </p:spPr>
-        </p:sp>
-      </p:grpSp>
-      <p:sp>
-        <p:nvSpPr>
-          <p:cNvPr id="2" name="Заголовок 1">
-            <a:extLst>
-              <a:ext uri="{FF2B5EF4-FFF2-40B4-BE49-F238E27FC236}">
-                <a16:creationId xmlns:a16="http://schemas.microsoft.com/office/drawing/2014/main" id="{FA60DB1E-3B02-3E46-A7FD-13A7667A1815}"/>
-              </a:ext>
-            </a:extLst>
-          </p:cNvPr>
-          <p:cNvSpPr>
-            <a:spLocks noGrp="1"/>
-          </p:cNvSpPr>
-          <p:nvPr>
-            <p:ph type="title"/>
-          </p:nvPr>
-        </p:nvSpPr>
-        <p:spPr>
-          <a:xfrm>
-            <a:off x="888631" y="4760132"/>
-            <a:ext cx="3947420" cy="1777829"/>
-          </a:xfrm>
-        </p:spPr>
-        <p:txBody>
-          <a:bodyPr>
-            <a:normAutofit/>
-          </a:bodyPr>
-          <a:lstStyle/>
-          <a:p>
-            <a:r>
-              <a:rPr lang="ru-RU" sz="4000"/>
-              <a:t>Квартили</a:t>
-            </a:r>
-          </a:p>
-        </p:txBody>
-      </p:sp>
-      <p:sp>
-        <p:nvSpPr>
-          <p:cNvPr id="163" name="Freeform: Shape 162">
-            <a:extLst>
-              <a:ext uri="{FF2B5EF4-FFF2-40B4-BE49-F238E27FC236}">
-                <a16:creationId xmlns:a16="http://schemas.microsoft.com/office/drawing/2014/main" id="{44C110BA-81E8-4247-853A-5F2B93E92E46}"/>
-              </a:ext>
-              <a:ext uri="{C183D7F6-B498-43B3-948B-1728B52AA6E4}">
-                <adec:decorative xmlns:adec="http://schemas.microsoft.com/office/drawing/2017/decorative" val="1"/>
-              </a:ext>
-            </a:extLst>
-          </p:cNvPr>
-          <p:cNvSpPr>
-            <a:spLocks noGrp="1" noRot="1" noChangeAspect="1" noMove="1" noResize="1" noEditPoints="1" noAdjustHandles="1" noChangeArrowheads="1" noChangeShapeType="1" noTextEdit="1"/>
-          </p:cNvSpPr>
-          <p:nvPr>
-            <p:extLst>
-              <p:ext uri="{386F3935-93C4-4BCD-93E2-E3B085C9AB24}">
-                <p16:designElem xmlns:p16="http://schemas.microsoft.com/office/powerpoint/2015/main" val="1"/>
-              </p:ext>
-            </p:extLst>
-          </p:nvPr>
-        </p:nvSpPr>
-        <p:spPr>
-          <a:xfrm>
-            <a:off x="0" y="0"/>
-            <a:ext cx="12192000" cy="4537825"/>
-          </a:xfrm>
-          <a:custGeom>
-            <a:avLst/>
-            <a:gdLst>
-              <a:gd name="connsiteX0" fmla="*/ 0 w 12192000"/>
-              <a:gd name="connsiteY0" fmla="*/ 0 h 4537825"/>
-              <a:gd name="connsiteX1" fmla="*/ 12192000 w 12192000"/>
-              <a:gd name="connsiteY1" fmla="*/ 0 h 4537825"/>
-              <a:gd name="connsiteX2" fmla="*/ 12192000 w 12192000"/>
-              <a:gd name="connsiteY2" fmla="*/ 3020937 h 4537825"/>
-              <a:gd name="connsiteX3" fmla="*/ 12192000 w 12192000"/>
-              <a:gd name="connsiteY3" fmla="*/ 3213062 h 4537825"/>
-              <a:gd name="connsiteX4" fmla="*/ 12192000 w 12192000"/>
-              <a:gd name="connsiteY4" fmla="*/ 4188880 h 4537825"/>
-              <a:gd name="connsiteX5" fmla="*/ 12113803 w 12192000"/>
-              <a:gd name="connsiteY5" fmla="*/ 4197163 h 4537825"/>
-              <a:gd name="connsiteX6" fmla="*/ 6753597 w 12192000"/>
-              <a:gd name="connsiteY6" fmla="*/ 4520720 h 4537825"/>
-              <a:gd name="connsiteX7" fmla="*/ 400746 w 12192000"/>
-              <a:gd name="connsiteY7" fmla="*/ 4349377 h 4537825"/>
-              <a:gd name="connsiteX8" fmla="*/ 0 w 12192000"/>
-              <a:gd name="connsiteY8" fmla="*/ 4312401 h 4537825"/>
-              <a:gd name="connsiteX9" fmla="*/ 0 w 12192000"/>
-              <a:gd name="connsiteY9" fmla="*/ 3213062 h 4537825"/>
-              <a:gd name="connsiteX10" fmla="*/ 0 w 12192000"/>
-              <a:gd name="connsiteY10" fmla="*/ 3020937 h 4537825"/>
-            </a:gdLst>
-            <a:ahLst/>
-            <a:cxnLst>
-              <a:cxn ang="0">
-                <a:pos x="connsiteX0" y="connsiteY0"/>
-              </a:cxn>
-              <a:cxn ang="0">
-                <a:pos x="connsiteX1" y="connsiteY1"/>
-              </a:cxn>
-              <a:cxn ang="0">
-                <a:pos x="connsiteX2" y="connsiteY2"/>
-              </a:cxn>
-              <a:cxn ang="0">
-                <a:pos x="connsiteX3" y="connsiteY3"/>
-              </a:cxn>
-              <a:cxn ang="0">
-                <a:pos x="connsiteX4" y="connsiteY4"/>
-              </a:cxn>
-              <a:cxn ang="0">
-                <a:pos x="connsiteX5" y="connsiteY5"/>
-              </a:cxn>
-              <a:cxn ang="0">
-                <a:pos x="connsiteX6" y="connsiteY6"/>
-              </a:cxn>
-              <a:cxn ang="0">
-                <a:pos x="connsiteX7" y="connsiteY7"/>
-              </a:cxn>
-              <a:cxn ang="0">
-                <a:pos x="connsiteX8" y="connsiteY8"/>
-              </a:cxn>
-              <a:cxn ang="0">
-                <a:pos x="connsiteX9" y="connsiteY9"/>
-              </a:cxn>
-              <a:cxn ang="0">
-                <a:pos x="connsiteX10" y="connsiteY10"/>
-              </a:cxn>
-            </a:cxnLst>
-            <a:rect l="l" t="t" r="r" b="b"/>
-            <a:pathLst>
-              <a:path w="12192000" h="4537825">
-                <a:moveTo>
-                  <a:pt x="0" y="0"/>
-                </a:moveTo>
-                <a:lnTo>
-                  <a:pt x="12192000" y="0"/>
-                </a:lnTo>
-                <a:lnTo>
-                  <a:pt x="12192000" y="3020937"/>
-                </a:lnTo>
-                <a:lnTo>
-                  <a:pt x="12192000" y="3213062"/>
-                </a:lnTo>
-                <a:lnTo>
-                  <a:pt x="12192000" y="4188880"/>
-                </a:lnTo>
-                <a:lnTo>
-                  <a:pt x="12113803" y="4197163"/>
-                </a:lnTo>
-                <a:cubicBezTo>
-                  <a:pt x="10139508" y="4395112"/>
-                  <a:pt x="8237152" y="4488115"/>
-                  <a:pt x="6753597" y="4520720"/>
-                </a:cubicBezTo>
-                <a:cubicBezTo>
-                  <a:pt x="4940362" y="4560569"/>
-                  <a:pt x="2657278" y="4541239"/>
-                  <a:pt x="400746" y="4349377"/>
-                </a:cubicBezTo>
-                <a:lnTo>
-                  <a:pt x="0" y="4312401"/>
-                </a:lnTo>
-                <a:lnTo>
-                  <a:pt x="0" y="3213062"/>
-                </a:lnTo>
-                <a:lnTo>
-                  <a:pt x="0" y="3020937"/>
-                </a:lnTo>
-                <a:close/>
-              </a:path>
-            </a:pathLst>
-          </a:custGeom>
-          <a:solidFill>
-            <a:schemeClr val="tx1"/>
-          </a:solidFill>
-          <a:ln w="44450">
-            <a:noFill/>
-          </a:ln>
-          <a:effectLst/>
-        </p:spPr>
-        <p:style>
-          <a:lnRef idx="2">
-            <a:schemeClr val="accent1">
-              <a:shade val="50000"/>
-            </a:schemeClr>
-          </a:lnRef>
-          <a:fillRef idx="1003">
-            <a:schemeClr val="dk2"/>
-          </a:fillRef>
-          <a:effectRef idx="0">
-            <a:schemeClr val="accent1"/>
-          </a:effectRef>
-          <a:fontRef idx="minor">
-            <a:schemeClr val="lt1"/>
-          </a:fontRef>
-        </p:style>
-        <p:txBody>
-          <a:bodyPr wrap="square" rtlCol="0" anchor="ctr">
-            <a:noAutofit/>
-          </a:bodyPr>
-          <a:lstStyle/>
-          <a:p>
-            <a:pPr algn="ctr"/>
-            <a:endParaRPr lang="en-US"/>
-          </a:p>
-        </p:txBody>
-      </p:sp>
-      <p:pic>
-        <p:nvPicPr>
-          <p:cNvPr id="4" name="Picture 2">
-            <a:extLst>
-              <a:ext uri="{FF2B5EF4-FFF2-40B4-BE49-F238E27FC236}">
-                <a16:creationId xmlns:a16="http://schemas.microsoft.com/office/drawing/2014/main" id="{0C84F83D-407A-5F42-A0FB-26B8C75DB172}"/>
-              </a:ext>
-            </a:extLst>
-          </p:cNvPr>
-          <p:cNvPicPr>
-            <a:picLocks noChangeAspect="1" noChangeArrowheads="1"/>
-          </p:cNvPicPr>
-          <p:nvPr/>
-        </p:nvPicPr>
-        <p:blipFill>
-          <a:blip r:embed="rId2">
-            <a:extLst>
-              <a:ext uri="{28A0092B-C50C-407E-A947-70E740481C1C}">
-                <a14:useLocalDpi xmlns:a14="http://schemas.microsoft.com/office/drawing/2010/main" val="0"/>
-              </a:ext>
-            </a:extLst>
-          </a:blip>
-          <a:stretch>
-            <a:fillRect/>
-          </a:stretch>
-        </p:blipFill>
-        <p:spPr bwMode="auto">
-          <a:xfrm>
-            <a:off x="643467" y="1410167"/>
-            <a:ext cx="10914060" cy="1882675"/>
-          </a:xfrm>
-          <a:prstGeom prst="rect">
-            <a:avLst/>
-          </a:prstGeom>
-          <a:noFill/>
-          <a:extLst>
-            <a:ext uri="{909E8E84-426E-40DD-AFC4-6F175D3DCCD1}">
-              <a14:hiddenFill xmlns:a14="http://schemas.microsoft.com/office/drawing/2010/main">
-                <a:solidFill>
-                  <a:srgbClr val="FFFFFF"/>
-                </a:solidFill>
-              </a14:hiddenFill>
-            </a:ext>
-          </a:extLst>
-        </p:spPr>
-      </p:pic>
-      <p:sp>
-        <p:nvSpPr>
-          <p:cNvPr id="3" name="Объект 2">
-            <a:extLst>
-              <a:ext uri="{FF2B5EF4-FFF2-40B4-BE49-F238E27FC236}">
-                <a16:creationId xmlns:a16="http://schemas.microsoft.com/office/drawing/2014/main" id="{57926EB7-153F-664A-B1CF-2C8957B9A388}"/>
-              </a:ext>
-            </a:extLst>
-          </p:cNvPr>
-          <p:cNvSpPr>
-            <a:spLocks noGrp="1"/>
-          </p:cNvSpPr>
-          <p:nvPr>
-            <p:ph idx="1"/>
-          </p:nvPr>
-        </p:nvSpPr>
-        <p:spPr>
-          <a:xfrm>
-            <a:off x="5118447" y="4767660"/>
-            <a:ext cx="6281873" cy="1770300"/>
-          </a:xfrm>
-        </p:spPr>
-        <p:txBody>
-          <a:bodyPr anchor="ctr">
-            <a:normAutofit/>
-          </a:bodyPr>
-          <a:lstStyle/>
-          <a:p>
-            <a:r>
-              <a:rPr lang="ru-RU" sz="1800" i="1" dirty="0"/>
-              <a:t>Квартили </a:t>
-            </a:r>
-            <a:r>
-              <a:rPr lang="ru-RU" sz="1800" dirty="0"/>
-              <a:t>(</a:t>
-            </a:r>
-            <a:r>
-              <a:rPr lang="en" sz="1800" dirty="0"/>
-              <a:t>Quartiles) — </a:t>
-            </a:r>
-            <a:r>
-              <a:rPr lang="ru-RU" sz="1800" dirty="0"/>
-              <a:t>значения, которые делят </a:t>
-            </a:r>
-            <a:r>
-              <a:rPr lang="ru-RU" sz="1800" i="1" dirty="0"/>
-              <a:t>выборку </a:t>
-            </a:r>
-            <a:r>
-              <a:rPr lang="ru-RU" sz="1800" dirty="0"/>
-              <a:t>(набор значений) на четыре части, содержащие приблизительно равное количество наблюдений (по 25%). Обозначаются </a:t>
-            </a:r>
-            <a:r>
-              <a:rPr lang="en-US" sz="1800" dirty="0"/>
-              <a:t>Q1, Q2, Q3.</a:t>
-            </a:r>
-            <a:endParaRPr lang="ru-RU" sz="1800" dirty="0"/>
-          </a:p>
-        </p:txBody>
-      </p:sp>
-    </p:spTree>
-    <p:extLst>
-      <p:ext uri="{BB962C8B-B14F-4D97-AF65-F5344CB8AC3E}">
-        <p14:creationId xmlns:p14="http://schemas.microsoft.com/office/powerpoint/2010/main" val="2969467757"/>
-      </p:ext>
-    </p:extLst>
-  </p:cSld>
-  <p:clrMapOvr>
-    <a:overrideClrMapping bg1="dk1" tx1="lt1" bg2="dk2" tx2="lt2" accent1="accent1" accent2="accent2" accent3="accent3" accent4="accent4" accent5="accent5" accent6="accent6" hlink="hlink" folHlink="folHlink"/>
-  </p:clrMapOvr>
-</p:sld>
-</file>
-
-<file path=ppt/slides/slide4.xml><?xml version="1.0" encoding="utf-8"?>
-<p:sld xmlns:a="http://schemas.openxmlformats.org/drawingml/2006/main" xmlns:r="http://schemas.openxmlformats.org/officeDocument/2006/relationships" xmlns:p="http://schemas.openxmlformats.org/presentationml/2006/main">
-  <p:cSld>
-    <p:spTree>
-      <p:nvGrpSpPr>
-        <p:cNvPr id="1" name=""/>
-        <p:cNvGrpSpPr/>
-        <p:nvPr/>
-      </p:nvGrpSpPr>
-      <p:grpSpPr>
-        <a:xfrm>
-          <a:off x="0" y="0"/>
-          <a:ext cx="0" cy="0"/>
-          <a:chOff x="0" y="0"/>
-          <a:chExt cx="0" cy="0"/>
-        </a:xfrm>
-      </p:grpSpPr>
-      <p:sp>
-        <p:nvSpPr>
-          <p:cNvPr id="2" name="Заголовок 1">
-            <a:extLst>
-              <a:ext uri="{FF2B5EF4-FFF2-40B4-BE49-F238E27FC236}">
-                <a16:creationId xmlns:a16="http://schemas.microsoft.com/office/drawing/2014/main" id="{A83CD4AE-4DA1-134C-A388-615E2B0789B8}"/>
-              </a:ext>
-            </a:extLst>
-          </p:cNvPr>
-          <p:cNvSpPr>
-            <a:spLocks noGrp="1"/>
-          </p:cNvSpPr>
-          <p:nvPr>
-            <p:ph type="title"/>
-          </p:nvPr>
-        </p:nvSpPr>
-        <p:spPr/>
-        <p:txBody>
-          <a:bodyPr/>
-          <a:lstStyle/>
-          <a:p>
-            <a:r>
-              <a:rPr lang="ru-RU" dirty="0"/>
-              <a:t>Выборочная дисперсия</a:t>
-            </a:r>
-          </a:p>
-        </p:txBody>
-      </p:sp>
-      <mc:AlternateContent xmlns:mc="http://schemas.openxmlformats.org/markup-compatibility/2006" xmlns:a14="http://schemas.microsoft.com/office/drawing/2010/main">
-        <mc:Choice Requires="a14">
-          <p:sp>
-            <p:nvSpPr>
-              <p:cNvPr id="3" name="Объект 2">
-                <a:extLst>
-                  <a:ext uri="{FF2B5EF4-FFF2-40B4-BE49-F238E27FC236}">
-                    <a16:creationId xmlns:a16="http://schemas.microsoft.com/office/drawing/2014/main" id="{CE82B700-0FB5-7247-B538-94B8CDF252D4}"/>
-                  </a:ext>
-                </a:extLst>
-              </p:cNvPr>
-              <p:cNvSpPr>
-                <a:spLocks noGrp="1"/>
-              </p:cNvSpPr>
-              <p:nvPr>
-                <p:ph idx="1"/>
-              </p:nvPr>
-            </p:nvSpPr>
-            <p:spPr/>
-            <p:txBody>
-              <a:bodyPr>
-                <a:normAutofit fontScale="77500" lnSpcReduction="20000"/>
-              </a:bodyPr>
-              <a:lstStyle/>
-              <a:p>
-                <a:r>
-                  <a:rPr lang="ru-RU" dirty="0"/>
-                  <a:t>Выборочная несмещенная дисперсия</a:t>
-                </a:r>
-                <a:br>
-                  <a:rPr lang="en-US" dirty="0"/>
-                </a:br>
-                <a:br>
-                  <a:rPr lang="ru-RU" dirty="0"/>
-                </a:br>
-                <a14:m>
-                  <m:oMath xmlns:m="http://schemas.openxmlformats.org/officeDocument/2006/math">
-                    <m:sSup>
-                      <m:sSupPr>
-                        <m:ctrlPr>
-                          <a:rPr lang="ru-RU" i="1">
-                            <a:latin typeface="Cambria Math" panose="02040503050406030204" pitchFamily="18" charset="0"/>
-                          </a:rPr>
-                        </m:ctrlPr>
-                      </m:sSupPr>
-                      <m:e>
-                        <m:r>
-                          <a:rPr lang="en-US" i="1">
-                            <a:latin typeface="Cambria Math" panose="02040503050406030204" pitchFamily="18" charset="0"/>
-                          </a:rPr>
-                          <m:t>𝑠</m:t>
-                        </m:r>
-                      </m:e>
-                      <m:sup>
-                        <m:r>
-                          <a:rPr lang="en-US" i="1">
-                            <a:latin typeface="Cambria Math" panose="02040503050406030204" pitchFamily="18" charset="0"/>
-                          </a:rPr>
-                          <m:t>2</m:t>
-                        </m:r>
-                      </m:sup>
-                    </m:sSup>
-                    <m:r>
-                      <a:rPr lang="en-US" i="1">
-                        <a:latin typeface="Cambria Math" panose="02040503050406030204" pitchFamily="18" charset="0"/>
-                      </a:rPr>
-                      <m:t>=</m:t>
-                    </m:r>
-                    <m:f>
-                      <m:fPr>
-                        <m:ctrlPr>
-                          <a:rPr lang="ru-RU" i="1">
-                            <a:latin typeface="Cambria Math" panose="02040503050406030204" pitchFamily="18" charset="0"/>
-                          </a:rPr>
-                        </m:ctrlPr>
-                      </m:fPr>
-                      <m:num>
-                        <m:nary>
-                          <m:naryPr>
-                            <m:chr m:val="∑"/>
-                            <m:limLoc m:val="undOvr"/>
-                            <m:ctrlPr>
-                              <a:rPr lang="ru-RU" i="1">
-                                <a:latin typeface="Cambria Math" panose="02040503050406030204" pitchFamily="18" charset="0"/>
-                              </a:rPr>
-                            </m:ctrlPr>
-                          </m:naryPr>
-                          <m:sub>
-                            <m:r>
-                              <a:rPr lang="en-US" i="1">
-                                <a:latin typeface="Cambria Math" panose="02040503050406030204" pitchFamily="18" charset="0"/>
-                              </a:rPr>
-                              <m:t>1</m:t>
-                            </m:r>
-                          </m:sub>
-                          <m:sup>
-                            <m:r>
-                              <a:rPr lang="en-US" i="1">
-                                <a:latin typeface="Cambria Math" panose="02040503050406030204" pitchFamily="18" charset="0"/>
-                              </a:rPr>
-                              <m:t>𝑛</m:t>
-                            </m:r>
-                          </m:sup>
-                          <m:e>
-                            <m:sSup>
-                              <m:sSupPr>
-                                <m:ctrlPr>
-                                  <a:rPr lang="ru-RU" i="1">
-                                    <a:latin typeface="Cambria Math" panose="02040503050406030204" pitchFamily="18" charset="0"/>
-                                  </a:rPr>
-                                </m:ctrlPr>
-                              </m:sSupPr>
-                              <m:e>
-                                <m:sSub>
-                                  <m:sSubPr>
-                                    <m:ctrlPr>
-                                      <a:rPr lang="ru-RU" i="1">
-                                        <a:latin typeface="Cambria Math" panose="02040503050406030204" pitchFamily="18" charset="0"/>
-                                      </a:rPr>
-                                    </m:ctrlPr>
-                                  </m:sSubPr>
-                                  <m:e>
-                                    <m:r>
-                                      <a:rPr lang="en-US" i="1">
-                                        <a:latin typeface="Cambria Math" panose="02040503050406030204" pitchFamily="18" charset="0"/>
-                                      </a:rPr>
-                                      <m:t>(</m:t>
-                                    </m:r>
-                                    <m:r>
-                                      <a:rPr lang="en-US" i="1">
-                                        <a:latin typeface="Cambria Math" panose="02040503050406030204" pitchFamily="18" charset="0"/>
-                                      </a:rPr>
-                                      <m:t>𝑦</m:t>
-                                    </m:r>
-                                  </m:e>
-                                  <m:sub>
-                                    <m:r>
-                                      <a:rPr lang="en-US" i="1">
-                                        <a:latin typeface="Cambria Math" panose="02040503050406030204" pitchFamily="18" charset="0"/>
-                                      </a:rPr>
-                                      <m:t>𝑖</m:t>
-                                    </m:r>
-                                  </m:sub>
-                                </m:sSub>
-                                <m:r>
-                                  <a:rPr lang="en-US" i="1">
-                                    <a:latin typeface="Cambria Math" panose="02040503050406030204" pitchFamily="18" charset="0"/>
-                                  </a:rPr>
-                                  <m:t>−</m:t>
-                                </m:r>
-                                <m:bar>
-                                  <m:barPr>
-                                    <m:pos m:val="top"/>
-                                    <m:ctrlPr>
-                                      <a:rPr lang="ru-RU" i="1">
-                                        <a:latin typeface="Cambria Math" panose="02040503050406030204" pitchFamily="18" charset="0"/>
-                                      </a:rPr>
-                                    </m:ctrlPr>
-                                  </m:barPr>
-                                  <m:e>
-                                    <m:r>
-                                      <a:rPr lang="en-US" i="1">
-                                        <a:latin typeface="Cambria Math" panose="02040503050406030204" pitchFamily="18" charset="0"/>
-                                      </a:rPr>
-                                      <m:t>𝑦</m:t>
-                                    </m:r>
-                                  </m:e>
-                                </m:bar>
-                                <m:r>
-                                  <a:rPr lang="en-US" i="1">
-                                    <a:latin typeface="Cambria Math" panose="02040503050406030204" pitchFamily="18" charset="0"/>
-                                  </a:rPr>
-                                  <m:t>)</m:t>
-                                </m:r>
-                              </m:e>
-                              <m:sup>
-                                <m:r>
-                                  <a:rPr lang="en-US" i="1">
-                                    <a:latin typeface="Cambria Math" panose="02040503050406030204" pitchFamily="18" charset="0"/>
-                                  </a:rPr>
-                                  <m:t>2</m:t>
-                                </m:r>
-                              </m:sup>
-                            </m:sSup>
-                          </m:e>
-                        </m:nary>
-                      </m:num>
-                      <m:den>
-                        <m:r>
-                          <a:rPr lang="ru-RU" i="1">
-                            <a:latin typeface="Cambria Math" panose="02040503050406030204" pitchFamily="18" charset="0"/>
-                          </a:rPr>
-                          <m:t>𝑛</m:t>
-                        </m:r>
-                        <m:r>
-                          <a:rPr lang="ru-RU" i="1">
-                            <a:latin typeface="Cambria Math" panose="02040503050406030204" pitchFamily="18" charset="0"/>
-                          </a:rPr>
-                          <m:t>−1</m:t>
-                        </m:r>
-                      </m:den>
-                    </m:f>
-                  </m:oMath>
-                </a14:m>
-                <a:endParaRPr lang="ru-RU" dirty="0"/>
-              </a:p>
-              <a:p>
-                <a:endParaRPr lang="ru-RU" dirty="0"/>
-              </a:p>
-              <a:p>
-                <a:r>
-                  <a:rPr lang="ru-RU" dirty="0"/>
-                  <a:t>Оценки дисперсий </a:t>
-                </a:r>
-                <a14:m>
-                  <m:oMath xmlns:m="http://schemas.openxmlformats.org/officeDocument/2006/math">
-                    <m:acc>
-                      <m:accPr>
-                        <m:chr m:val="̅"/>
-                        <m:ctrlPr>
-                          <a:rPr lang="en-US" i="1">
-                            <a:latin typeface="Cambria Math" panose="02040503050406030204" pitchFamily="18" charset="0"/>
-                          </a:rPr>
-                        </m:ctrlPr>
-                      </m:accPr>
-                      <m:e>
-                        <m:r>
-                          <a:rPr lang="en-US" i="1">
-                            <a:latin typeface="Cambria Math" panose="02040503050406030204" pitchFamily="18" charset="0"/>
-                          </a:rPr>
-                          <m:t>𝑦</m:t>
-                        </m:r>
-                      </m:e>
-                    </m:acc>
-                  </m:oMath>
-                </a14:m>
-                <a:r>
-                  <a:rPr lang="ru-RU" dirty="0"/>
-                  <a:t> и </a:t>
-                </a:r>
-                <a14:m>
-                  <m:oMath xmlns:m="http://schemas.openxmlformats.org/officeDocument/2006/math">
-                    <m:acc>
-                      <m:accPr>
-                        <m:chr m:val="̂"/>
-                        <m:ctrlPr>
-                          <a:rPr lang="ru-RU" i="1">
-                            <a:latin typeface="Cambria Math" panose="02040503050406030204" pitchFamily="18" charset="0"/>
-                          </a:rPr>
-                        </m:ctrlPr>
-                      </m:accPr>
-                      <m:e>
-                        <m:r>
-                          <a:rPr lang="en-US" i="1">
-                            <a:latin typeface="Cambria Math" panose="02040503050406030204" pitchFamily="18" charset="0"/>
-                          </a:rPr>
-                          <m:t>𝑌</m:t>
-                        </m:r>
-                      </m:e>
-                    </m:acc>
-                  </m:oMath>
-                </a14:m>
-                <a:r>
-                  <a:rPr lang="ru-RU" dirty="0"/>
-                  <a:t> с поправкой на конечность совокупности</a:t>
-                </a:r>
-                <a:br>
-                  <a:rPr lang="ru-RU" dirty="0"/>
-                </a:br>
-                <a:br>
-                  <a:rPr lang="en-US" dirty="0"/>
-                </a:br>
-                <a14:m>
-                  <m:oMath xmlns:m="http://schemas.openxmlformats.org/officeDocument/2006/math">
-                    <m:r>
-                      <a:rPr lang="en-US" b="0" i="1" smtClean="0">
-                        <a:latin typeface="Cambria Math" panose="02040503050406030204" pitchFamily="18" charset="0"/>
-                      </a:rPr>
-                      <m:t>𝑣</m:t>
-                    </m:r>
-                    <m:d>
-                      <m:dPr>
-                        <m:ctrlPr>
-                          <a:rPr lang="en-US" b="0" i="1" smtClean="0">
-                            <a:latin typeface="Cambria Math" panose="02040503050406030204" pitchFamily="18" charset="0"/>
-                          </a:rPr>
-                        </m:ctrlPr>
-                      </m:dPr>
-                      <m:e>
-                        <m:acc>
-                          <m:accPr>
-                            <m:chr m:val="̅"/>
-                            <m:ctrlPr>
-                              <a:rPr lang="en-US" b="0" i="1" smtClean="0">
-                                <a:latin typeface="Cambria Math" panose="02040503050406030204" pitchFamily="18" charset="0"/>
-                              </a:rPr>
-                            </m:ctrlPr>
-                          </m:accPr>
-                          <m:e>
-                            <m:r>
-                              <a:rPr lang="en-US" b="0" i="1" smtClean="0">
-                                <a:latin typeface="Cambria Math" panose="02040503050406030204" pitchFamily="18" charset="0"/>
-                              </a:rPr>
-                              <m:t>𝑦</m:t>
-                            </m:r>
-                          </m:e>
-                        </m:acc>
-                      </m:e>
-                    </m:d>
-                    <m:r>
-                      <a:rPr lang="en-US" b="0" i="1" smtClean="0">
-                        <a:latin typeface="Cambria Math" panose="02040503050406030204" pitchFamily="18" charset="0"/>
-                      </a:rPr>
-                      <m:t>=</m:t>
-                    </m:r>
-                    <m:f>
-                      <m:fPr>
-                        <m:ctrlPr>
-                          <a:rPr lang="en-US" b="0" i="1" smtClean="0">
-                            <a:latin typeface="Cambria Math" panose="02040503050406030204" pitchFamily="18" charset="0"/>
-                          </a:rPr>
-                        </m:ctrlPr>
-                      </m:fPr>
-                      <m:num>
-                        <m:sSup>
-                          <m:sSupPr>
-                            <m:ctrlPr>
-                              <a:rPr lang="en-US" b="0" i="1" smtClean="0">
-                                <a:latin typeface="Cambria Math" panose="02040503050406030204" pitchFamily="18" charset="0"/>
-                              </a:rPr>
-                            </m:ctrlPr>
-                          </m:sSupPr>
-                          <m:e>
-                            <m:r>
-                              <a:rPr lang="en-US" b="0" i="1" smtClean="0">
-                                <a:latin typeface="Cambria Math" panose="02040503050406030204" pitchFamily="18" charset="0"/>
-                              </a:rPr>
-                              <m:t>𝑠</m:t>
-                            </m:r>
-                          </m:e>
-                          <m:sup>
-                            <m:r>
-                              <a:rPr lang="en-US" b="0" i="1" smtClean="0">
-                                <a:latin typeface="Cambria Math" panose="02040503050406030204" pitchFamily="18" charset="0"/>
-                              </a:rPr>
-                              <m:t>2</m:t>
-                            </m:r>
-                          </m:sup>
-                        </m:sSup>
-                      </m:num>
-                      <m:den>
-                        <m:r>
-                          <a:rPr lang="en-US" b="0" i="1" smtClean="0">
-                            <a:latin typeface="Cambria Math" panose="02040503050406030204" pitchFamily="18" charset="0"/>
-                          </a:rPr>
-                          <m:t>𝑛</m:t>
-                        </m:r>
-                      </m:den>
-                    </m:f>
-                    <m:d>
-                      <m:dPr>
-                        <m:ctrlPr>
-                          <a:rPr lang="en-US" b="0" i="1" smtClean="0">
-                            <a:latin typeface="Cambria Math" panose="02040503050406030204" pitchFamily="18" charset="0"/>
-                          </a:rPr>
-                        </m:ctrlPr>
-                      </m:dPr>
-                      <m:e>
-                        <m:r>
-                          <a:rPr lang="en-US" b="0" i="1" smtClean="0">
-                            <a:latin typeface="Cambria Math" panose="02040503050406030204" pitchFamily="18" charset="0"/>
-                          </a:rPr>
-                          <m:t>1−</m:t>
-                        </m:r>
-                        <m:r>
-                          <a:rPr lang="en-US" b="0" i="1" smtClean="0">
-                            <a:latin typeface="Cambria Math" panose="02040503050406030204" pitchFamily="18" charset="0"/>
-                          </a:rPr>
-                          <m:t>𝑓</m:t>
-                        </m:r>
-                      </m:e>
-                    </m:d>
-                  </m:oMath>
-                </a14:m>
-                <a:endParaRPr lang="en-US" b="0" dirty="0"/>
-              </a:p>
-              <a:p>
-                <a:pPr marL="0" indent="0">
-                  <a:buNone/>
-                </a:pPr>
-                <a:br>
-                  <a:rPr lang="en-US" i="1" dirty="0">
-                    <a:latin typeface="Cambria Math" panose="02040503050406030204" pitchFamily="18" charset="0"/>
-                  </a:rPr>
-                </a:br>
-                <a14:m>
-                  <m:oMathPara xmlns:m="http://schemas.openxmlformats.org/officeDocument/2006/math">
-                    <m:oMathParaPr>
-                      <m:jc m:val="centerGroup"/>
-                    </m:oMathParaPr>
-                    <m:oMath xmlns:m="http://schemas.openxmlformats.org/officeDocument/2006/math">
-                      <m:r>
-                        <a:rPr lang="en-US" i="1">
-                          <a:latin typeface="Cambria Math" panose="02040503050406030204" pitchFamily="18" charset="0"/>
-                        </a:rPr>
-                        <m:t>𝑉</m:t>
-                      </m:r>
-                      <m:d>
-                        <m:dPr>
-                          <m:ctrlPr>
-                            <a:rPr lang="en-US" i="1">
-                              <a:latin typeface="Cambria Math" panose="02040503050406030204" pitchFamily="18" charset="0"/>
-                            </a:rPr>
-                          </m:ctrlPr>
-                        </m:dPr>
-                        <m:e>
-                          <m:acc>
-                            <m:accPr>
-                              <m:chr m:val="̂"/>
-                              <m:ctrlPr>
-                                <a:rPr lang="ru-RU" i="1">
-                                  <a:latin typeface="Cambria Math" panose="02040503050406030204" pitchFamily="18" charset="0"/>
-                                </a:rPr>
-                              </m:ctrlPr>
-                            </m:accPr>
-                            <m:e>
-                              <m:r>
-                                <a:rPr lang="en-US" i="1">
-                                  <a:latin typeface="Cambria Math" panose="02040503050406030204" pitchFamily="18" charset="0"/>
-                                </a:rPr>
-                                <m:t>𝑌</m:t>
-                              </m:r>
-                            </m:e>
-                          </m:acc>
-                        </m:e>
-                      </m:d>
-                      <m:r>
-                        <a:rPr lang="en-US" i="1">
-                          <a:latin typeface="Cambria Math" panose="02040503050406030204" pitchFamily="18" charset="0"/>
-                        </a:rPr>
-                        <m:t>=</m:t>
-                      </m:r>
-                      <m:f>
-                        <m:fPr>
-                          <m:ctrlPr>
-                            <a:rPr lang="en-US" i="1">
-                              <a:latin typeface="Cambria Math" panose="02040503050406030204" pitchFamily="18" charset="0"/>
-                            </a:rPr>
-                          </m:ctrlPr>
-                        </m:fPr>
-                        <m:num>
-                          <m:sSup>
-                            <m:sSupPr>
-                              <m:ctrlPr>
-                                <a:rPr lang="en-US" i="1">
-                                  <a:latin typeface="Cambria Math" panose="02040503050406030204" pitchFamily="18" charset="0"/>
-                                </a:rPr>
-                              </m:ctrlPr>
-                            </m:sSupPr>
-                            <m:e>
-                              <m:r>
-                                <a:rPr lang="en-US" i="1">
-                                  <a:latin typeface="Cambria Math" panose="02040503050406030204" pitchFamily="18" charset="0"/>
-                                </a:rPr>
-                                <m:t>𝑁</m:t>
-                              </m:r>
-                            </m:e>
-                            <m:sup>
-                              <m:r>
-                                <a:rPr lang="en-US" i="1">
-                                  <a:latin typeface="Cambria Math" panose="02040503050406030204" pitchFamily="18" charset="0"/>
-                                </a:rPr>
-                                <m:t>2</m:t>
-                              </m:r>
-                            </m:sup>
-                          </m:sSup>
-                          <m:sSup>
-                            <m:sSupPr>
-                              <m:ctrlPr>
-                                <a:rPr lang="en-US" i="1">
-                                  <a:latin typeface="Cambria Math" panose="02040503050406030204" pitchFamily="18" charset="0"/>
-                                </a:rPr>
-                              </m:ctrlPr>
-                            </m:sSupPr>
-                            <m:e>
-                              <m:r>
-                                <a:rPr lang="en-US" i="1">
-                                  <a:latin typeface="Cambria Math" panose="02040503050406030204" pitchFamily="18" charset="0"/>
-                                </a:rPr>
-                                <m:t>𝑠</m:t>
-                              </m:r>
-                            </m:e>
-                            <m:sup>
-                              <m:r>
-                                <a:rPr lang="en-US" i="1">
-                                  <a:latin typeface="Cambria Math" panose="02040503050406030204" pitchFamily="18" charset="0"/>
-                                </a:rPr>
-                                <m:t>2</m:t>
-                              </m:r>
-                            </m:sup>
-                          </m:sSup>
-                        </m:num>
-                        <m:den>
-                          <m:r>
-                            <a:rPr lang="en-US" i="1">
-                              <a:latin typeface="Cambria Math" panose="02040503050406030204" pitchFamily="18" charset="0"/>
-                            </a:rPr>
-                            <m:t>𝑛</m:t>
-                          </m:r>
-                        </m:den>
-                      </m:f>
-                      <m:d>
-                        <m:dPr>
-                          <m:ctrlPr>
-                            <a:rPr lang="en-US" i="1">
-                              <a:latin typeface="Cambria Math" panose="02040503050406030204" pitchFamily="18" charset="0"/>
-                            </a:rPr>
-                          </m:ctrlPr>
-                        </m:dPr>
-                        <m:e>
-                          <m:r>
-                            <a:rPr lang="en-US" i="1">
-                              <a:latin typeface="Cambria Math" panose="02040503050406030204" pitchFamily="18" charset="0"/>
-                            </a:rPr>
-                            <m:t>1−</m:t>
-                          </m:r>
-                          <m:r>
-                            <a:rPr lang="en-US" i="1">
-                              <a:latin typeface="Cambria Math" panose="02040503050406030204" pitchFamily="18" charset="0"/>
-                            </a:rPr>
-                            <m:t>𝑓</m:t>
-                          </m:r>
-                        </m:e>
-                      </m:d>
-                    </m:oMath>
-                  </m:oMathPara>
-                </a14:m>
-                <a:endParaRPr lang="en-US" dirty="0"/>
-              </a:p>
-              <a:p>
-                <a:endParaRPr lang="en-US" dirty="0"/>
-              </a:p>
-              <a:p>
-                <a14:m>
-                  <m:oMath xmlns:m="http://schemas.openxmlformats.org/officeDocument/2006/math">
-                    <m:r>
-                      <a:rPr lang="en-US" i="1">
-                        <a:latin typeface="Cambria Math" panose="02040503050406030204" pitchFamily="18" charset="0"/>
-                      </a:rPr>
-                      <m:t>𝑓</m:t>
-                    </m:r>
-                    <m:r>
-                      <a:rPr lang="en-US" i="1">
-                        <a:latin typeface="Cambria Math" panose="02040503050406030204" pitchFamily="18" charset="0"/>
-                      </a:rPr>
-                      <m:t>=</m:t>
-                    </m:r>
-                    <m:f>
-                      <m:fPr>
-                        <m:ctrlPr>
-                          <a:rPr lang="en-US" i="1">
-                            <a:latin typeface="Cambria Math" panose="02040503050406030204" pitchFamily="18" charset="0"/>
-                          </a:rPr>
-                        </m:ctrlPr>
-                      </m:fPr>
-                      <m:num>
-                        <m:r>
-                          <a:rPr lang="en-US" i="1">
-                            <a:latin typeface="Cambria Math" panose="02040503050406030204" pitchFamily="18" charset="0"/>
-                          </a:rPr>
-                          <m:t>𝑛</m:t>
-                        </m:r>
-                      </m:num>
-                      <m:den>
-                        <m:r>
-                          <a:rPr lang="en-US" i="1">
-                            <a:latin typeface="Cambria Math" panose="02040503050406030204" pitchFamily="18" charset="0"/>
-                          </a:rPr>
-                          <m:t>𝑁</m:t>
-                        </m:r>
-                      </m:den>
-                    </m:f>
-                  </m:oMath>
-                </a14:m>
-                <a:r>
-                  <a:rPr lang="en-US" dirty="0"/>
-                  <a:t> - </a:t>
-                </a:r>
-                <a:r>
-                  <a:rPr lang="ru-RU" dirty="0"/>
-                  <a:t>доля отбора</a:t>
-                </a:r>
-              </a:p>
-              <a:p>
-                <a:endParaRPr lang="ru-RU" dirty="0"/>
-              </a:p>
-            </p:txBody>
-          </p:sp>
-        </mc:Choice>
-        <mc:Fallback xmlns="">
-          <p:sp>
-            <p:nvSpPr>
-              <p:cNvPr id="3" name="Объект 2">
-                <a:extLst>
-                  <a:ext uri="{FF2B5EF4-FFF2-40B4-BE49-F238E27FC236}">
-                    <a16:creationId xmlns:a16="http://schemas.microsoft.com/office/drawing/2014/main" id="{CE82B700-0FB5-7247-B538-94B8CDF252D4}"/>
-                  </a:ext>
-                </a:extLst>
-              </p:cNvPr>
-              <p:cNvSpPr>
-                <a:spLocks noGrp="1" noRot="1" noChangeAspect="1" noMove="1" noResize="1" noEditPoints="1" noAdjustHandles="1" noChangeArrowheads="1" noChangeShapeType="1" noTextEdit="1"/>
-              </p:cNvSpPr>
-              <p:nvPr>
-                <p:ph idx="1"/>
-              </p:nvPr>
-            </p:nvSpPr>
-            <p:spPr>
-              <a:blipFill>
-                <a:blip r:embed="rId2"/>
-                <a:stretch>
-                  <a:fillRect l="-724" t="-4651"/>
-                </a:stretch>
-              </a:blipFill>
-            </p:spPr>
-            <p:txBody>
-              <a:bodyPr/>
-              <a:lstStyle/>
-              <a:p>
-                <a:r>
-                  <a:rPr lang="ru-RU">
-                    <a:noFill/>
-                  </a:rPr>
-                  <a:t> </a:t>
-                </a:r>
-              </a:p>
-            </p:txBody>
-          </p:sp>
-        </mc:Fallback>
-      </mc:AlternateContent>
-    </p:spTree>
-    <p:extLst>
-      <p:ext uri="{BB962C8B-B14F-4D97-AF65-F5344CB8AC3E}">
-        <p14:creationId xmlns:p14="http://schemas.microsoft.com/office/powerpoint/2010/main" val="2815360811"/>
-      </p:ext>
-    </p:extLst>
-  </p:cSld>
-  <p:clrMapOvr>
-    <a:masterClrMapping/>
-  </p:clrMapOvr>
-</p:sld>
-</file>
-
-<file path=ppt/slides/slide5.xml><?xml version="1.0" encoding="utf-8"?>
-<p:sld xmlns:a="http://schemas.openxmlformats.org/drawingml/2006/main" xmlns:r="http://schemas.openxmlformats.org/officeDocument/2006/relationships" xmlns:p="http://schemas.openxmlformats.org/presentationml/2006/main">
-  <p:cSld>
-    <p:spTree>
-      <p:nvGrpSpPr>
-        <p:cNvPr id="1" name=""/>
-        <p:cNvGrpSpPr/>
-        <p:nvPr/>
-      </p:nvGrpSpPr>
-      <p:grpSpPr>
-        <a:xfrm>
-          <a:off x="0" y="0"/>
-          <a:ext cx="0" cy="0"/>
-          <a:chOff x="0" y="0"/>
-          <a:chExt cx="0" cy="0"/>
-        </a:xfrm>
-      </p:grpSpPr>
-      <p:sp>
-        <p:nvSpPr>
-          <p:cNvPr id="2" name="Заголовок 1">
-            <a:extLst>
-              <a:ext uri="{FF2B5EF4-FFF2-40B4-BE49-F238E27FC236}">
-                <a16:creationId xmlns:a16="http://schemas.microsoft.com/office/drawing/2014/main" id="{FA356E74-2CAA-6C45-893C-38543ABD26BD}"/>
-              </a:ext>
-            </a:extLst>
-          </p:cNvPr>
-          <p:cNvSpPr>
-            <a:spLocks noGrp="1"/>
-          </p:cNvSpPr>
-          <p:nvPr>
-            <p:ph type="title"/>
-          </p:nvPr>
-        </p:nvSpPr>
-        <p:spPr/>
-        <p:txBody>
-          <a:bodyPr/>
-          <a:lstStyle/>
-          <a:p>
-            <a:r>
-              <a:rPr lang="ru-RU" dirty="0"/>
-              <a:t>Стандартное отклонение</a:t>
-            </a:r>
-          </a:p>
-        </p:txBody>
-      </p:sp>
-      <mc:AlternateContent xmlns:mc="http://schemas.openxmlformats.org/markup-compatibility/2006" xmlns:a14="http://schemas.microsoft.com/office/drawing/2010/main">
-        <mc:Choice Requires="a14">
-          <p:sp>
-            <p:nvSpPr>
-              <p:cNvPr id="3" name="Объект 2">
-                <a:extLst>
-                  <a:ext uri="{FF2B5EF4-FFF2-40B4-BE49-F238E27FC236}">
-                    <a16:creationId xmlns:a16="http://schemas.microsoft.com/office/drawing/2014/main" id="{742D5DA3-A64C-1441-B172-4A023F9D0866}"/>
-                  </a:ext>
-                </a:extLst>
-              </p:cNvPr>
-              <p:cNvSpPr>
-                <a:spLocks noGrp="1"/>
-              </p:cNvSpPr>
-              <p:nvPr>
-                <p:ph idx="1"/>
-              </p:nvPr>
-            </p:nvSpPr>
-            <p:spPr>
-              <a:xfrm>
-                <a:off x="869066" y="1466809"/>
-                <a:ext cx="10515600" cy="5026065"/>
-              </a:xfrm>
-            </p:spPr>
-            <p:txBody>
-              <a:bodyPr>
-                <a:normAutofit/>
-              </a:bodyPr>
-              <a:lstStyle/>
-              <a:p>
-                <a:r>
-                  <a:rPr lang="ru-RU" dirty="0"/>
-                  <a:t>Выборочные стандартные ошибки </a:t>
-                </a:r>
-                <a14:m>
-                  <m:oMath xmlns:m="http://schemas.openxmlformats.org/officeDocument/2006/math">
-                    <m:bar>
-                      <m:barPr>
-                        <m:pos m:val="top"/>
-                        <m:ctrlPr>
-                          <a:rPr lang="ru-RU" i="1">
-                            <a:latin typeface="Cambria Math" panose="02040503050406030204" pitchFamily="18" charset="0"/>
-                          </a:rPr>
-                        </m:ctrlPr>
-                      </m:barPr>
-                      <m:e>
-                        <m:r>
-                          <a:rPr lang="ru-RU" i="1">
-                            <a:latin typeface="Cambria Math" panose="02040503050406030204" pitchFamily="18" charset="0"/>
-                          </a:rPr>
-                          <m:t>𝑦</m:t>
-                        </m:r>
-                      </m:e>
-                    </m:bar>
-                  </m:oMath>
-                </a14:m>
-                <a:r>
-                  <a:rPr lang="ru-RU" dirty="0"/>
-                  <a:t> и </a:t>
-                </a:r>
-                <a14:m>
-                  <m:oMath xmlns:m="http://schemas.openxmlformats.org/officeDocument/2006/math">
-                    <m:acc>
-                      <m:accPr>
-                        <m:chr m:val="̂"/>
-                        <m:ctrlPr>
-                          <a:rPr lang="ru-RU" i="1">
-                            <a:latin typeface="Cambria Math" panose="02040503050406030204" pitchFamily="18" charset="0"/>
-                          </a:rPr>
-                        </m:ctrlPr>
-                      </m:accPr>
-                      <m:e>
-                        <m:r>
-                          <a:rPr lang="en-US" i="1">
-                            <a:latin typeface="Cambria Math" panose="02040503050406030204" pitchFamily="18" charset="0"/>
-                          </a:rPr>
-                          <m:t>𝑌</m:t>
-                        </m:r>
-                      </m:e>
-                    </m:acc>
-                  </m:oMath>
-                </a14:m>
-                <a:endParaRPr lang="ru-RU" dirty="0"/>
-              </a:p>
-              <a:p>
-                <a:pPr marL="0" indent="0">
-                  <a:buNone/>
-                </a:pPr>
-                <a:endParaRPr lang="ru-RU" dirty="0"/>
-              </a:p>
-              <a:p>
-                <a:pPr marL="0" indent="0">
-                  <a:buNone/>
-                </a:pPr>
-                <a14:m>
-                  <m:oMathPara xmlns:m="http://schemas.openxmlformats.org/officeDocument/2006/math">
-                    <m:oMathParaPr>
-                      <m:jc m:val="centerGroup"/>
-                    </m:oMathParaPr>
-                    <m:oMath xmlns:m="http://schemas.openxmlformats.org/officeDocument/2006/math">
-                      <m:sSub>
-                        <m:sSubPr>
-                          <m:ctrlPr>
-                            <a:rPr lang="ru-RU" i="1">
-                              <a:latin typeface="Cambria Math" panose="02040503050406030204" pitchFamily="18" charset="0"/>
-                            </a:rPr>
-                          </m:ctrlPr>
-                        </m:sSubPr>
-                        <m:e>
-                          <m:r>
-                            <a:rPr lang="ru-RU" i="1">
-                              <a:latin typeface="Cambria Math" panose="02040503050406030204" pitchFamily="18" charset="0"/>
-                            </a:rPr>
-                            <m:t>𝑠</m:t>
-                          </m:r>
-                        </m:e>
-                        <m:sub>
-                          <m:bar>
-                            <m:barPr>
-                              <m:pos m:val="top"/>
-                              <m:ctrlPr>
-                                <a:rPr lang="ru-RU" i="1">
-                                  <a:latin typeface="Cambria Math" panose="02040503050406030204" pitchFamily="18" charset="0"/>
-                                </a:rPr>
-                              </m:ctrlPr>
-                            </m:barPr>
-                            <m:e>
-                              <m:r>
-                                <a:rPr lang="ru-RU" i="1">
-                                  <a:latin typeface="Cambria Math" panose="02040503050406030204" pitchFamily="18" charset="0"/>
-                                </a:rPr>
-                                <m:t>𝑦</m:t>
-                              </m:r>
-                            </m:e>
-                          </m:bar>
-                        </m:sub>
-                      </m:sSub>
-                      <m:r>
-                        <a:rPr lang="en-US" b="0" i="1" smtClean="0">
-                          <a:latin typeface="Cambria Math" panose="02040503050406030204" pitchFamily="18" charset="0"/>
-                        </a:rPr>
-                        <m:t>=</m:t>
-                      </m:r>
-                      <m:rad>
-                        <m:radPr>
-                          <m:degHide m:val="on"/>
-                          <m:ctrlPr>
-                            <a:rPr lang="en-US" b="0" i="1" smtClean="0">
-                              <a:latin typeface="Cambria Math" panose="02040503050406030204" pitchFamily="18" charset="0"/>
-                            </a:rPr>
-                          </m:ctrlPr>
-                        </m:radPr>
-                        <m:deg/>
-                        <m:e>
-                          <m:r>
-                            <a:rPr lang="en-US" b="0" i="1" smtClean="0">
-                              <a:latin typeface="Cambria Math" panose="02040503050406030204" pitchFamily="18" charset="0"/>
-                            </a:rPr>
-                            <m:t>𝑣</m:t>
-                          </m:r>
-                          <m:r>
-                            <a:rPr lang="en-US" b="0" i="1" smtClean="0">
-                              <a:latin typeface="Cambria Math" panose="02040503050406030204" pitchFamily="18" charset="0"/>
-                            </a:rPr>
-                            <m:t>(</m:t>
-                          </m:r>
-                          <m:bar>
-                            <m:barPr>
-                              <m:pos m:val="top"/>
-                              <m:ctrlPr>
-                                <a:rPr lang="ru-RU" i="1">
-                                  <a:latin typeface="Cambria Math" panose="02040503050406030204" pitchFamily="18" charset="0"/>
-                                </a:rPr>
-                              </m:ctrlPr>
-                            </m:barPr>
-                            <m:e>
-                              <m:r>
-                                <a:rPr lang="ru-RU" i="1">
-                                  <a:latin typeface="Cambria Math" panose="02040503050406030204" pitchFamily="18" charset="0"/>
-                                </a:rPr>
-                                <m:t>𝑦</m:t>
-                              </m:r>
-                            </m:e>
-                          </m:bar>
-                          <m:r>
-                            <a:rPr lang="en-US" b="0" i="1" smtClean="0">
-                              <a:latin typeface="Cambria Math" panose="02040503050406030204" pitchFamily="18" charset="0"/>
-                            </a:rPr>
-                            <m:t>)</m:t>
-                          </m:r>
-                        </m:e>
-                      </m:rad>
-                      <m:r>
-                        <a:rPr lang="ru-RU" b="0" i="1" smtClean="0">
-                          <a:latin typeface="Cambria Math" panose="02040503050406030204" pitchFamily="18" charset="0"/>
-                        </a:rPr>
-                        <m:t>=</m:t>
-                      </m:r>
-                      <m:f>
-                        <m:fPr>
-                          <m:ctrlPr>
-                            <a:rPr lang="ru-RU" i="1">
-                              <a:latin typeface="Cambria Math" panose="02040503050406030204" pitchFamily="18" charset="0"/>
-                            </a:rPr>
-                          </m:ctrlPr>
-                        </m:fPr>
-                        <m:num>
-                          <m:r>
-                            <a:rPr lang="ru-RU" i="1">
-                              <a:latin typeface="Cambria Math" panose="02040503050406030204" pitchFamily="18" charset="0"/>
-                            </a:rPr>
-                            <m:t>𝑠</m:t>
-                          </m:r>
-                        </m:num>
-                        <m:den>
-                          <m:rad>
-                            <m:radPr>
-                              <m:degHide m:val="on"/>
-                              <m:ctrlPr>
-                                <a:rPr lang="ru-RU" i="1">
-                                  <a:latin typeface="Cambria Math" panose="02040503050406030204" pitchFamily="18" charset="0"/>
-                                </a:rPr>
-                              </m:ctrlPr>
-                            </m:radPr>
-                            <m:deg/>
-                            <m:e>
-                              <m:r>
-                                <a:rPr lang="ru-RU" i="1">
-                                  <a:latin typeface="Cambria Math" panose="02040503050406030204" pitchFamily="18" charset="0"/>
-                                </a:rPr>
-                                <m:t>𝑛</m:t>
-                              </m:r>
-                            </m:e>
-                          </m:rad>
-                        </m:den>
-                      </m:f>
-                      <m:rad>
-                        <m:radPr>
-                          <m:degHide m:val="on"/>
-                          <m:ctrlPr>
-                            <a:rPr lang="ru-RU" i="1">
-                              <a:latin typeface="Cambria Math" panose="02040503050406030204" pitchFamily="18" charset="0"/>
-                            </a:rPr>
-                          </m:ctrlPr>
-                        </m:radPr>
-                        <m:deg/>
-                        <m:e>
-                          <m:r>
-                            <a:rPr lang="ru-RU" i="1">
-                              <a:latin typeface="Cambria Math" panose="02040503050406030204" pitchFamily="18" charset="0"/>
-                            </a:rPr>
-                            <m:t>1−</m:t>
-                          </m:r>
-                          <m:r>
-                            <a:rPr lang="en-US" b="0" i="1" smtClean="0">
-                              <a:latin typeface="Cambria Math" panose="02040503050406030204" pitchFamily="18" charset="0"/>
-                            </a:rPr>
-                            <m:t>𝑓</m:t>
-                          </m:r>
-                        </m:e>
-                      </m:rad>
-                    </m:oMath>
-                  </m:oMathPara>
-                </a14:m>
-                <a:br>
-                  <a:rPr lang="ru-RU" dirty="0"/>
-                </a:br>
-                <a:endParaRPr lang="ru-RU" dirty="0"/>
-              </a:p>
-              <a:p>
-                <a:pPr marL="0" indent="0">
-                  <a:buNone/>
-                </a:pPr>
-                <a:endParaRPr lang="ru-RU" i="1" dirty="0"/>
-              </a:p>
-              <a:p>
-                <a:pPr marL="0" indent="0">
-                  <a:buNone/>
-                </a:pPr>
-                <a14:m>
-                  <m:oMathPara xmlns:m="http://schemas.openxmlformats.org/officeDocument/2006/math">
-                    <m:oMathParaPr>
-                      <m:jc m:val="centerGroup"/>
-                    </m:oMathParaPr>
-                    <m:oMath xmlns:m="http://schemas.openxmlformats.org/officeDocument/2006/math">
-                      <m:sSub>
-                        <m:sSubPr>
-                          <m:ctrlPr>
-                            <a:rPr lang="ru-RU" i="1">
-                              <a:latin typeface="Cambria Math" panose="02040503050406030204" pitchFamily="18" charset="0"/>
-                            </a:rPr>
-                          </m:ctrlPr>
-                        </m:sSubPr>
-                        <m:e>
-                          <m:r>
-                            <a:rPr lang="ru-RU" i="1">
-                              <a:latin typeface="Cambria Math" panose="02040503050406030204" pitchFamily="18" charset="0"/>
-                            </a:rPr>
-                            <m:t>𝑠</m:t>
-                          </m:r>
-                        </m:e>
-                        <m:sub>
-                          <m:acc>
-                            <m:accPr>
-                              <m:chr m:val="̂"/>
-                              <m:ctrlPr>
-                                <a:rPr lang="ru-RU" i="1" smtClean="0">
-                                  <a:latin typeface="Cambria Math" panose="02040503050406030204" pitchFamily="18" charset="0"/>
-                                </a:rPr>
-                              </m:ctrlPr>
-                            </m:accPr>
-                            <m:e>
-                              <m:r>
-                                <a:rPr lang="en-US" b="0" i="1" smtClean="0">
-                                  <a:latin typeface="Cambria Math" panose="02040503050406030204" pitchFamily="18" charset="0"/>
-                                </a:rPr>
-                                <m:t>𝑌</m:t>
-                              </m:r>
-                            </m:e>
-                          </m:acc>
-                        </m:sub>
-                      </m:sSub>
-                      <m:r>
-                        <a:rPr lang="en-US" b="0" i="1" smtClean="0">
-                          <a:latin typeface="Cambria Math" panose="02040503050406030204" pitchFamily="18" charset="0"/>
-                        </a:rPr>
-                        <m:t>=</m:t>
-                      </m:r>
-                      <m:rad>
-                        <m:radPr>
-                          <m:degHide m:val="on"/>
-                          <m:ctrlPr>
-                            <a:rPr lang="en-US" i="1">
-                              <a:latin typeface="Cambria Math" panose="02040503050406030204" pitchFamily="18" charset="0"/>
-                            </a:rPr>
-                          </m:ctrlPr>
-                        </m:radPr>
-                        <m:deg/>
-                        <m:e>
-                          <m:r>
-                            <a:rPr lang="en-US" i="1">
-                              <a:latin typeface="Cambria Math" panose="02040503050406030204" pitchFamily="18" charset="0"/>
-                            </a:rPr>
-                            <m:t>𝑣</m:t>
-                          </m:r>
-                          <m:r>
-                            <a:rPr lang="en-US" i="1">
-                              <a:latin typeface="Cambria Math" panose="02040503050406030204" pitchFamily="18" charset="0"/>
-                            </a:rPr>
-                            <m:t>(</m:t>
-                          </m:r>
-                          <m:bar>
-                            <m:barPr>
-                              <m:pos m:val="top"/>
-                              <m:ctrlPr>
-                                <a:rPr lang="ru-RU" i="1">
-                                  <a:latin typeface="Cambria Math" panose="02040503050406030204" pitchFamily="18" charset="0"/>
-                                </a:rPr>
-                              </m:ctrlPr>
-                            </m:barPr>
-                            <m:e>
-                              <m:r>
-                                <a:rPr lang="en-US" b="0" i="1" smtClean="0">
-                                  <a:latin typeface="Cambria Math" panose="02040503050406030204" pitchFamily="18" charset="0"/>
-                                </a:rPr>
-                                <m:t>𝑌</m:t>
-                              </m:r>
-                            </m:e>
-                          </m:bar>
-                          <m:r>
-                            <a:rPr lang="en-US" i="1">
-                              <a:latin typeface="Cambria Math" panose="02040503050406030204" pitchFamily="18" charset="0"/>
-                            </a:rPr>
-                            <m:t>)</m:t>
-                          </m:r>
-                        </m:e>
-                      </m:rad>
-                      <m:r>
-                        <a:rPr lang="ru-RU" i="1">
-                          <a:latin typeface="Cambria Math" panose="02040503050406030204" pitchFamily="18" charset="0"/>
-                        </a:rPr>
-                        <m:t>=</m:t>
-                      </m:r>
-                      <m:f>
-                        <m:fPr>
-                          <m:ctrlPr>
-                            <a:rPr lang="ru-RU" i="1">
-                              <a:latin typeface="Cambria Math" panose="02040503050406030204" pitchFamily="18" charset="0"/>
-                            </a:rPr>
-                          </m:ctrlPr>
-                        </m:fPr>
-                        <m:num>
-                          <m:r>
-                            <a:rPr lang="ru-RU" i="1">
-                              <a:latin typeface="Cambria Math" panose="02040503050406030204" pitchFamily="18" charset="0"/>
-                            </a:rPr>
-                            <m:t>𝑁𝑠</m:t>
-                          </m:r>
-                        </m:num>
-                        <m:den>
-                          <m:rad>
-                            <m:radPr>
-                              <m:degHide m:val="on"/>
-                              <m:ctrlPr>
-                                <a:rPr lang="ru-RU" i="1">
-                                  <a:latin typeface="Cambria Math" panose="02040503050406030204" pitchFamily="18" charset="0"/>
-                                </a:rPr>
-                              </m:ctrlPr>
-                            </m:radPr>
-                            <m:deg/>
-                            <m:e>
-                              <m:r>
-                                <a:rPr lang="ru-RU" i="1">
-                                  <a:latin typeface="Cambria Math" panose="02040503050406030204" pitchFamily="18" charset="0"/>
-                                </a:rPr>
-                                <m:t>𝑛</m:t>
-                              </m:r>
-                            </m:e>
-                          </m:rad>
-                        </m:den>
-                      </m:f>
-                      <m:rad>
-                        <m:radPr>
-                          <m:degHide m:val="on"/>
-                          <m:ctrlPr>
-                            <a:rPr lang="ru-RU" i="1" smtClean="0">
-                              <a:latin typeface="Cambria Math" panose="02040503050406030204" pitchFamily="18" charset="0"/>
-                            </a:rPr>
-                          </m:ctrlPr>
-                        </m:radPr>
-                        <m:deg/>
-                        <m:e>
-                          <m:r>
-                            <a:rPr lang="ru-RU" i="1">
-                              <a:latin typeface="Cambria Math" panose="02040503050406030204" pitchFamily="18" charset="0"/>
-                            </a:rPr>
-                            <m:t>1−</m:t>
-                          </m:r>
-                          <m:r>
-                            <a:rPr lang="en-US" b="0" i="1" smtClean="0">
-                              <a:latin typeface="Cambria Math" panose="02040503050406030204" pitchFamily="18" charset="0"/>
-                            </a:rPr>
-                            <m:t>𝑓</m:t>
-                          </m:r>
-                        </m:e>
-                      </m:rad>
-                    </m:oMath>
-                  </m:oMathPara>
-                </a14:m>
-                <a:endParaRPr lang="en-US" dirty="0"/>
-              </a:p>
-              <a:p>
-                <a:endParaRPr lang="en-US" b="0" i="1" dirty="0">
-                  <a:latin typeface="Cambria Math" panose="02040503050406030204" pitchFamily="18" charset="0"/>
-                </a:endParaRPr>
-              </a:p>
-              <a:p>
-                <a14:m>
-                  <m:oMath xmlns:m="http://schemas.openxmlformats.org/officeDocument/2006/math">
-                    <m:r>
-                      <a:rPr lang="en-US" b="0" i="1" smtClean="0">
-                        <a:latin typeface="Cambria Math" panose="02040503050406030204" pitchFamily="18" charset="0"/>
-                      </a:rPr>
-                      <m:t>𝑓</m:t>
-                    </m:r>
-                    <m:r>
-                      <a:rPr lang="en-US" b="0" i="1" smtClean="0">
-                        <a:latin typeface="Cambria Math" panose="02040503050406030204" pitchFamily="18" charset="0"/>
-                      </a:rPr>
-                      <m:t>=</m:t>
-                    </m:r>
-                    <m:f>
-                      <m:fPr>
-                        <m:ctrlPr>
-                          <a:rPr lang="en-US" b="0" i="1" smtClean="0">
-                            <a:latin typeface="Cambria Math" panose="02040503050406030204" pitchFamily="18" charset="0"/>
-                          </a:rPr>
-                        </m:ctrlPr>
-                      </m:fPr>
-                      <m:num>
-                        <m:r>
-                          <a:rPr lang="en-US" b="0" i="1" smtClean="0">
-                            <a:latin typeface="Cambria Math" panose="02040503050406030204" pitchFamily="18" charset="0"/>
-                          </a:rPr>
-                          <m:t>𝑛</m:t>
-                        </m:r>
-                      </m:num>
-                      <m:den>
-                        <m:r>
-                          <a:rPr lang="en-US" b="0" i="1" smtClean="0">
-                            <a:latin typeface="Cambria Math" panose="02040503050406030204" pitchFamily="18" charset="0"/>
-                          </a:rPr>
-                          <m:t>𝑁</m:t>
-                        </m:r>
-                      </m:den>
-                    </m:f>
-                  </m:oMath>
-                </a14:m>
-                <a:r>
-                  <a:rPr lang="en-US" dirty="0"/>
-                  <a:t> - </a:t>
-                </a:r>
-                <a:r>
-                  <a:rPr lang="ru-RU" dirty="0"/>
-                  <a:t>доля отбора</a:t>
-                </a:r>
-              </a:p>
-            </p:txBody>
-          </p:sp>
-        </mc:Choice>
-        <mc:Fallback xmlns="">
-          <p:sp>
-            <p:nvSpPr>
-              <p:cNvPr id="3" name="Объект 2">
-                <a:extLst>
-                  <a:ext uri="{FF2B5EF4-FFF2-40B4-BE49-F238E27FC236}">
-                    <a16:creationId xmlns:a16="http://schemas.microsoft.com/office/drawing/2014/main" id="{742D5DA3-A64C-1441-B172-4A023F9D0866}"/>
-                  </a:ext>
-                </a:extLst>
-              </p:cNvPr>
-              <p:cNvSpPr>
-                <a:spLocks noGrp="1" noRot="1" noChangeAspect="1" noMove="1" noResize="1" noEditPoints="1" noAdjustHandles="1" noChangeArrowheads="1" noChangeShapeType="1" noTextEdit="1"/>
-              </p:cNvSpPr>
-              <p:nvPr>
-                <p:ph idx="1"/>
-              </p:nvPr>
-            </p:nvSpPr>
-            <p:spPr>
-              <a:xfrm>
-                <a:off x="869066" y="1466809"/>
-                <a:ext cx="10515600" cy="5026065"/>
-              </a:xfrm>
-              <a:blipFill>
-                <a:blip r:embed="rId2"/>
-                <a:stretch>
-                  <a:fillRect l="-965" t="-1763"/>
-                </a:stretch>
-              </a:blipFill>
-            </p:spPr>
-            <p:txBody>
-              <a:bodyPr/>
-              <a:lstStyle/>
-              <a:p>
-                <a:r>
-                  <a:rPr lang="ru-RU">
-                    <a:noFill/>
-                  </a:rPr>
-                  <a:t> </a:t>
-                </a:r>
-              </a:p>
-            </p:txBody>
-          </p:sp>
-        </mc:Fallback>
-      </mc:AlternateContent>
-    </p:spTree>
-    <p:extLst>
-      <p:ext uri="{BB962C8B-B14F-4D97-AF65-F5344CB8AC3E}">
-        <p14:creationId xmlns:p14="http://schemas.microsoft.com/office/powerpoint/2010/main" val="1831188597"/>
-      </p:ext>
-    </p:extLst>
-  </p:cSld>
-  <p:clrMapOvr>
-    <a:masterClrMapping/>
-  </p:clrMapOvr>
-</p:sld>
-</file>
-
-<file path=ppt/slides/slide6.xml><?xml version="1.0" encoding="utf-8"?>
-<p:sld xmlns:a="http://schemas.openxmlformats.org/drawingml/2006/main" xmlns:r="http://schemas.openxmlformats.org/officeDocument/2006/relationships" xmlns:p="http://schemas.openxmlformats.org/presentationml/2006/main">
-  <p:cSld>
-    <p:spTree>
-      <p:nvGrpSpPr>
-        <p:cNvPr id="1" name=""/>
-        <p:cNvGrpSpPr/>
-        <p:nvPr/>
-      </p:nvGrpSpPr>
-      <p:grpSpPr>
-        <a:xfrm>
-          <a:off x="0" y="0"/>
-          <a:ext cx="0" cy="0"/>
-          <a:chOff x="0" y="0"/>
-          <a:chExt cx="0" cy="0"/>
-        </a:xfrm>
-      </p:grpSpPr>
-      <p:sp>
-        <p:nvSpPr>
-          <p:cNvPr id="2" name="Заголовок 1">
-            <a:extLst>
-              <a:ext uri="{FF2B5EF4-FFF2-40B4-BE49-F238E27FC236}">
-                <a16:creationId xmlns:a16="http://schemas.microsoft.com/office/drawing/2014/main" id="{5D339735-D3AE-8D4A-B88B-97B9709CD6F0}"/>
-              </a:ext>
-            </a:extLst>
-          </p:cNvPr>
-          <p:cNvSpPr>
-            <a:spLocks noGrp="1"/>
-          </p:cNvSpPr>
-          <p:nvPr>
-            <p:ph type="title"/>
-          </p:nvPr>
-        </p:nvSpPr>
-        <p:spPr/>
-        <p:txBody>
-          <a:bodyPr/>
-          <a:lstStyle/>
-          <a:p>
-            <a:r>
-              <a:rPr lang="ru-RU" dirty="0"/>
-              <a:t>Доверительные интервалы</a:t>
-            </a:r>
-          </a:p>
-        </p:txBody>
-      </p:sp>
-      <mc:AlternateContent xmlns:mc="http://schemas.openxmlformats.org/markup-compatibility/2006" xmlns:a14="http://schemas.microsoft.com/office/drawing/2010/main">
-        <mc:Choice Requires="a14">
-          <p:sp>
-            <p:nvSpPr>
-              <p:cNvPr id="3" name="Объект 2">
-                <a:extLst>
-                  <a:ext uri="{FF2B5EF4-FFF2-40B4-BE49-F238E27FC236}">
-                    <a16:creationId xmlns:a16="http://schemas.microsoft.com/office/drawing/2014/main" id="{9EF3577C-CE7E-964E-985F-D17CFF7D16E1}"/>
-                  </a:ext>
-                </a:extLst>
-              </p:cNvPr>
-              <p:cNvSpPr>
-                <a:spLocks noGrp="1"/>
-              </p:cNvSpPr>
-              <p:nvPr>
-                <p:ph idx="1"/>
-              </p:nvPr>
-            </p:nvSpPr>
-            <p:spPr/>
-            <p:txBody>
-              <a:bodyPr>
-                <a:normAutofit lnSpcReduction="10000"/>
-              </a:bodyPr>
-              <a:lstStyle/>
-              <a:p>
-                <a:pPr marL="0" indent="0">
-                  <a:buNone/>
-                </a:pPr>
-                <a:r>
-                  <a:rPr lang="ru-RU" dirty="0"/>
-                  <a:t>Доверительным называют интервал, который покрывает исследуемый параметр с заданной надёжностью.</a:t>
-                </a:r>
-              </a:p>
-              <a:p>
-                <a:r>
-                  <a:rPr lang="ru-RU" dirty="0"/>
-                  <a:t>Для среднего значения</a:t>
-                </a:r>
-                <a:endParaRPr lang="en-US" dirty="0"/>
-              </a:p>
-              <a:p>
-                <a:pPr marL="0" indent="0" algn="ctr">
-                  <a:buNone/>
-                </a:pPr>
-                <a14:m>
-                  <m:oMath xmlns:m="http://schemas.openxmlformats.org/officeDocument/2006/math">
-                    <m:sSub>
-                      <m:sSubPr>
-                        <m:ctrlPr>
-                          <a:rPr lang="en-US" b="0" i="1" smtClean="0">
-                            <a:latin typeface="Cambria Math" panose="02040503050406030204" pitchFamily="18" charset="0"/>
-                          </a:rPr>
-                        </m:ctrlPr>
-                      </m:sSubPr>
-                      <m:e>
-                        <m:acc>
-                          <m:accPr>
-                            <m:chr m:val="̂"/>
-                            <m:ctrlPr>
-                              <a:rPr lang="ru-RU" i="1" smtClean="0">
-                                <a:latin typeface="Cambria Math" panose="02040503050406030204" pitchFamily="18" charset="0"/>
-                              </a:rPr>
-                            </m:ctrlPr>
-                          </m:accPr>
-                          <m:e>
-                            <m:acc>
-                              <m:accPr>
-                                <m:chr m:val="̅"/>
-                                <m:ctrlPr>
-                                  <a:rPr lang="ru-RU" i="1" smtClean="0">
-                                    <a:latin typeface="Cambria Math" panose="02040503050406030204" pitchFamily="18" charset="0"/>
-                                  </a:rPr>
-                                </m:ctrlPr>
-                              </m:accPr>
-                              <m:e>
-                                <m:r>
-                                  <a:rPr lang="en-US" b="0" i="1" smtClean="0">
-                                    <a:latin typeface="Cambria Math" panose="02040503050406030204" pitchFamily="18" charset="0"/>
-                                  </a:rPr>
-                                  <m:t>𝑌</m:t>
-                                </m:r>
-                              </m:e>
-                            </m:acc>
-                          </m:e>
-                        </m:acc>
-                      </m:e>
-                      <m:sub>
-                        <m:r>
-                          <a:rPr lang="en-US" b="0" i="1" smtClean="0">
-                            <a:latin typeface="Cambria Math" panose="02040503050406030204" pitchFamily="18" charset="0"/>
-                          </a:rPr>
-                          <m:t>𝐿</m:t>
-                        </m:r>
-                      </m:sub>
-                    </m:sSub>
-                    <m:r>
-                      <a:rPr lang="en-US" b="0" i="1" smtClean="0">
-                        <a:latin typeface="Cambria Math" panose="02040503050406030204" pitchFamily="18" charset="0"/>
-                      </a:rPr>
-                      <m:t>=</m:t>
-                    </m:r>
-                    <m:acc>
-                      <m:accPr>
-                        <m:chr m:val="̅"/>
-                        <m:ctrlPr>
-                          <a:rPr lang="en-US" b="0" i="1" smtClean="0">
-                            <a:latin typeface="Cambria Math" panose="02040503050406030204" pitchFamily="18" charset="0"/>
-                          </a:rPr>
-                        </m:ctrlPr>
-                      </m:accPr>
-                      <m:e>
-                        <m:r>
-                          <a:rPr lang="en-US" b="0" i="1" smtClean="0">
-                            <a:latin typeface="Cambria Math" panose="02040503050406030204" pitchFamily="18" charset="0"/>
-                          </a:rPr>
-                          <m:t>𝑦</m:t>
-                        </m:r>
-                      </m:e>
-                    </m:acc>
-                    <m:r>
-                      <a:rPr lang="en-US" b="0" i="1" smtClean="0">
-                        <a:latin typeface="Cambria Math" panose="02040503050406030204" pitchFamily="18" charset="0"/>
-                      </a:rPr>
-                      <m:t>−</m:t>
-                    </m:r>
-                    <m:f>
-                      <m:fPr>
-                        <m:ctrlPr>
-                          <a:rPr lang="ru-RU" i="1">
-                            <a:latin typeface="Cambria Math" panose="02040503050406030204" pitchFamily="18" charset="0"/>
-                          </a:rPr>
-                        </m:ctrlPr>
-                      </m:fPr>
-                      <m:num>
-                        <m:r>
-                          <a:rPr lang="en-US" b="0" i="1" smtClean="0">
-                            <a:latin typeface="Cambria Math" panose="02040503050406030204" pitchFamily="18" charset="0"/>
-                          </a:rPr>
-                          <m:t>𝑡</m:t>
-                        </m:r>
-                        <m:r>
-                          <a:rPr lang="ru-RU" i="1">
-                            <a:latin typeface="Cambria Math" panose="02040503050406030204" pitchFamily="18" charset="0"/>
-                          </a:rPr>
-                          <m:t>𝑠</m:t>
-                        </m:r>
-                      </m:num>
-                      <m:den>
-                        <m:rad>
-                          <m:radPr>
-                            <m:degHide m:val="on"/>
-                            <m:ctrlPr>
-                              <a:rPr lang="ru-RU" i="1">
-                                <a:latin typeface="Cambria Math" panose="02040503050406030204" pitchFamily="18" charset="0"/>
-                              </a:rPr>
-                            </m:ctrlPr>
-                          </m:radPr>
-                          <m:deg/>
-                          <m:e>
-                            <m:r>
-                              <a:rPr lang="ru-RU" i="1">
-                                <a:latin typeface="Cambria Math" panose="02040503050406030204" pitchFamily="18" charset="0"/>
-                              </a:rPr>
-                              <m:t>𝑛</m:t>
-                            </m:r>
-                          </m:e>
-                        </m:rad>
-                      </m:den>
-                    </m:f>
-                    <m:rad>
-                      <m:radPr>
-                        <m:degHide m:val="on"/>
-                        <m:ctrlPr>
-                          <a:rPr lang="ru-RU" i="1">
-                            <a:latin typeface="Cambria Math" panose="02040503050406030204" pitchFamily="18" charset="0"/>
-                          </a:rPr>
-                        </m:ctrlPr>
-                      </m:radPr>
-                      <m:deg/>
-                      <m:e>
-                        <m:r>
-                          <a:rPr lang="ru-RU" i="1">
-                            <a:latin typeface="Cambria Math" panose="02040503050406030204" pitchFamily="18" charset="0"/>
-                          </a:rPr>
-                          <m:t>1−</m:t>
-                        </m:r>
-                        <m:r>
-                          <a:rPr lang="en-US" i="1">
-                            <a:latin typeface="Cambria Math" panose="02040503050406030204" pitchFamily="18" charset="0"/>
-                          </a:rPr>
-                          <m:t>𝑓</m:t>
-                        </m:r>
-                      </m:e>
-                    </m:rad>
-                  </m:oMath>
-                </a14:m>
-                <a:r>
-                  <a:rPr lang="en-US" dirty="0"/>
-                  <a:t> ;  </a:t>
-                </a:r>
-                <a14:m>
-                  <m:oMath xmlns:m="http://schemas.openxmlformats.org/officeDocument/2006/math">
-                    <m:sSub>
-                      <m:sSubPr>
-                        <m:ctrlPr>
-                          <a:rPr lang="en-US" i="1">
-                            <a:latin typeface="Cambria Math" panose="02040503050406030204" pitchFamily="18" charset="0"/>
-                          </a:rPr>
-                        </m:ctrlPr>
-                      </m:sSubPr>
-                      <m:e>
-                        <m:acc>
-                          <m:accPr>
-                            <m:chr m:val="̂"/>
-                            <m:ctrlPr>
-                              <a:rPr lang="ru-RU" i="1">
-                                <a:latin typeface="Cambria Math" panose="02040503050406030204" pitchFamily="18" charset="0"/>
-                              </a:rPr>
-                            </m:ctrlPr>
-                          </m:accPr>
-                          <m:e>
-                            <m:acc>
-                              <m:accPr>
-                                <m:chr m:val="̅"/>
-                                <m:ctrlPr>
-                                  <a:rPr lang="ru-RU" i="1">
-                                    <a:latin typeface="Cambria Math" panose="02040503050406030204" pitchFamily="18" charset="0"/>
-                                  </a:rPr>
-                                </m:ctrlPr>
-                              </m:accPr>
-                              <m:e>
-                                <m:r>
-                                  <a:rPr lang="en-US" i="1">
-                                    <a:latin typeface="Cambria Math" panose="02040503050406030204" pitchFamily="18" charset="0"/>
-                                  </a:rPr>
-                                  <m:t>𝑌</m:t>
-                                </m:r>
-                              </m:e>
-                            </m:acc>
-                          </m:e>
-                        </m:acc>
-                      </m:e>
-                      <m:sub>
-                        <m:r>
-                          <a:rPr lang="en-US" b="0" i="1" smtClean="0">
-                            <a:latin typeface="Cambria Math" panose="02040503050406030204" pitchFamily="18" charset="0"/>
-                          </a:rPr>
-                          <m:t>𝑈</m:t>
-                        </m:r>
-                      </m:sub>
-                    </m:sSub>
-                    <m:r>
-                      <a:rPr lang="en-US" i="1">
-                        <a:latin typeface="Cambria Math" panose="02040503050406030204" pitchFamily="18" charset="0"/>
-                      </a:rPr>
-                      <m:t>=</m:t>
-                    </m:r>
-                    <m:acc>
-                      <m:accPr>
-                        <m:chr m:val="̅"/>
-                        <m:ctrlPr>
-                          <a:rPr lang="en-US" i="1">
-                            <a:latin typeface="Cambria Math" panose="02040503050406030204" pitchFamily="18" charset="0"/>
-                          </a:rPr>
-                        </m:ctrlPr>
-                      </m:accPr>
-                      <m:e>
-                        <m:r>
-                          <a:rPr lang="en-US" i="1">
-                            <a:latin typeface="Cambria Math" panose="02040503050406030204" pitchFamily="18" charset="0"/>
-                          </a:rPr>
-                          <m:t>𝑦</m:t>
-                        </m:r>
-                      </m:e>
-                    </m:acc>
-                    <m:r>
-                      <a:rPr lang="en-US" b="0" i="1" smtClean="0">
-                        <a:latin typeface="Cambria Math" panose="02040503050406030204" pitchFamily="18" charset="0"/>
-                      </a:rPr>
-                      <m:t>+</m:t>
-                    </m:r>
-                    <m:f>
-                      <m:fPr>
-                        <m:ctrlPr>
-                          <a:rPr lang="ru-RU" i="1">
-                            <a:latin typeface="Cambria Math" panose="02040503050406030204" pitchFamily="18" charset="0"/>
-                          </a:rPr>
-                        </m:ctrlPr>
-                      </m:fPr>
-                      <m:num>
-                        <m:r>
-                          <a:rPr lang="en-US" i="1">
-                            <a:latin typeface="Cambria Math" panose="02040503050406030204" pitchFamily="18" charset="0"/>
-                          </a:rPr>
-                          <m:t>𝑡</m:t>
-                        </m:r>
-                        <m:r>
-                          <a:rPr lang="ru-RU" i="1">
-                            <a:latin typeface="Cambria Math" panose="02040503050406030204" pitchFamily="18" charset="0"/>
-                          </a:rPr>
-                          <m:t>𝑠</m:t>
-                        </m:r>
-                      </m:num>
-                      <m:den>
-                        <m:rad>
-                          <m:radPr>
-                            <m:degHide m:val="on"/>
-                            <m:ctrlPr>
-                              <a:rPr lang="ru-RU" i="1">
-                                <a:latin typeface="Cambria Math" panose="02040503050406030204" pitchFamily="18" charset="0"/>
-                              </a:rPr>
-                            </m:ctrlPr>
-                          </m:radPr>
-                          <m:deg/>
-                          <m:e>
-                            <m:r>
-                              <a:rPr lang="ru-RU" i="1">
-                                <a:latin typeface="Cambria Math" panose="02040503050406030204" pitchFamily="18" charset="0"/>
-                              </a:rPr>
-                              <m:t>𝑛</m:t>
-                            </m:r>
-                          </m:e>
-                        </m:rad>
-                      </m:den>
-                    </m:f>
-                    <m:rad>
-                      <m:radPr>
-                        <m:degHide m:val="on"/>
-                        <m:ctrlPr>
-                          <a:rPr lang="ru-RU" i="1">
-                            <a:latin typeface="Cambria Math" panose="02040503050406030204" pitchFamily="18" charset="0"/>
-                          </a:rPr>
-                        </m:ctrlPr>
-                      </m:radPr>
-                      <m:deg/>
-                      <m:e>
-                        <m:r>
-                          <a:rPr lang="ru-RU" i="1">
-                            <a:latin typeface="Cambria Math" panose="02040503050406030204" pitchFamily="18" charset="0"/>
-                          </a:rPr>
-                          <m:t>1−</m:t>
-                        </m:r>
-                        <m:r>
-                          <a:rPr lang="en-US" i="1">
-                            <a:latin typeface="Cambria Math" panose="02040503050406030204" pitchFamily="18" charset="0"/>
-                          </a:rPr>
-                          <m:t>𝑓</m:t>
-                        </m:r>
-                      </m:e>
-                    </m:rad>
-                  </m:oMath>
-                </a14:m>
-                <a:endParaRPr lang="en-US" dirty="0"/>
-              </a:p>
-              <a:p>
-                <a:r>
-                  <a:rPr lang="ru-RU" dirty="0"/>
-                  <a:t>Для суммарного значения</a:t>
-                </a:r>
-              </a:p>
-              <a:p>
-                <a:pPr marL="0" lvl="0" indent="0" algn="ctr">
-                  <a:buNone/>
-                </a:pPr>
-                <a14:m>
-                  <m:oMath xmlns:m="http://schemas.openxmlformats.org/officeDocument/2006/math">
-                    <m:sSub>
-                      <m:sSubPr>
-                        <m:ctrlPr>
-                          <a:rPr lang="en-US" i="1">
-                            <a:solidFill>
-                              <a:prstClr val="black"/>
-                            </a:solidFill>
-                            <a:latin typeface="Cambria Math" panose="02040503050406030204" pitchFamily="18" charset="0"/>
-                          </a:rPr>
-                        </m:ctrlPr>
-                      </m:sSubPr>
-                      <m:e>
-                        <m:acc>
-                          <m:accPr>
-                            <m:chr m:val="̂"/>
-                            <m:ctrlPr>
-                              <a:rPr lang="ru-RU" i="1">
-                                <a:solidFill>
-                                  <a:prstClr val="black"/>
-                                </a:solidFill>
-                                <a:latin typeface="Cambria Math" panose="02040503050406030204" pitchFamily="18" charset="0"/>
-                              </a:rPr>
-                            </m:ctrlPr>
-                          </m:accPr>
-                          <m:e>
-                            <m:r>
-                              <a:rPr lang="en-US" b="0" i="1" smtClean="0">
-                                <a:solidFill>
-                                  <a:prstClr val="black"/>
-                                </a:solidFill>
-                                <a:latin typeface="Cambria Math" panose="02040503050406030204" pitchFamily="18" charset="0"/>
-                              </a:rPr>
-                              <m:t>𝑌</m:t>
-                            </m:r>
-                          </m:e>
-                        </m:acc>
-                      </m:e>
-                      <m:sub>
-                        <m:r>
-                          <a:rPr lang="en-US" i="1">
-                            <a:solidFill>
-                              <a:prstClr val="black"/>
-                            </a:solidFill>
-                            <a:latin typeface="Cambria Math" panose="02040503050406030204" pitchFamily="18" charset="0"/>
-                          </a:rPr>
-                          <m:t>𝐿</m:t>
-                        </m:r>
-                      </m:sub>
-                    </m:sSub>
-                    <m:r>
-                      <a:rPr lang="en-US" i="1">
-                        <a:solidFill>
-                          <a:prstClr val="black"/>
-                        </a:solidFill>
-                        <a:latin typeface="Cambria Math" panose="02040503050406030204" pitchFamily="18" charset="0"/>
-                      </a:rPr>
-                      <m:t>=</m:t>
-                    </m:r>
-                    <m:r>
-                      <a:rPr lang="en-US" b="0" i="1" smtClean="0">
-                        <a:solidFill>
-                          <a:prstClr val="black"/>
-                        </a:solidFill>
-                        <a:latin typeface="Cambria Math" panose="02040503050406030204" pitchFamily="18" charset="0"/>
-                      </a:rPr>
-                      <m:t>𝑁</m:t>
-                    </m:r>
-                    <m:acc>
-                      <m:accPr>
-                        <m:chr m:val="̅"/>
-                        <m:ctrlPr>
-                          <a:rPr lang="en-US" i="1">
-                            <a:solidFill>
-                              <a:prstClr val="black"/>
-                            </a:solidFill>
-                            <a:latin typeface="Cambria Math" panose="02040503050406030204" pitchFamily="18" charset="0"/>
-                          </a:rPr>
-                        </m:ctrlPr>
-                      </m:accPr>
-                      <m:e>
-                        <m:r>
-                          <a:rPr lang="en-US" i="1">
-                            <a:solidFill>
-                              <a:prstClr val="black"/>
-                            </a:solidFill>
-                            <a:latin typeface="Cambria Math" panose="02040503050406030204" pitchFamily="18" charset="0"/>
-                          </a:rPr>
-                          <m:t>𝑦</m:t>
-                        </m:r>
-                      </m:e>
-                    </m:acc>
-                    <m:r>
-                      <a:rPr lang="en-US" i="1">
-                        <a:solidFill>
-                          <a:prstClr val="black"/>
-                        </a:solidFill>
-                        <a:latin typeface="Cambria Math" panose="02040503050406030204" pitchFamily="18" charset="0"/>
-                      </a:rPr>
-                      <m:t>−</m:t>
-                    </m:r>
-                    <m:f>
-                      <m:fPr>
-                        <m:ctrlPr>
-                          <a:rPr lang="ru-RU" i="1">
-                            <a:solidFill>
-                              <a:prstClr val="black"/>
-                            </a:solidFill>
-                            <a:latin typeface="Cambria Math" panose="02040503050406030204" pitchFamily="18" charset="0"/>
-                          </a:rPr>
-                        </m:ctrlPr>
-                      </m:fPr>
-                      <m:num>
-                        <m:r>
-                          <a:rPr lang="en-US" i="1">
-                            <a:solidFill>
-                              <a:prstClr val="black"/>
-                            </a:solidFill>
-                            <a:latin typeface="Cambria Math" panose="02040503050406030204" pitchFamily="18" charset="0"/>
-                          </a:rPr>
-                          <m:t>𝑡</m:t>
-                        </m:r>
-                        <m:r>
-                          <a:rPr lang="en-US" b="0" i="1" smtClean="0">
-                            <a:solidFill>
-                              <a:prstClr val="black"/>
-                            </a:solidFill>
-                            <a:latin typeface="Cambria Math" panose="02040503050406030204" pitchFamily="18" charset="0"/>
-                          </a:rPr>
-                          <m:t>𝑁</m:t>
-                        </m:r>
-                        <m:r>
-                          <a:rPr lang="ru-RU" i="1">
-                            <a:solidFill>
-                              <a:prstClr val="black"/>
-                            </a:solidFill>
-                            <a:latin typeface="Cambria Math" panose="02040503050406030204" pitchFamily="18" charset="0"/>
-                          </a:rPr>
-                          <m:t>𝑠</m:t>
-                        </m:r>
-                      </m:num>
-                      <m:den>
-                        <m:rad>
-                          <m:radPr>
-                            <m:degHide m:val="on"/>
-                            <m:ctrlPr>
-                              <a:rPr lang="ru-RU" i="1">
-                                <a:solidFill>
-                                  <a:prstClr val="black"/>
-                                </a:solidFill>
-                                <a:latin typeface="Cambria Math" panose="02040503050406030204" pitchFamily="18" charset="0"/>
-                              </a:rPr>
-                            </m:ctrlPr>
-                          </m:radPr>
-                          <m:deg/>
-                          <m:e>
-                            <m:r>
-                              <a:rPr lang="ru-RU" i="1">
-                                <a:solidFill>
-                                  <a:prstClr val="black"/>
-                                </a:solidFill>
-                                <a:latin typeface="Cambria Math" panose="02040503050406030204" pitchFamily="18" charset="0"/>
-                              </a:rPr>
-                              <m:t>𝑛</m:t>
-                            </m:r>
-                          </m:e>
-                        </m:rad>
-                      </m:den>
-                    </m:f>
-                    <m:rad>
-                      <m:radPr>
-                        <m:degHide m:val="on"/>
-                        <m:ctrlPr>
-                          <a:rPr lang="ru-RU" i="1">
-                            <a:solidFill>
-                              <a:prstClr val="black"/>
-                            </a:solidFill>
-                            <a:latin typeface="Cambria Math" panose="02040503050406030204" pitchFamily="18" charset="0"/>
-                          </a:rPr>
-                        </m:ctrlPr>
-                      </m:radPr>
-                      <m:deg/>
-                      <m:e>
-                        <m:r>
-                          <a:rPr lang="ru-RU" i="1">
-                            <a:solidFill>
-                              <a:prstClr val="black"/>
-                            </a:solidFill>
-                            <a:latin typeface="Cambria Math" panose="02040503050406030204" pitchFamily="18" charset="0"/>
-                          </a:rPr>
-                          <m:t>1−</m:t>
-                        </m:r>
-                        <m:r>
-                          <a:rPr lang="en-US" i="1">
-                            <a:solidFill>
-                              <a:prstClr val="black"/>
-                            </a:solidFill>
-                            <a:latin typeface="Cambria Math" panose="02040503050406030204" pitchFamily="18" charset="0"/>
-                          </a:rPr>
-                          <m:t>𝑓</m:t>
-                        </m:r>
-                      </m:e>
-                    </m:rad>
-                  </m:oMath>
-                </a14:m>
-                <a:r>
-                  <a:rPr lang="en-US" dirty="0">
-                    <a:solidFill>
-                      <a:prstClr val="black"/>
-                    </a:solidFill>
-                  </a:rPr>
-                  <a:t> ;  </a:t>
-                </a:r>
-                <a14:m>
-                  <m:oMath xmlns:m="http://schemas.openxmlformats.org/officeDocument/2006/math">
-                    <m:sSub>
-                      <m:sSubPr>
-                        <m:ctrlPr>
-                          <a:rPr lang="en-US" i="1">
-                            <a:solidFill>
-                              <a:prstClr val="black"/>
-                            </a:solidFill>
-                            <a:latin typeface="Cambria Math" panose="02040503050406030204" pitchFamily="18" charset="0"/>
-                          </a:rPr>
-                        </m:ctrlPr>
-                      </m:sSubPr>
-                      <m:e>
-                        <m:acc>
-                          <m:accPr>
-                            <m:chr m:val="̂"/>
-                            <m:ctrlPr>
-                              <a:rPr lang="ru-RU" i="1">
-                                <a:solidFill>
-                                  <a:prstClr val="black"/>
-                                </a:solidFill>
-                                <a:latin typeface="Cambria Math" panose="02040503050406030204" pitchFamily="18" charset="0"/>
-                              </a:rPr>
-                            </m:ctrlPr>
-                          </m:accPr>
-                          <m:e>
-                            <m:r>
-                              <a:rPr lang="en-US" b="0" i="1" smtClean="0">
-                                <a:solidFill>
-                                  <a:prstClr val="black"/>
-                                </a:solidFill>
-                                <a:latin typeface="Cambria Math" panose="02040503050406030204" pitchFamily="18" charset="0"/>
-                              </a:rPr>
-                              <m:t>𝑌</m:t>
-                            </m:r>
-                          </m:e>
-                        </m:acc>
-                      </m:e>
-                      <m:sub>
-                        <m:r>
-                          <a:rPr lang="en-US" i="1">
-                            <a:solidFill>
-                              <a:prstClr val="black"/>
-                            </a:solidFill>
-                            <a:latin typeface="Cambria Math" panose="02040503050406030204" pitchFamily="18" charset="0"/>
-                          </a:rPr>
-                          <m:t>𝑈</m:t>
-                        </m:r>
-                      </m:sub>
-                    </m:sSub>
-                    <m:r>
-                      <a:rPr lang="en-US" i="1">
-                        <a:solidFill>
-                          <a:prstClr val="black"/>
-                        </a:solidFill>
-                        <a:latin typeface="Cambria Math" panose="02040503050406030204" pitchFamily="18" charset="0"/>
-                      </a:rPr>
-                      <m:t>=</m:t>
-                    </m:r>
-                    <m:r>
-                      <a:rPr lang="en-US" b="0" i="1" smtClean="0">
-                        <a:solidFill>
-                          <a:prstClr val="black"/>
-                        </a:solidFill>
-                        <a:latin typeface="Cambria Math" panose="02040503050406030204" pitchFamily="18" charset="0"/>
-                      </a:rPr>
-                      <m:t>𝑁</m:t>
-                    </m:r>
-                    <m:acc>
-                      <m:accPr>
-                        <m:chr m:val="̅"/>
-                        <m:ctrlPr>
-                          <a:rPr lang="en-US" i="1">
-                            <a:solidFill>
-                              <a:prstClr val="black"/>
-                            </a:solidFill>
-                            <a:latin typeface="Cambria Math" panose="02040503050406030204" pitchFamily="18" charset="0"/>
-                          </a:rPr>
-                        </m:ctrlPr>
-                      </m:accPr>
-                      <m:e>
-                        <m:r>
-                          <a:rPr lang="en-US" i="1">
-                            <a:solidFill>
-                              <a:prstClr val="black"/>
-                            </a:solidFill>
-                            <a:latin typeface="Cambria Math" panose="02040503050406030204" pitchFamily="18" charset="0"/>
-                          </a:rPr>
-                          <m:t>𝑦</m:t>
-                        </m:r>
-                      </m:e>
-                    </m:acc>
-                    <m:r>
-                      <a:rPr lang="en-US" i="1">
-                        <a:solidFill>
-                          <a:prstClr val="black"/>
-                        </a:solidFill>
-                        <a:latin typeface="Cambria Math" panose="02040503050406030204" pitchFamily="18" charset="0"/>
-                      </a:rPr>
-                      <m:t>+</m:t>
-                    </m:r>
-                    <m:f>
-                      <m:fPr>
-                        <m:ctrlPr>
-                          <a:rPr lang="ru-RU" i="1">
-                            <a:solidFill>
-                              <a:prstClr val="black"/>
-                            </a:solidFill>
-                            <a:latin typeface="Cambria Math" panose="02040503050406030204" pitchFamily="18" charset="0"/>
-                          </a:rPr>
-                        </m:ctrlPr>
-                      </m:fPr>
-                      <m:num>
-                        <m:r>
-                          <a:rPr lang="en-US" i="1">
-                            <a:solidFill>
-                              <a:prstClr val="black"/>
-                            </a:solidFill>
-                            <a:latin typeface="Cambria Math" panose="02040503050406030204" pitchFamily="18" charset="0"/>
-                          </a:rPr>
-                          <m:t>𝑡</m:t>
-                        </m:r>
-                        <m:r>
-                          <a:rPr lang="en-US" b="0" i="1" smtClean="0">
-                            <a:solidFill>
-                              <a:prstClr val="black"/>
-                            </a:solidFill>
-                            <a:latin typeface="Cambria Math" panose="02040503050406030204" pitchFamily="18" charset="0"/>
-                          </a:rPr>
-                          <m:t>𝑁</m:t>
-                        </m:r>
-                        <m:r>
-                          <a:rPr lang="ru-RU" i="1">
-                            <a:solidFill>
-                              <a:prstClr val="black"/>
-                            </a:solidFill>
-                            <a:latin typeface="Cambria Math" panose="02040503050406030204" pitchFamily="18" charset="0"/>
-                          </a:rPr>
-                          <m:t>𝑠</m:t>
-                        </m:r>
-                      </m:num>
-                      <m:den>
-                        <m:rad>
-                          <m:radPr>
-                            <m:degHide m:val="on"/>
-                            <m:ctrlPr>
-                              <a:rPr lang="ru-RU" i="1">
-                                <a:solidFill>
-                                  <a:prstClr val="black"/>
-                                </a:solidFill>
-                                <a:latin typeface="Cambria Math" panose="02040503050406030204" pitchFamily="18" charset="0"/>
-                              </a:rPr>
-                            </m:ctrlPr>
-                          </m:radPr>
-                          <m:deg/>
-                          <m:e>
-                            <m:r>
-                              <a:rPr lang="ru-RU" i="1">
-                                <a:solidFill>
-                                  <a:prstClr val="black"/>
-                                </a:solidFill>
-                                <a:latin typeface="Cambria Math" panose="02040503050406030204" pitchFamily="18" charset="0"/>
-                              </a:rPr>
-                              <m:t>𝑛</m:t>
-                            </m:r>
-                          </m:e>
-                        </m:rad>
-                      </m:den>
-                    </m:f>
-                    <m:rad>
-                      <m:radPr>
-                        <m:degHide m:val="on"/>
-                        <m:ctrlPr>
-                          <a:rPr lang="ru-RU" i="1">
-                            <a:solidFill>
-                              <a:prstClr val="black"/>
-                            </a:solidFill>
-                            <a:latin typeface="Cambria Math" panose="02040503050406030204" pitchFamily="18" charset="0"/>
-                          </a:rPr>
-                        </m:ctrlPr>
-                      </m:radPr>
-                      <m:deg/>
-                      <m:e>
-                        <m:r>
-                          <a:rPr lang="ru-RU" i="1">
-                            <a:solidFill>
-                              <a:prstClr val="black"/>
-                            </a:solidFill>
-                            <a:latin typeface="Cambria Math" panose="02040503050406030204" pitchFamily="18" charset="0"/>
-                          </a:rPr>
-                          <m:t>1−</m:t>
-                        </m:r>
-                        <m:r>
-                          <a:rPr lang="en-US" i="1">
-                            <a:solidFill>
-                              <a:prstClr val="black"/>
-                            </a:solidFill>
-                            <a:latin typeface="Cambria Math" panose="02040503050406030204" pitchFamily="18" charset="0"/>
-                          </a:rPr>
-                          <m:t>𝑓</m:t>
-                        </m:r>
-                      </m:e>
-                    </m:rad>
-                  </m:oMath>
-                </a14:m>
-                <a:endParaRPr lang="ru-RU" dirty="0">
-                  <a:solidFill>
-                    <a:prstClr val="black"/>
-                  </a:solidFill>
-                </a:endParaRPr>
-              </a:p>
-              <a:p>
-                <a:pPr marL="0" lvl="0" indent="0" algn="ctr">
-                  <a:buNone/>
-                </a:pPr>
-                <a:endParaRPr lang="en-US" dirty="0">
-                  <a:solidFill>
-                    <a:prstClr val="black"/>
-                  </a:solidFill>
-                </a:endParaRPr>
-              </a:p>
-              <a:p>
-                <a14:m>
-                  <m:oMath xmlns:m="http://schemas.openxmlformats.org/officeDocument/2006/math">
-                    <m:r>
-                      <a:rPr lang="en-US" b="0" i="1" smtClean="0">
-                        <a:solidFill>
-                          <a:prstClr val="black"/>
-                        </a:solidFill>
-                        <a:latin typeface="Cambria Math" panose="02040503050406030204" pitchFamily="18" charset="0"/>
-                      </a:rPr>
-                      <m:t>𝑡</m:t>
-                    </m:r>
-                  </m:oMath>
-                </a14:m>
-                <a:r>
-                  <a:rPr lang="en-US" dirty="0">
-                    <a:solidFill>
-                      <a:prstClr val="black"/>
-                    </a:solidFill>
-                  </a:rPr>
-                  <a:t> – </a:t>
-                </a:r>
-                <a:r>
-                  <a:rPr lang="ru-RU" dirty="0">
-                    <a:solidFill>
-                      <a:prstClr val="black"/>
-                    </a:solidFill>
-                  </a:rPr>
-                  <a:t>квантиль нормального распределения, соответствующий желательной доверительной вероятности.</a:t>
-                </a:r>
-                <a:endParaRPr lang="en-US" dirty="0">
-                  <a:solidFill>
-                    <a:prstClr val="black"/>
-                  </a:solidFill>
-                </a:endParaRPr>
-              </a:p>
-              <a:p>
-                <a:pPr marL="0" indent="0">
-                  <a:buNone/>
-                </a:pPr>
-                <a:endParaRPr lang="ru-RU" dirty="0"/>
-              </a:p>
-            </p:txBody>
-          </p:sp>
-        </mc:Choice>
-        <mc:Fallback xmlns="">
-          <p:sp>
-            <p:nvSpPr>
-              <p:cNvPr id="3" name="Объект 2">
-                <a:extLst>
-                  <a:ext uri="{FF2B5EF4-FFF2-40B4-BE49-F238E27FC236}">
-                    <a16:creationId xmlns:a16="http://schemas.microsoft.com/office/drawing/2014/main" id="{9EF3577C-CE7E-964E-985F-D17CFF7D16E1}"/>
-                  </a:ext>
-                </a:extLst>
-              </p:cNvPr>
-              <p:cNvSpPr>
-                <a:spLocks noGrp="1" noRot="1" noChangeAspect="1" noMove="1" noResize="1" noEditPoints="1" noAdjustHandles="1" noChangeArrowheads="1" noChangeShapeType="1" noTextEdit="1"/>
-              </p:cNvSpPr>
-              <p:nvPr>
-                <p:ph idx="1"/>
-              </p:nvPr>
-            </p:nvSpPr>
-            <p:spPr>
-              <a:blipFill>
-                <a:blip r:embed="rId2"/>
-                <a:stretch>
-                  <a:fillRect l="-1206" t="-3198" b="-2326"/>
-                </a:stretch>
-              </a:blipFill>
-            </p:spPr>
-            <p:txBody>
-              <a:bodyPr/>
-              <a:lstStyle/>
-              <a:p>
-                <a:r>
-                  <a:rPr lang="ru-RU">
-                    <a:noFill/>
-                  </a:rPr>
-                  <a:t> </a:t>
-                </a:r>
-              </a:p>
-            </p:txBody>
-          </p:sp>
-        </mc:Fallback>
-      </mc:AlternateContent>
-    </p:spTree>
-    <p:extLst>
-      <p:ext uri="{BB962C8B-B14F-4D97-AF65-F5344CB8AC3E}">
-        <p14:creationId xmlns:p14="http://schemas.microsoft.com/office/powerpoint/2010/main" val="3761606266"/>
-      </p:ext>
-    </p:extLst>
-  </p:cSld>
-  <p:clrMapOvr>
-    <a:masterClrMapping/>
-  </p:clrMapOvr>
-</p:sld>
-</file>
-
-<file path=ppt/slides/slide7.xml><?xml version="1.0" encoding="utf-8"?>
 <p:sld xmlns:a="http://schemas.openxmlformats.org/drawingml/2006/main" xmlns:r="http://schemas.openxmlformats.org/officeDocument/2006/relationships" xmlns:p="http://schemas.openxmlformats.org/presentationml/2006/main">
   <p:cSld>
     <p:spTree>
@@ -10256,7 +4715,7 @@
 </p:sld>
 </file>
 
-<file path=ppt/slides/slide8.xml><?xml version="1.0" encoding="utf-8"?>
+<file path=ppt/slides/slide3.xml><?xml version="1.0" encoding="utf-8"?>
 <p:sld xmlns:a="http://schemas.openxmlformats.org/drawingml/2006/main" xmlns:r="http://schemas.openxmlformats.org/officeDocument/2006/relationships" xmlns:p="http://schemas.openxmlformats.org/presentationml/2006/main">
   <p:cSld>
     <p:spTree>
@@ -10610,7 +5069,7 @@
 </p:sld>
 </file>
 
-<file path=ppt/slides/slide9.xml><?xml version="1.0" encoding="utf-8"?>
+<file path=ppt/slides/slide4.xml><?xml version="1.0" encoding="utf-8"?>
 <p:sld xmlns:a="http://schemas.openxmlformats.org/drawingml/2006/main" xmlns:r="http://schemas.openxmlformats.org/officeDocument/2006/relationships" xmlns:p="http://schemas.openxmlformats.org/presentationml/2006/main">
   <p:cSld>
     <p:spTree>
@@ -11005,6 +5464,914 @@
     <p:extLst>
       <p:ext uri="{BB962C8B-B14F-4D97-AF65-F5344CB8AC3E}">
         <p14:creationId xmlns:p14="http://schemas.microsoft.com/office/powerpoint/2010/main" val="3655082746"/>
+      </p:ext>
+    </p:extLst>
+  </p:cSld>
+  <p:clrMapOvr>
+    <a:masterClrMapping/>
+  </p:clrMapOvr>
+</p:sld>
+</file>
+
+<file path=ppt/slides/slide5.xml><?xml version="1.0" encoding="utf-8"?>
+<p:sld xmlns:a="http://schemas.openxmlformats.org/drawingml/2006/main" xmlns:r="http://schemas.openxmlformats.org/officeDocument/2006/relationships" xmlns:p="http://schemas.openxmlformats.org/presentationml/2006/main">
+  <p:cSld>
+    <p:spTree>
+      <p:nvGrpSpPr>
+        <p:cNvPr id="1" name=""/>
+        <p:cNvGrpSpPr/>
+        <p:nvPr/>
+      </p:nvGrpSpPr>
+      <p:grpSpPr>
+        <a:xfrm>
+          <a:off x="0" y="0"/>
+          <a:ext cx="0" cy="0"/>
+          <a:chOff x="0" y="0"/>
+          <a:chExt cx="0" cy="0"/>
+        </a:xfrm>
+      </p:grpSpPr>
+      <p:sp>
+        <p:nvSpPr>
+          <p:cNvPr id="2" name="Заголовок 1">
+            <a:extLst>
+              <a:ext uri="{FF2B5EF4-FFF2-40B4-BE49-F238E27FC236}">
+                <a16:creationId xmlns:a16="http://schemas.microsoft.com/office/drawing/2014/main" id="{ACC443C0-F854-C04E-8AEF-F93EF9DE8492}"/>
+              </a:ext>
+            </a:extLst>
+          </p:cNvPr>
+          <p:cNvSpPr>
+            <a:spLocks noGrp="1"/>
+          </p:cNvSpPr>
+          <p:nvPr>
+            <p:ph type="title"/>
+          </p:nvPr>
+        </p:nvSpPr>
+        <p:spPr/>
+        <p:txBody>
+          <a:bodyPr/>
+          <a:lstStyle/>
+          <a:p>
+            <a:r>
+              <a:rPr lang="ru-RU" dirty="0"/>
+              <a:t>Доли. Дисперсия.</a:t>
+            </a:r>
+          </a:p>
+        </p:txBody>
+      </p:sp>
+      <mc:AlternateContent xmlns:mc="http://schemas.openxmlformats.org/markup-compatibility/2006" xmlns:a14="http://schemas.microsoft.com/office/drawing/2010/main">
+        <mc:Choice Requires="a14">
+          <p:sp>
+            <p:nvSpPr>
+              <p:cNvPr id="3" name="Объект 2">
+                <a:extLst>
+                  <a:ext uri="{FF2B5EF4-FFF2-40B4-BE49-F238E27FC236}">
+                    <a16:creationId xmlns:a16="http://schemas.microsoft.com/office/drawing/2014/main" id="{E97E85C5-3288-C943-9F1D-5140B10598B9}"/>
+                  </a:ext>
+                </a:extLst>
+              </p:cNvPr>
+              <p:cNvSpPr>
+                <a:spLocks noGrp="1"/>
+              </p:cNvSpPr>
+              <p:nvPr>
+                <p:ph idx="1"/>
+              </p:nvPr>
+            </p:nvSpPr>
+            <p:spPr/>
+            <p:txBody>
+              <a:bodyPr/>
+              <a:lstStyle/>
+              <a:p>
+                <a14:m>
+                  <m:oMath xmlns:m="http://schemas.openxmlformats.org/officeDocument/2006/math">
+                    <m:sSup>
+                      <m:sSupPr>
+                        <m:ctrlPr>
+                          <a:rPr lang="en-US" b="0" i="1" smtClean="0">
+                            <a:latin typeface="Cambria Math" panose="02040503050406030204" pitchFamily="18" charset="0"/>
+                          </a:rPr>
+                        </m:ctrlPr>
+                      </m:sSupPr>
+                      <m:e>
+                        <m:r>
+                          <a:rPr lang="en-US" b="0" i="1" smtClean="0">
+                            <a:latin typeface="Cambria Math" panose="02040503050406030204" pitchFamily="18" charset="0"/>
+                          </a:rPr>
+                          <m:t>𝑆</m:t>
+                        </m:r>
+                      </m:e>
+                      <m:sup>
+                        <m:r>
+                          <a:rPr lang="en-US" b="0" i="1" smtClean="0">
+                            <a:latin typeface="Cambria Math" panose="02040503050406030204" pitchFamily="18" charset="0"/>
+                          </a:rPr>
+                          <m:t>2</m:t>
+                        </m:r>
+                      </m:sup>
+                    </m:sSup>
+                    <m:r>
+                      <a:rPr lang="en-US" b="0" i="1" smtClean="0">
+                        <a:latin typeface="Cambria Math" panose="02040503050406030204" pitchFamily="18" charset="0"/>
+                      </a:rPr>
+                      <m:t>=</m:t>
+                    </m:r>
+                    <m:f>
+                      <m:fPr>
+                        <m:ctrlPr>
+                          <a:rPr lang="en-US" b="0" i="1" smtClean="0">
+                            <a:latin typeface="Cambria Math" panose="02040503050406030204" pitchFamily="18" charset="0"/>
+                          </a:rPr>
+                        </m:ctrlPr>
+                      </m:fPr>
+                      <m:num>
+                        <m:r>
+                          <a:rPr lang="en-US" b="0" i="1" smtClean="0">
+                            <a:latin typeface="Cambria Math" panose="02040503050406030204" pitchFamily="18" charset="0"/>
+                          </a:rPr>
+                          <m:t>𝑁</m:t>
+                        </m:r>
+                      </m:num>
+                      <m:den>
+                        <m:r>
+                          <a:rPr lang="en-US" b="0" i="1" smtClean="0">
+                            <a:latin typeface="Cambria Math" panose="02040503050406030204" pitchFamily="18" charset="0"/>
+                          </a:rPr>
+                          <m:t>𝑁</m:t>
+                        </m:r>
+                        <m:r>
+                          <a:rPr lang="en-US" b="0" i="1" smtClean="0">
+                            <a:latin typeface="Cambria Math" panose="02040503050406030204" pitchFamily="18" charset="0"/>
+                          </a:rPr>
+                          <m:t>−1</m:t>
+                        </m:r>
+                      </m:den>
+                    </m:f>
+                    <m:r>
+                      <a:rPr lang="en-US" b="0" i="1" smtClean="0">
+                        <a:latin typeface="Cambria Math" panose="02040503050406030204" pitchFamily="18" charset="0"/>
+                      </a:rPr>
+                      <m:t>𝑃𝑄</m:t>
+                    </m:r>
+                  </m:oMath>
+                </a14:m>
+                <a:r>
+                  <a:rPr lang="en-US" b="0" dirty="0"/>
+                  <a:t>, </a:t>
+                </a:r>
+                <a14:m>
+                  <m:oMath xmlns:m="http://schemas.openxmlformats.org/officeDocument/2006/math">
+                    <m:r>
+                      <a:rPr lang="en-US" b="0" i="1" smtClean="0">
+                        <a:latin typeface="Cambria Math" panose="02040503050406030204" pitchFamily="18" charset="0"/>
+                      </a:rPr>
+                      <m:t>𝑄</m:t>
+                    </m:r>
+                    <m:r>
+                      <a:rPr lang="en-US" b="0" i="1" smtClean="0">
+                        <a:latin typeface="Cambria Math" panose="02040503050406030204" pitchFamily="18" charset="0"/>
+                      </a:rPr>
+                      <m:t>=1−</m:t>
+                    </m:r>
+                    <m:r>
+                      <a:rPr lang="en-US" b="0" i="1" smtClean="0">
+                        <a:latin typeface="Cambria Math" panose="02040503050406030204" pitchFamily="18" charset="0"/>
+                      </a:rPr>
+                      <m:t>𝑃</m:t>
+                    </m:r>
+                  </m:oMath>
+                </a14:m>
+                <a:endParaRPr lang="en-US" b="0" i="1" dirty="0">
+                  <a:latin typeface="Cambria Math" panose="02040503050406030204" pitchFamily="18" charset="0"/>
+                </a:endParaRPr>
+              </a:p>
+              <a:p>
+                <a14:m>
+                  <m:oMath xmlns:m="http://schemas.openxmlformats.org/officeDocument/2006/math">
+                    <m:sSup>
+                      <m:sSupPr>
+                        <m:ctrlPr>
+                          <a:rPr lang="en-US" b="0" i="1" smtClean="0">
+                            <a:latin typeface="Cambria Math" panose="02040503050406030204" pitchFamily="18" charset="0"/>
+                          </a:rPr>
+                        </m:ctrlPr>
+                      </m:sSupPr>
+                      <m:e>
+                        <m:r>
+                          <a:rPr lang="en-US" b="0" i="1" smtClean="0">
+                            <a:latin typeface="Cambria Math" panose="02040503050406030204" pitchFamily="18" charset="0"/>
+                          </a:rPr>
+                          <m:t>𝑠</m:t>
+                        </m:r>
+                      </m:e>
+                      <m:sup>
+                        <m:r>
+                          <a:rPr lang="en-US" b="0" i="1" smtClean="0">
+                            <a:latin typeface="Cambria Math" panose="02040503050406030204" pitchFamily="18" charset="0"/>
+                          </a:rPr>
+                          <m:t>2</m:t>
+                        </m:r>
+                      </m:sup>
+                    </m:sSup>
+                    <m:r>
+                      <a:rPr lang="en-US" b="0" i="1" smtClean="0">
+                        <a:latin typeface="Cambria Math" panose="02040503050406030204" pitchFamily="18" charset="0"/>
+                      </a:rPr>
+                      <m:t>=</m:t>
+                    </m:r>
+                    <m:f>
+                      <m:fPr>
+                        <m:ctrlPr>
+                          <a:rPr lang="en-US" b="0" i="1" smtClean="0">
+                            <a:latin typeface="Cambria Math" panose="02040503050406030204" pitchFamily="18" charset="0"/>
+                          </a:rPr>
+                        </m:ctrlPr>
+                      </m:fPr>
+                      <m:num>
+                        <m:r>
+                          <a:rPr lang="en-US" b="0" i="1" smtClean="0">
+                            <a:latin typeface="Cambria Math" panose="02040503050406030204" pitchFamily="18" charset="0"/>
+                          </a:rPr>
+                          <m:t>𝑛</m:t>
+                        </m:r>
+                      </m:num>
+                      <m:den>
+                        <m:r>
+                          <a:rPr lang="en-US" b="0" i="1" smtClean="0">
+                            <a:latin typeface="Cambria Math" panose="02040503050406030204" pitchFamily="18" charset="0"/>
+                          </a:rPr>
+                          <m:t>𝑛</m:t>
+                        </m:r>
+                        <m:r>
+                          <a:rPr lang="en-US" b="0" i="1" smtClean="0">
+                            <a:latin typeface="Cambria Math" panose="02040503050406030204" pitchFamily="18" charset="0"/>
+                          </a:rPr>
+                          <m:t>−1</m:t>
+                        </m:r>
+                      </m:den>
+                    </m:f>
+                    <m:r>
+                      <a:rPr lang="en-US" b="0" i="1" smtClean="0">
+                        <a:latin typeface="Cambria Math" panose="02040503050406030204" pitchFamily="18" charset="0"/>
+                      </a:rPr>
+                      <m:t>𝑝𝑞</m:t>
+                    </m:r>
+                  </m:oMath>
+                </a14:m>
+                <a:r>
+                  <a:rPr lang="en-US" dirty="0"/>
+                  <a:t>, </a:t>
+                </a:r>
+                <a14:m>
+                  <m:oMath xmlns:m="http://schemas.openxmlformats.org/officeDocument/2006/math">
+                    <m:r>
+                      <a:rPr lang="en-US" b="0" i="1" smtClean="0">
+                        <a:latin typeface="Cambria Math" panose="02040503050406030204" pitchFamily="18" charset="0"/>
+                      </a:rPr>
+                      <m:t>𝑞</m:t>
+                    </m:r>
+                    <m:r>
+                      <a:rPr lang="en-US" b="0" i="1" smtClean="0">
+                        <a:latin typeface="Cambria Math" panose="02040503050406030204" pitchFamily="18" charset="0"/>
+                      </a:rPr>
+                      <m:t>=1−</m:t>
+                    </m:r>
+                    <m:r>
+                      <a:rPr lang="en-US" b="0" i="1" smtClean="0">
+                        <a:latin typeface="Cambria Math" panose="02040503050406030204" pitchFamily="18" charset="0"/>
+                      </a:rPr>
+                      <m:t>𝑝</m:t>
+                    </m:r>
+                  </m:oMath>
+                </a14:m>
+                <a:endParaRPr lang="en-US" dirty="0"/>
+              </a:p>
+              <a:p>
+                <a:r>
+                  <a:rPr lang="ru-RU" dirty="0"/>
+                  <a:t>Несмещенная оценка дисперсии </a:t>
+                </a:r>
+                <a14:m>
+                  <m:oMath xmlns:m="http://schemas.openxmlformats.org/officeDocument/2006/math">
+                    <m:acc>
+                      <m:accPr>
+                        <m:chr m:val="̅"/>
+                        <m:ctrlPr>
+                          <a:rPr lang="ru-RU" i="1" smtClean="0">
+                            <a:latin typeface="Cambria Math" panose="02040503050406030204" pitchFamily="18" charset="0"/>
+                          </a:rPr>
+                        </m:ctrlPr>
+                      </m:accPr>
+                      <m:e>
+                        <m:r>
+                          <a:rPr lang="en-US" b="0" i="1" smtClean="0">
+                            <a:latin typeface="Cambria Math" panose="02040503050406030204" pitchFamily="18" charset="0"/>
+                          </a:rPr>
+                          <m:t>𝑦</m:t>
+                        </m:r>
+                      </m:e>
+                    </m:acc>
+                  </m:oMath>
+                </a14:m>
+                <a:br>
+                  <a:rPr lang="en-US" dirty="0"/>
+                </a:br>
+                <a14:m>
+                  <m:oMath xmlns:m="http://schemas.openxmlformats.org/officeDocument/2006/math">
+                    <m:r>
+                      <a:rPr lang="en-US" b="0" i="1" smtClean="0">
+                        <a:latin typeface="Cambria Math" panose="02040503050406030204" pitchFamily="18" charset="0"/>
+                      </a:rPr>
+                      <m:t>𝑣</m:t>
+                    </m:r>
+                    <m:d>
+                      <m:dPr>
+                        <m:ctrlPr>
+                          <a:rPr lang="en-US" b="0" i="1" smtClean="0">
+                            <a:latin typeface="Cambria Math" panose="02040503050406030204" pitchFamily="18" charset="0"/>
+                          </a:rPr>
+                        </m:ctrlPr>
+                      </m:dPr>
+                      <m:e>
+                        <m:r>
+                          <a:rPr lang="en-US" b="0" i="1" smtClean="0">
+                            <a:latin typeface="Cambria Math" panose="02040503050406030204" pitchFamily="18" charset="0"/>
+                          </a:rPr>
+                          <m:t>𝑝</m:t>
+                        </m:r>
+                      </m:e>
+                    </m:d>
+                    <m:r>
+                      <a:rPr lang="en-US" b="0" i="1" smtClean="0">
+                        <a:latin typeface="Cambria Math" panose="02040503050406030204" pitchFamily="18" charset="0"/>
+                      </a:rPr>
+                      <m:t>=</m:t>
+                    </m:r>
+                    <m:f>
+                      <m:fPr>
+                        <m:ctrlPr>
+                          <a:rPr lang="en-US" b="0" i="1" smtClean="0">
+                            <a:latin typeface="Cambria Math" panose="02040503050406030204" pitchFamily="18" charset="0"/>
+                          </a:rPr>
+                        </m:ctrlPr>
+                      </m:fPr>
+                      <m:num>
+                        <m:r>
+                          <a:rPr lang="en-US" b="0" i="1" smtClean="0">
+                            <a:latin typeface="Cambria Math" panose="02040503050406030204" pitchFamily="18" charset="0"/>
+                          </a:rPr>
+                          <m:t>𝑁</m:t>
+                        </m:r>
+                        <m:r>
+                          <a:rPr lang="en-US" b="0" i="1" smtClean="0">
+                            <a:latin typeface="Cambria Math" panose="02040503050406030204" pitchFamily="18" charset="0"/>
+                          </a:rPr>
+                          <m:t>−</m:t>
+                        </m:r>
+                        <m:r>
+                          <a:rPr lang="en-US" b="0" i="1" smtClean="0">
+                            <a:latin typeface="Cambria Math" panose="02040503050406030204" pitchFamily="18" charset="0"/>
+                          </a:rPr>
+                          <m:t>𝑛</m:t>
+                        </m:r>
+                      </m:num>
+                      <m:den>
+                        <m:d>
+                          <m:dPr>
+                            <m:ctrlPr>
+                              <a:rPr lang="en-US" b="0" i="1" smtClean="0">
+                                <a:latin typeface="Cambria Math" panose="02040503050406030204" pitchFamily="18" charset="0"/>
+                              </a:rPr>
+                            </m:ctrlPr>
+                          </m:dPr>
+                          <m:e>
+                            <m:r>
+                              <a:rPr lang="en-US" b="0" i="1" smtClean="0">
+                                <a:latin typeface="Cambria Math" panose="02040503050406030204" pitchFamily="18" charset="0"/>
+                              </a:rPr>
+                              <m:t>𝑛</m:t>
+                            </m:r>
+                            <m:r>
+                              <a:rPr lang="en-US" b="0" i="1" smtClean="0">
+                                <a:latin typeface="Cambria Math" panose="02040503050406030204" pitchFamily="18" charset="0"/>
+                              </a:rPr>
+                              <m:t>−1</m:t>
+                            </m:r>
+                          </m:e>
+                        </m:d>
+                        <m:r>
+                          <a:rPr lang="en-US" b="0" i="1" smtClean="0">
+                            <a:latin typeface="Cambria Math" panose="02040503050406030204" pitchFamily="18" charset="0"/>
+                          </a:rPr>
+                          <m:t>𝑁</m:t>
+                        </m:r>
+                      </m:den>
+                    </m:f>
+                    <m:r>
+                      <a:rPr lang="en-US" b="0" i="1" smtClean="0">
+                        <a:latin typeface="Cambria Math" panose="02040503050406030204" pitchFamily="18" charset="0"/>
+                      </a:rPr>
+                      <m:t>𝑝𝑞</m:t>
+                    </m:r>
+                  </m:oMath>
+                </a14:m>
+                <a:endParaRPr lang="en-US" b="0" dirty="0"/>
+              </a:p>
+              <a:p>
+                <a:r>
+                  <a:rPr lang="ru-RU" dirty="0"/>
+                  <a:t>Несмещенная оценка дисперсии </a:t>
+                </a:r>
+                <a14:m>
+                  <m:oMath xmlns:m="http://schemas.openxmlformats.org/officeDocument/2006/math">
+                    <m:acc>
+                      <m:accPr>
+                        <m:chr m:val="̂"/>
+                        <m:ctrlPr>
+                          <a:rPr lang="ru-RU" i="1" smtClean="0">
+                            <a:latin typeface="Cambria Math" panose="02040503050406030204" pitchFamily="18" charset="0"/>
+                          </a:rPr>
+                        </m:ctrlPr>
+                      </m:accPr>
+                      <m:e>
+                        <m:r>
+                          <a:rPr lang="en-US" b="0" i="1" smtClean="0">
+                            <a:latin typeface="Cambria Math" panose="02040503050406030204" pitchFamily="18" charset="0"/>
+                          </a:rPr>
+                          <m:t>𝐴</m:t>
+                        </m:r>
+                      </m:e>
+                    </m:acc>
+                    <m:r>
+                      <a:rPr lang="en-US" b="0" i="1" smtClean="0">
+                        <a:latin typeface="Cambria Math" panose="02040503050406030204" pitchFamily="18" charset="0"/>
+                      </a:rPr>
+                      <m:t>=</m:t>
+                    </m:r>
+                    <m:r>
+                      <a:rPr lang="en-US" b="0" i="1" smtClean="0">
+                        <a:latin typeface="Cambria Math" panose="02040503050406030204" pitchFamily="18" charset="0"/>
+                      </a:rPr>
+                      <m:t>𝑁𝑝</m:t>
+                    </m:r>
+                  </m:oMath>
+                </a14:m>
+                <a:br>
+                  <a:rPr lang="en-US" b="0" dirty="0"/>
+                </a:br>
+                <a14:m>
+                  <m:oMath xmlns:m="http://schemas.openxmlformats.org/officeDocument/2006/math">
+                    <m:r>
+                      <a:rPr lang="en-US" b="0" i="1" smtClean="0">
+                        <a:latin typeface="Cambria Math" panose="02040503050406030204" pitchFamily="18" charset="0"/>
+                      </a:rPr>
+                      <m:t>𝑣</m:t>
+                    </m:r>
+                    <m:d>
+                      <m:dPr>
+                        <m:ctrlPr>
+                          <a:rPr lang="en-US" b="0" i="1" smtClean="0">
+                            <a:latin typeface="Cambria Math" panose="02040503050406030204" pitchFamily="18" charset="0"/>
+                          </a:rPr>
+                        </m:ctrlPr>
+                      </m:dPr>
+                      <m:e>
+                        <m:acc>
+                          <m:accPr>
+                            <m:chr m:val="̂"/>
+                            <m:ctrlPr>
+                              <a:rPr lang="en-US" b="0" i="1" smtClean="0">
+                                <a:latin typeface="Cambria Math" panose="02040503050406030204" pitchFamily="18" charset="0"/>
+                              </a:rPr>
+                            </m:ctrlPr>
+                          </m:accPr>
+                          <m:e>
+                            <m:r>
+                              <a:rPr lang="en-US" b="0" i="1" smtClean="0">
+                                <a:latin typeface="Cambria Math" panose="02040503050406030204" pitchFamily="18" charset="0"/>
+                              </a:rPr>
+                              <m:t>𝐴</m:t>
+                            </m:r>
+                          </m:e>
+                        </m:acc>
+                      </m:e>
+                    </m:d>
+                    <m:r>
+                      <a:rPr lang="en-US" b="0" i="1" smtClean="0">
+                        <a:latin typeface="Cambria Math" panose="02040503050406030204" pitchFamily="18" charset="0"/>
+                      </a:rPr>
+                      <m:t>=</m:t>
+                    </m:r>
+                    <m:f>
+                      <m:fPr>
+                        <m:ctrlPr>
+                          <a:rPr lang="en-US" b="0" i="1" smtClean="0">
+                            <a:latin typeface="Cambria Math" panose="02040503050406030204" pitchFamily="18" charset="0"/>
+                          </a:rPr>
+                        </m:ctrlPr>
+                      </m:fPr>
+                      <m:num>
+                        <m:r>
+                          <a:rPr lang="en-US" b="0" i="1" smtClean="0">
+                            <a:latin typeface="Cambria Math" panose="02040503050406030204" pitchFamily="18" charset="0"/>
+                          </a:rPr>
+                          <m:t>𝑁</m:t>
+                        </m:r>
+                        <m:d>
+                          <m:dPr>
+                            <m:ctrlPr>
+                              <a:rPr lang="en-US" b="0" i="1" smtClean="0">
+                                <a:latin typeface="Cambria Math" panose="02040503050406030204" pitchFamily="18" charset="0"/>
+                              </a:rPr>
+                            </m:ctrlPr>
+                          </m:dPr>
+                          <m:e>
+                            <m:r>
+                              <a:rPr lang="en-US" b="0" i="1" smtClean="0">
+                                <a:latin typeface="Cambria Math" panose="02040503050406030204" pitchFamily="18" charset="0"/>
+                              </a:rPr>
+                              <m:t>𝑁</m:t>
+                            </m:r>
+                            <m:r>
+                              <a:rPr lang="en-US" b="0" i="1" smtClean="0">
+                                <a:latin typeface="Cambria Math" panose="02040503050406030204" pitchFamily="18" charset="0"/>
+                              </a:rPr>
+                              <m:t>−</m:t>
+                            </m:r>
+                            <m:r>
+                              <a:rPr lang="en-US" b="0" i="1" smtClean="0">
+                                <a:latin typeface="Cambria Math" panose="02040503050406030204" pitchFamily="18" charset="0"/>
+                              </a:rPr>
+                              <m:t>𝑛</m:t>
+                            </m:r>
+                          </m:e>
+                        </m:d>
+                      </m:num>
+                      <m:den>
+                        <m:r>
+                          <a:rPr lang="en-US" b="0" i="1" smtClean="0">
+                            <a:latin typeface="Cambria Math" panose="02040503050406030204" pitchFamily="18" charset="0"/>
+                          </a:rPr>
+                          <m:t>𝑛</m:t>
+                        </m:r>
+                        <m:r>
+                          <a:rPr lang="en-US" b="0" i="1" smtClean="0">
+                            <a:latin typeface="Cambria Math" panose="02040503050406030204" pitchFamily="18" charset="0"/>
+                          </a:rPr>
+                          <m:t>−1</m:t>
+                        </m:r>
+                      </m:den>
+                    </m:f>
+                    <m:r>
+                      <a:rPr lang="en-US" b="0" i="1" smtClean="0">
+                        <a:latin typeface="Cambria Math" panose="02040503050406030204" pitchFamily="18" charset="0"/>
+                      </a:rPr>
+                      <m:t>𝑝𝑞</m:t>
+                    </m:r>
+                  </m:oMath>
+                </a14:m>
+                <a:endParaRPr lang="en-US" b="0" dirty="0"/>
+              </a:p>
+            </p:txBody>
+          </p:sp>
+        </mc:Choice>
+        <mc:Fallback xmlns="">
+          <p:sp>
+            <p:nvSpPr>
+              <p:cNvPr id="3" name="Объект 2">
+                <a:extLst>
+                  <a:ext uri="{FF2B5EF4-FFF2-40B4-BE49-F238E27FC236}">
+                    <a16:creationId xmlns:a16="http://schemas.microsoft.com/office/drawing/2014/main" id="{E97E85C5-3288-C943-9F1D-5140B10598B9}"/>
+                  </a:ext>
+                </a:extLst>
+              </p:cNvPr>
+              <p:cNvSpPr>
+                <a:spLocks noGrp="1" noRot="1" noChangeAspect="1" noMove="1" noResize="1" noEditPoints="1" noAdjustHandles="1" noChangeArrowheads="1" noChangeShapeType="1" noTextEdit="1"/>
+              </p:cNvSpPr>
+              <p:nvPr>
+                <p:ph idx="1"/>
+              </p:nvPr>
+            </p:nvSpPr>
+            <p:spPr>
+              <a:blipFill>
+                <a:blip r:embed="rId2"/>
+                <a:stretch>
+                  <a:fillRect l="-1086" t="-291"/>
+                </a:stretch>
+              </a:blipFill>
+            </p:spPr>
+            <p:txBody>
+              <a:bodyPr/>
+              <a:lstStyle/>
+              <a:p>
+                <a:r>
+                  <a:rPr lang="ru-RU">
+                    <a:noFill/>
+                  </a:rPr>
+                  <a:t> </a:t>
+                </a:r>
+              </a:p>
+            </p:txBody>
+          </p:sp>
+        </mc:Fallback>
+      </mc:AlternateContent>
+    </p:spTree>
+    <p:extLst>
+      <p:ext uri="{BB962C8B-B14F-4D97-AF65-F5344CB8AC3E}">
+        <p14:creationId xmlns:p14="http://schemas.microsoft.com/office/powerpoint/2010/main" val="985668323"/>
+      </p:ext>
+    </p:extLst>
+  </p:cSld>
+  <p:clrMapOvr>
+    <a:masterClrMapping/>
+  </p:clrMapOvr>
+</p:sld>
+</file>
+
+<file path=ppt/slides/slide6.xml><?xml version="1.0" encoding="utf-8"?>
+<p:sld xmlns:a="http://schemas.openxmlformats.org/drawingml/2006/main" xmlns:r="http://schemas.openxmlformats.org/officeDocument/2006/relationships" xmlns:p="http://schemas.openxmlformats.org/presentationml/2006/main">
+  <p:cSld>
+    <p:spTree>
+      <p:nvGrpSpPr>
+        <p:cNvPr id="1" name=""/>
+        <p:cNvGrpSpPr/>
+        <p:nvPr/>
+      </p:nvGrpSpPr>
+      <p:grpSpPr>
+        <a:xfrm>
+          <a:off x="0" y="0"/>
+          <a:ext cx="0" cy="0"/>
+          <a:chOff x="0" y="0"/>
+          <a:chExt cx="0" cy="0"/>
+        </a:xfrm>
+      </p:grpSpPr>
+      <p:sp>
+        <p:nvSpPr>
+          <p:cNvPr id="2" name="Заголовок 1">
+            <a:extLst>
+              <a:ext uri="{FF2B5EF4-FFF2-40B4-BE49-F238E27FC236}">
+                <a16:creationId xmlns:a16="http://schemas.microsoft.com/office/drawing/2014/main" id="{2DFAA03C-40FE-E24E-884F-3B17775AE257}"/>
+              </a:ext>
+            </a:extLst>
+          </p:cNvPr>
+          <p:cNvSpPr>
+            <a:spLocks noGrp="1"/>
+          </p:cNvSpPr>
+          <p:nvPr>
+            <p:ph type="title"/>
+          </p:nvPr>
+        </p:nvSpPr>
+        <p:spPr/>
+        <p:txBody>
+          <a:bodyPr/>
+          <a:lstStyle/>
+          <a:p>
+            <a:r>
+              <a:rPr lang="ru-RU" dirty="0"/>
+              <a:t>Доли. </a:t>
+            </a:r>
+            <a:r>
+              <a:rPr lang="ru-RU"/>
+              <a:t>Доверительные интервалы.</a:t>
+            </a:r>
+          </a:p>
+        </p:txBody>
+      </p:sp>
+      <mc:AlternateContent xmlns:mc="http://schemas.openxmlformats.org/markup-compatibility/2006" xmlns:a14="http://schemas.microsoft.com/office/drawing/2010/main">
+        <mc:Choice Requires="a14">
+          <p:sp>
+            <p:nvSpPr>
+              <p:cNvPr id="3" name="Объект 2">
+                <a:extLst>
+                  <a:ext uri="{FF2B5EF4-FFF2-40B4-BE49-F238E27FC236}">
+                    <a16:creationId xmlns:a16="http://schemas.microsoft.com/office/drawing/2014/main" id="{D9691CF6-2B26-7B42-85D0-20C9D2786934}"/>
+                  </a:ext>
+                </a:extLst>
+              </p:cNvPr>
+              <p:cNvSpPr>
+                <a:spLocks noGrp="1"/>
+              </p:cNvSpPr>
+              <p:nvPr>
+                <p:ph idx="1"/>
+              </p:nvPr>
+            </p:nvSpPr>
+            <p:spPr/>
+            <p:txBody>
+              <a:bodyPr/>
+              <a:lstStyle/>
+              <a:p>
+                <a:pPr marL="0" indent="0">
+                  <a:buNone/>
+                </a:pPr>
+                <a14:m>
+                  <m:oMathPara xmlns:m="http://schemas.openxmlformats.org/officeDocument/2006/math">
+                    <m:oMathParaPr>
+                      <m:jc m:val="centerGroup"/>
+                    </m:oMathParaPr>
+                    <m:oMath xmlns:m="http://schemas.openxmlformats.org/officeDocument/2006/math">
+                      <m:r>
+                        <a:rPr lang="en-US" b="0" i="1" smtClean="0">
+                          <a:latin typeface="Cambria Math" panose="02040503050406030204" pitchFamily="18" charset="0"/>
+                        </a:rPr>
+                        <m:t>𝑝</m:t>
+                      </m:r>
+                      <m:r>
+                        <a:rPr lang="en-US" b="0" i="1" smtClean="0">
+                          <a:latin typeface="Cambria Math" panose="02040503050406030204" pitchFamily="18" charset="0"/>
+                          <a:ea typeface="Cambria Math" panose="02040503050406030204" pitchFamily="18" charset="0"/>
+                        </a:rPr>
+                        <m:t>±</m:t>
+                      </m:r>
+                      <m:d>
+                        <m:dPr>
+                          <m:begChr m:val="["/>
+                          <m:endChr m:val="]"/>
+                          <m:ctrlPr>
+                            <a:rPr lang="en-US" b="0" i="1" smtClean="0">
+                              <a:latin typeface="Cambria Math" panose="02040503050406030204" pitchFamily="18" charset="0"/>
+                              <a:ea typeface="Cambria Math" panose="02040503050406030204" pitchFamily="18" charset="0"/>
+                            </a:rPr>
+                          </m:ctrlPr>
+                        </m:dPr>
+                        <m:e>
+                          <m:r>
+                            <a:rPr lang="en-US" b="0" i="1" smtClean="0">
+                              <a:latin typeface="Cambria Math" panose="02040503050406030204" pitchFamily="18" charset="0"/>
+                              <a:ea typeface="Cambria Math" panose="02040503050406030204" pitchFamily="18" charset="0"/>
+                            </a:rPr>
+                            <m:t>𝑡</m:t>
+                          </m:r>
+                          <m:rad>
+                            <m:radPr>
+                              <m:degHide m:val="on"/>
+                              <m:ctrlPr>
+                                <a:rPr lang="en-US" b="0" i="1" smtClean="0">
+                                  <a:latin typeface="Cambria Math" panose="02040503050406030204" pitchFamily="18" charset="0"/>
+                                  <a:ea typeface="Cambria Math" panose="02040503050406030204" pitchFamily="18" charset="0"/>
+                                </a:rPr>
+                              </m:ctrlPr>
+                            </m:radPr>
+                            <m:deg/>
+                            <m:e>
+                              <m:r>
+                                <a:rPr lang="en-US" b="0" i="1" smtClean="0">
+                                  <a:latin typeface="Cambria Math" panose="02040503050406030204" pitchFamily="18" charset="0"/>
+                                  <a:ea typeface="Cambria Math" panose="02040503050406030204" pitchFamily="18" charset="0"/>
+                                </a:rPr>
+                                <m:t>1−</m:t>
+                              </m:r>
+                              <m:r>
+                                <a:rPr lang="en-US" b="0" i="1" smtClean="0">
+                                  <a:latin typeface="Cambria Math" panose="02040503050406030204" pitchFamily="18" charset="0"/>
+                                  <a:ea typeface="Cambria Math" panose="02040503050406030204" pitchFamily="18" charset="0"/>
+                                </a:rPr>
+                                <m:t>𝑓</m:t>
+                              </m:r>
+                            </m:e>
+                          </m:rad>
+                          <m:rad>
+                            <m:radPr>
+                              <m:degHide m:val="on"/>
+                              <m:ctrlPr>
+                                <a:rPr lang="en-US" b="0" i="1" smtClean="0">
+                                  <a:latin typeface="Cambria Math" panose="02040503050406030204" pitchFamily="18" charset="0"/>
+                                  <a:ea typeface="Cambria Math" panose="02040503050406030204" pitchFamily="18" charset="0"/>
+                                </a:rPr>
+                              </m:ctrlPr>
+                            </m:radPr>
+                            <m:deg/>
+                            <m:e>
+                              <m:f>
+                                <m:fPr>
+                                  <m:ctrlPr>
+                                    <a:rPr lang="ru-RU" b="0" i="1" smtClean="0">
+                                      <a:latin typeface="Cambria Math" panose="02040503050406030204" pitchFamily="18" charset="0"/>
+                                      <a:ea typeface="Cambria Math" panose="02040503050406030204" pitchFamily="18" charset="0"/>
+                                    </a:rPr>
+                                  </m:ctrlPr>
+                                </m:fPr>
+                                <m:num>
+                                  <m:r>
+                                    <a:rPr lang="en-US" b="0" i="1" smtClean="0">
+                                      <a:latin typeface="Cambria Math" panose="02040503050406030204" pitchFamily="18" charset="0"/>
+                                      <a:ea typeface="Cambria Math" panose="02040503050406030204" pitchFamily="18" charset="0"/>
+                                    </a:rPr>
+                                    <m:t>𝑝𝑞</m:t>
+                                  </m:r>
+                                </m:num>
+                                <m:den>
+                                  <m:r>
+                                    <a:rPr lang="en-US" b="0" i="1" smtClean="0">
+                                      <a:latin typeface="Cambria Math" panose="02040503050406030204" pitchFamily="18" charset="0"/>
+                                      <a:ea typeface="Cambria Math" panose="02040503050406030204" pitchFamily="18" charset="0"/>
+                                    </a:rPr>
+                                    <m:t>𝑛</m:t>
+                                  </m:r>
+                                  <m:r>
+                                    <a:rPr lang="en-US" b="0" i="1" smtClean="0">
+                                      <a:latin typeface="Cambria Math" panose="02040503050406030204" pitchFamily="18" charset="0"/>
+                                      <a:ea typeface="Cambria Math" panose="02040503050406030204" pitchFamily="18" charset="0"/>
+                                    </a:rPr>
+                                    <m:t>−1</m:t>
+                                  </m:r>
+                                </m:den>
+                              </m:f>
+                            </m:e>
+                          </m:rad>
+                          <m:r>
+                            <a:rPr lang="en-US" b="0" i="1" smtClean="0">
+                              <a:latin typeface="Cambria Math" panose="02040503050406030204" pitchFamily="18" charset="0"/>
+                              <a:ea typeface="Cambria Math" panose="02040503050406030204" pitchFamily="18" charset="0"/>
+                            </a:rPr>
+                            <m:t>+</m:t>
+                          </m:r>
+                          <m:f>
+                            <m:fPr>
+                              <m:ctrlPr>
+                                <a:rPr lang="en-US" b="0" i="1" smtClean="0">
+                                  <a:latin typeface="Cambria Math" panose="02040503050406030204" pitchFamily="18" charset="0"/>
+                                  <a:ea typeface="Cambria Math" panose="02040503050406030204" pitchFamily="18" charset="0"/>
+                                </a:rPr>
+                              </m:ctrlPr>
+                            </m:fPr>
+                            <m:num>
+                              <m:r>
+                                <a:rPr lang="en-US" b="0" i="1" smtClean="0">
+                                  <a:latin typeface="Cambria Math" panose="02040503050406030204" pitchFamily="18" charset="0"/>
+                                  <a:ea typeface="Cambria Math" panose="02040503050406030204" pitchFamily="18" charset="0"/>
+                                </a:rPr>
+                                <m:t>1</m:t>
+                              </m:r>
+                            </m:num>
+                            <m:den>
+                              <m:r>
+                                <a:rPr lang="en-US" b="0" i="1" smtClean="0">
+                                  <a:latin typeface="Cambria Math" panose="02040503050406030204" pitchFamily="18" charset="0"/>
+                                  <a:ea typeface="Cambria Math" panose="02040503050406030204" pitchFamily="18" charset="0"/>
+                                </a:rPr>
+                                <m:t>2</m:t>
+                              </m:r>
+                              <m:r>
+                                <a:rPr lang="en-US" b="0" i="1" smtClean="0">
+                                  <a:latin typeface="Cambria Math" panose="02040503050406030204" pitchFamily="18" charset="0"/>
+                                  <a:ea typeface="Cambria Math" panose="02040503050406030204" pitchFamily="18" charset="0"/>
+                                </a:rPr>
+                                <m:t>𝑛</m:t>
+                              </m:r>
+                            </m:den>
+                          </m:f>
+                        </m:e>
+                      </m:d>
+                    </m:oMath>
+                  </m:oMathPara>
+                </a14:m>
+                <a:endParaRPr lang="ru-RU" dirty="0"/>
+              </a:p>
+            </p:txBody>
+          </p:sp>
+        </mc:Choice>
+        <mc:Fallback xmlns="">
+          <p:sp>
+            <p:nvSpPr>
+              <p:cNvPr id="3" name="Объект 2">
+                <a:extLst>
+                  <a:ext uri="{FF2B5EF4-FFF2-40B4-BE49-F238E27FC236}">
+                    <a16:creationId xmlns:a16="http://schemas.microsoft.com/office/drawing/2014/main" id="{D9691CF6-2B26-7B42-85D0-20C9D2786934}"/>
+                  </a:ext>
+                </a:extLst>
+              </p:cNvPr>
+              <p:cNvSpPr>
+                <a:spLocks noGrp="1" noRot="1" noChangeAspect="1" noMove="1" noResize="1" noEditPoints="1" noAdjustHandles="1" noChangeArrowheads="1" noChangeShapeType="1" noTextEdit="1"/>
+              </p:cNvSpPr>
+              <p:nvPr>
+                <p:ph idx="1"/>
+              </p:nvPr>
+            </p:nvSpPr>
+            <p:spPr>
+              <a:blipFill>
+                <a:blip r:embed="rId2"/>
+                <a:stretch>
+                  <a:fillRect/>
+                </a:stretch>
+              </a:blipFill>
+            </p:spPr>
+            <p:txBody>
+              <a:bodyPr/>
+              <a:lstStyle/>
+              <a:p>
+                <a:r>
+                  <a:rPr lang="ru-RU">
+                    <a:noFill/>
+                  </a:rPr>
+                  <a:t> </a:t>
+                </a:r>
+              </a:p>
+            </p:txBody>
+          </p:sp>
+        </mc:Fallback>
+      </mc:AlternateContent>
+    </p:spTree>
+    <p:extLst>
+      <p:ext uri="{BB962C8B-B14F-4D97-AF65-F5344CB8AC3E}">
+        <p14:creationId xmlns:p14="http://schemas.microsoft.com/office/powerpoint/2010/main" val="3550745852"/>
       </p:ext>
     </p:extLst>
   </p:cSld>
